--- a/docs/Mockup_notes.pptx
+++ b/docs/Mockup_notes.pptx
@@ -4461,6 +4461,41 @@
           </a:p>
         </p:txBody>
       </p:sp>
+      <p:cxnSp>
+        <p:nvCxnSpPr>
+          <p:cNvPr id="2" name="Straight Connector 1"/>
+          <p:cNvCxnSpPr/>
+          <p:nvPr/>
+        </p:nvCxnSpPr>
+        <p:spPr>
+          <a:xfrm>
+            <a:off x="3081020" y="843915"/>
+            <a:ext cx="839470" cy="0"/>
+          </a:xfrm>
+          <a:prstGeom prst="line">
+            <a:avLst/>
+          </a:prstGeom>
+          <a:ln w="79375">
+            <a:solidFill>
+              <a:srgbClr val="844D36"/>
+            </a:solidFill>
+          </a:ln>
+        </p:spPr>
+        <p:style>
+          <a:lnRef idx="1">
+            <a:schemeClr val="accent1"/>
+          </a:lnRef>
+          <a:fillRef idx="0">
+            <a:schemeClr val="accent1"/>
+          </a:fillRef>
+          <a:effectRef idx="0">
+            <a:schemeClr val="accent1"/>
+          </a:effectRef>
+          <a:fontRef idx="minor">
+            <a:schemeClr val="tx1"/>
+          </a:fontRef>
+        </p:style>
+      </p:cxnSp>
     </p:spTree>
   </p:cSld>
   <p:clrMapOvr>
@@ -8594,6 +8629,41 @@
           </a:p>
         </p:txBody>
       </p:sp>
+      <p:cxnSp>
+        <p:nvCxnSpPr>
+          <p:cNvPr id="8" name="Straight Connector 7"/>
+          <p:cNvCxnSpPr/>
+          <p:nvPr/>
+        </p:nvCxnSpPr>
+        <p:spPr>
+          <a:xfrm>
+            <a:off x="4343400" y="828675"/>
+            <a:ext cx="1101090" cy="15240"/>
+          </a:xfrm>
+          <a:prstGeom prst="line">
+            <a:avLst/>
+          </a:prstGeom>
+          <a:ln w="79375">
+            <a:solidFill>
+              <a:srgbClr val="844D36"/>
+            </a:solidFill>
+          </a:ln>
+        </p:spPr>
+        <p:style>
+          <a:lnRef idx="1">
+            <a:schemeClr val="accent1"/>
+          </a:lnRef>
+          <a:fillRef idx="0">
+            <a:schemeClr val="accent1"/>
+          </a:fillRef>
+          <a:effectRef idx="0">
+            <a:schemeClr val="accent1"/>
+          </a:effectRef>
+          <a:fontRef idx="minor">
+            <a:schemeClr val="tx1"/>
+          </a:fontRef>
+        </p:style>
+      </p:cxnSp>
     </p:spTree>
   </p:cSld>
   <p:clrMapOvr>
@@ -10534,6 +10604,41 @@
           </a:p>
         </p:txBody>
       </p:sp>
+      <p:cxnSp>
+        <p:nvCxnSpPr>
+          <p:cNvPr id="5" name="Straight Connector 4"/>
+          <p:cNvCxnSpPr/>
+          <p:nvPr/>
+        </p:nvCxnSpPr>
+        <p:spPr>
+          <a:xfrm>
+            <a:off x="4343400" y="828675"/>
+            <a:ext cx="1101090" cy="15240"/>
+          </a:xfrm>
+          <a:prstGeom prst="line">
+            <a:avLst/>
+          </a:prstGeom>
+          <a:ln w="79375">
+            <a:solidFill>
+              <a:srgbClr val="844D36"/>
+            </a:solidFill>
+          </a:ln>
+        </p:spPr>
+        <p:style>
+          <a:lnRef idx="1">
+            <a:schemeClr val="accent1"/>
+          </a:lnRef>
+          <a:fillRef idx="0">
+            <a:schemeClr val="accent1"/>
+          </a:fillRef>
+          <a:effectRef idx="0">
+            <a:schemeClr val="accent1"/>
+          </a:effectRef>
+          <a:fontRef idx="minor">
+            <a:schemeClr val="tx1"/>
+          </a:fontRef>
+        </p:style>
+      </p:cxnSp>
     </p:spTree>
   </p:cSld>
   <p:clrMapOvr>
@@ -12547,6 +12652,41 @@
           </a:p>
         </p:txBody>
       </p:sp>
+      <p:cxnSp>
+        <p:nvCxnSpPr>
+          <p:cNvPr id="8" name="Straight Connector 7"/>
+          <p:cNvCxnSpPr/>
+          <p:nvPr/>
+        </p:nvCxnSpPr>
+        <p:spPr>
+          <a:xfrm>
+            <a:off x="4343400" y="828675"/>
+            <a:ext cx="1101090" cy="15240"/>
+          </a:xfrm>
+          <a:prstGeom prst="line">
+            <a:avLst/>
+          </a:prstGeom>
+          <a:ln w="79375">
+            <a:solidFill>
+              <a:srgbClr val="844D36"/>
+            </a:solidFill>
+          </a:ln>
+        </p:spPr>
+        <p:style>
+          <a:lnRef idx="1">
+            <a:schemeClr val="accent1"/>
+          </a:lnRef>
+          <a:fillRef idx="0">
+            <a:schemeClr val="accent1"/>
+          </a:fillRef>
+          <a:effectRef idx="0">
+            <a:schemeClr val="accent1"/>
+          </a:effectRef>
+          <a:fontRef idx="minor">
+            <a:schemeClr val="tx1"/>
+          </a:fontRef>
+        </p:style>
+      </p:cxnSp>
     </p:spTree>
   </p:cSld>
   <p:clrMapOvr>
@@ -14654,6 +14794,41 @@
           </a:p>
         </p:txBody>
       </p:sp>
+      <p:cxnSp>
+        <p:nvCxnSpPr>
+          <p:cNvPr id="8" name="Straight Connector 7"/>
+          <p:cNvCxnSpPr/>
+          <p:nvPr/>
+        </p:nvCxnSpPr>
+        <p:spPr>
+          <a:xfrm>
+            <a:off x="4343400" y="828675"/>
+            <a:ext cx="1101090" cy="15240"/>
+          </a:xfrm>
+          <a:prstGeom prst="line">
+            <a:avLst/>
+          </a:prstGeom>
+          <a:ln w="79375">
+            <a:solidFill>
+              <a:srgbClr val="844D36"/>
+            </a:solidFill>
+          </a:ln>
+        </p:spPr>
+        <p:style>
+          <a:lnRef idx="1">
+            <a:schemeClr val="accent1"/>
+          </a:lnRef>
+          <a:fillRef idx="0">
+            <a:schemeClr val="accent1"/>
+          </a:fillRef>
+          <a:effectRef idx="0">
+            <a:schemeClr val="accent1"/>
+          </a:effectRef>
+          <a:fontRef idx="minor">
+            <a:schemeClr val="tx1"/>
+          </a:fontRef>
+        </p:style>
+      </p:cxnSp>
     </p:spTree>
   </p:cSld>
   <p:clrMapOvr>
@@ -16671,6 +16846,41 @@
           </a:p>
         </p:txBody>
       </p:sp>
+      <p:cxnSp>
+        <p:nvCxnSpPr>
+          <p:cNvPr id="8" name="Straight Connector 7"/>
+          <p:cNvCxnSpPr/>
+          <p:nvPr/>
+        </p:nvCxnSpPr>
+        <p:spPr>
+          <a:xfrm>
+            <a:off x="4343400" y="828675"/>
+            <a:ext cx="1101090" cy="15240"/>
+          </a:xfrm>
+          <a:prstGeom prst="line">
+            <a:avLst/>
+          </a:prstGeom>
+          <a:ln w="79375">
+            <a:solidFill>
+              <a:srgbClr val="844D36"/>
+            </a:solidFill>
+          </a:ln>
+        </p:spPr>
+        <p:style>
+          <a:lnRef idx="1">
+            <a:schemeClr val="accent1"/>
+          </a:lnRef>
+          <a:fillRef idx="0">
+            <a:schemeClr val="accent1"/>
+          </a:fillRef>
+          <a:effectRef idx="0">
+            <a:schemeClr val="accent1"/>
+          </a:effectRef>
+          <a:fontRef idx="minor">
+            <a:schemeClr val="tx1"/>
+          </a:fontRef>
+        </p:style>
+      </p:cxnSp>
     </p:spTree>
   </p:cSld>
   <p:clrMapOvr>
@@ -17756,6 +17966,41 @@
           </a:p>
         </p:txBody>
       </p:sp>
+      <p:cxnSp>
+        <p:nvCxnSpPr>
+          <p:cNvPr id="8" name="Straight Connector 7"/>
+          <p:cNvCxnSpPr/>
+          <p:nvPr/>
+        </p:nvCxnSpPr>
+        <p:spPr>
+          <a:xfrm>
+            <a:off x="5867400" y="828675"/>
+            <a:ext cx="841375" cy="0"/>
+          </a:xfrm>
+          <a:prstGeom prst="line">
+            <a:avLst/>
+          </a:prstGeom>
+          <a:ln w="79375">
+            <a:solidFill>
+              <a:srgbClr val="844D36"/>
+            </a:solidFill>
+          </a:ln>
+        </p:spPr>
+        <p:style>
+          <a:lnRef idx="1">
+            <a:schemeClr val="accent1"/>
+          </a:lnRef>
+          <a:fillRef idx="0">
+            <a:schemeClr val="accent1"/>
+          </a:fillRef>
+          <a:effectRef idx="0">
+            <a:schemeClr val="accent1"/>
+          </a:effectRef>
+          <a:fontRef idx="minor">
+            <a:schemeClr val="tx1"/>
+          </a:fontRef>
+        </p:style>
+      </p:cxnSp>
     </p:spTree>
   </p:cSld>
   <p:clrMapOvr>
@@ -19058,6 +19303,41 @@
           </a:p>
         </p:txBody>
       </p:sp>
+      <p:cxnSp>
+        <p:nvCxnSpPr>
+          <p:cNvPr id="8" name="Straight Connector 7"/>
+          <p:cNvCxnSpPr/>
+          <p:nvPr/>
+        </p:nvCxnSpPr>
+        <p:spPr>
+          <a:xfrm>
+            <a:off x="7167245" y="828675"/>
+            <a:ext cx="932815" cy="0"/>
+          </a:xfrm>
+          <a:prstGeom prst="line">
+            <a:avLst/>
+          </a:prstGeom>
+          <a:ln w="79375">
+            <a:solidFill>
+              <a:srgbClr val="844D36"/>
+            </a:solidFill>
+          </a:ln>
+        </p:spPr>
+        <p:style>
+          <a:lnRef idx="1">
+            <a:schemeClr val="accent1"/>
+          </a:lnRef>
+          <a:fillRef idx="0">
+            <a:schemeClr val="accent1"/>
+          </a:fillRef>
+          <a:effectRef idx="0">
+            <a:schemeClr val="accent1"/>
+          </a:effectRef>
+          <a:fontRef idx="minor">
+            <a:schemeClr val="tx1"/>
+          </a:fontRef>
+        </p:style>
+      </p:cxnSp>
     </p:spTree>
   </p:cSld>
   <p:clrMapOvr>

--- a/docs/Mockup_notes.pptx
+++ b/docs/Mockup_notes.pptx
@@ -3063,8 +3063,8 @@
         </p:nvSpPr>
         <p:spPr>
           <a:xfrm>
-            <a:off x="3228975" y="7467310"/>
-            <a:ext cx="2239433" cy="1066800"/>
+            <a:off x="2811145" y="7487920"/>
+            <a:ext cx="3306445" cy="1066800"/>
           </a:xfrm>
           <a:prstGeom prst="roundRect">
             <a:avLst/>
@@ -3100,7 +3100,24 @@
                   <a:schemeClr val="tx1"/>
                 </a:solidFill>
               </a:rPr>
-              <a:t>Short Description</a:t>
+              <a:t>Short attracting </a:t>
+            </a:r>
+            <a:r>
+              <a:rPr lang="x-none" altLang="en-US" sz="1600">
+                <a:solidFill>
+                  <a:schemeClr val="tx1"/>
+                </a:solidFill>
+                <a:sym typeface="+mn-ea"/>
+              </a:rPr>
+              <a:t>Description</a:t>
+            </a:r>
+            <a:r>
+              <a:rPr lang="x-none" altLang="en-US" sz="1600">
+                <a:solidFill>
+                  <a:schemeClr val="tx1"/>
+                </a:solidFill>
+              </a:rPr>
+              <a:t> of 1 or 2 lines</a:t>
             </a:r>
             <a:endParaRPr lang="x-none" altLang="en-US" sz="1600">
               <a:solidFill>
@@ -3666,8 +3683,8 @@
         </p:nvSpPr>
         <p:spPr>
           <a:xfrm>
-            <a:off x="3810" y="12063730"/>
-            <a:ext cx="9135745" cy="1702435"/>
+            <a:off x="3810" y="11765915"/>
+            <a:ext cx="9135745" cy="2000250"/>
           </a:xfrm>
           <a:prstGeom prst="rect">
             <a:avLst/>
@@ -3725,7 +3742,7 @@
         </p:nvSpPr>
         <p:spPr>
           <a:xfrm>
-            <a:off x="539327" y="11992532"/>
+            <a:off x="539327" y="11916332"/>
             <a:ext cx="2150533" cy="1786467"/>
           </a:xfrm>
           <a:prstGeom prst="rect">
@@ -3838,14 +3855,14 @@
       </p:sp>
       <p:sp>
         <p:nvSpPr>
-          <p:cNvPr id="1048598" name="Rectangle 41"/>
+          <p:cNvPr id="1048599" name="Rectangle 42"/>
           <p:cNvSpPr/>
           <p:nvPr/>
         </p:nvSpPr>
         <p:spPr>
           <a:xfrm>
-            <a:off x="3317875" y="11979832"/>
-            <a:ext cx="2150533" cy="1786467"/>
+            <a:off x="6535420" y="11527155"/>
+            <a:ext cx="2240280" cy="1786255"/>
           </a:xfrm>
           <a:prstGeom prst="rect">
             <a:avLst/>
@@ -3881,77 +3898,6 @@
                   <a:schemeClr val="tx1"/>
                 </a:solidFill>
               </a:rPr>
-              <a:t>Facebook</a:t>
-            </a:r>
-            <a:endParaRPr lang="x-none" altLang="en-US" sz="1600" b="1">
-              <a:solidFill>
-                <a:schemeClr val="tx1"/>
-              </a:solidFill>
-            </a:endParaRPr>
-          </a:p>
-          <a:p>
-            <a:pPr algn="ctr"/>
-            <a:r>
-              <a:rPr lang="x-none" altLang="en-US" sz="1600" b="1">
-                <a:solidFill>
-                  <a:schemeClr val="tx1"/>
-                </a:solidFill>
-              </a:rPr>
-              <a:t>Instagram</a:t>
-            </a:r>
-            <a:endParaRPr lang="x-none" altLang="en-US" sz="1600" b="1">
-              <a:solidFill>
-                <a:schemeClr val="tx1"/>
-              </a:solidFill>
-            </a:endParaRPr>
-          </a:p>
-        </p:txBody>
-      </p:sp>
-      <p:sp>
-        <p:nvSpPr>
-          <p:cNvPr id="1048599" name="Rectangle 42"/>
-          <p:cNvSpPr/>
-          <p:nvPr/>
-        </p:nvSpPr>
-        <p:spPr>
-          <a:xfrm>
-            <a:off x="6383443" y="11992532"/>
-            <a:ext cx="2150533" cy="1786467"/>
-          </a:xfrm>
-          <a:prstGeom prst="rect">
-            <a:avLst/>
-          </a:prstGeom>
-          <a:noFill/>
-          <a:ln>
-            <a:noFill/>
-          </a:ln>
-        </p:spPr>
-        <p:style>
-          <a:lnRef idx="2">
-            <a:schemeClr val="accent1">
-              <a:shade val="50000"/>
-            </a:schemeClr>
-          </a:lnRef>
-          <a:fillRef idx="1">
-            <a:schemeClr val="accent1"/>
-          </a:fillRef>
-          <a:effectRef idx="0">
-            <a:schemeClr val="accent1"/>
-          </a:effectRef>
-          <a:fontRef idx="minor">
-            <a:schemeClr val="lt1"/>
-          </a:fontRef>
-        </p:style>
-        <p:txBody>
-          <a:bodyPr rtlCol="0" anchor="ctr"/>
-          <a:p>
-            <a:pPr algn="l"/>
-            <a:r>
-              <a:rPr lang="x-none" altLang="en-US" sz="1600" b="1">
-                <a:solidFill>
-                  <a:schemeClr val="tx1"/>
-                </a:solidFill>
-              </a:rPr>
               <a:t>Newsletter</a:t>
             </a:r>
             <a:endParaRPr lang="x-none" altLang="en-US" sz="1600" b="1">
@@ -3986,8 +3932,8 @@
         </p:nvSpPr>
         <p:spPr>
           <a:xfrm>
-            <a:off x="6383443" y="12847665"/>
-            <a:ext cx="2239433" cy="407247"/>
+            <a:off x="6383655" y="12466955"/>
+            <a:ext cx="2603500" cy="407035"/>
           </a:xfrm>
           <a:prstGeom prst="roundRect">
             <a:avLst/>
@@ -4023,18 +3969,22 @@
         <p:txBody>
           <a:bodyPr rtlCol="0" anchor="ctr"/>
           <a:p>
-            <a:pPr algn="ctr"/>
+            <a:pPr algn="l"/>
             <a:r>
               <a:rPr lang="x-none" altLang="en-US" sz="1600">
                 <a:solidFill>
-                  <a:schemeClr val="tx1"/>
-                </a:solidFill>
-              </a:rPr>
-              <a:t>mail</a:t>
-            </a:r>
-            <a:endParaRPr lang="x-none" altLang="en-US" sz="1600">
-              <a:solidFill>
-                <a:schemeClr val="tx1"/>
+                  <a:schemeClr val="bg1">
+                    <a:lumMod val="50000"/>
+                  </a:schemeClr>
+                </a:solidFill>
+              </a:rPr>
+              <a:t>Email Address</a:t>
+            </a:r>
+            <a:endParaRPr lang="x-none" altLang="en-US" sz="1600">
+              <a:solidFill>
+                <a:schemeClr val="bg1">
+                  <a:lumMod val="50000"/>
+                </a:schemeClr>
               </a:solidFill>
             </a:endParaRPr>
           </a:p>
@@ -4048,8 +3998,8 @@
         </p:nvSpPr>
         <p:spPr>
           <a:xfrm>
-            <a:off x="166370" y="3812885"/>
-            <a:ext cx="2239433" cy="1066800"/>
+            <a:off x="166370" y="3813175"/>
+            <a:ext cx="2522855" cy="1066800"/>
           </a:xfrm>
           <a:prstGeom prst="roundRect">
             <a:avLst/>
@@ -4085,7 +4035,7 @@
                   <a:schemeClr val="tx1"/>
                 </a:solidFill>
               </a:rPr>
-              <a:t>Short Description</a:t>
+              <a:t>Short Description of about two small lines</a:t>
             </a:r>
             <a:endParaRPr lang="x-none" altLang="en-US" sz="1600">
               <a:solidFill>
@@ -4402,7 +4352,7 @@
                   <a:schemeClr val="tx1"/>
                 </a:solidFill>
               </a:rPr>
-              <a:t>Each Image can be clicked to see the wanted product type</a:t>
+              <a:t>Each Image can be clicked to see the wanted product type in the product page</a:t>
             </a:r>
             <a:endParaRPr lang="x-none" altLang="en-US">
               <a:solidFill>
@@ -4496,6 +4446,289 @@
           </a:fontRef>
         </p:style>
       </p:cxnSp>
+      <p:pic>
+        <p:nvPicPr>
+          <p:cNvPr id="9" name="Picture 8" descr="envelope2"/>
+          <p:cNvPicPr>
+            <a:picLocks noChangeAspect="1"/>
+          </p:cNvPicPr>
+          <p:nvPr/>
+        </p:nvPicPr>
+        <p:blipFill>
+          <a:blip r:embed="rId3"/>
+          <a:stretch>
+            <a:fillRect/>
+          </a:stretch>
+        </p:blipFill>
+        <p:spPr>
+          <a:xfrm>
+            <a:off x="4821555" y="11995150"/>
+            <a:ext cx="384810" cy="384810"/>
+          </a:xfrm>
+          <a:prstGeom prst="rect">
+            <a:avLst/>
+          </a:prstGeom>
+        </p:spPr>
+      </p:pic>
+      <p:pic>
+        <p:nvPicPr>
+          <p:cNvPr id="10" name="Picture 9" descr="facebook"/>
+          <p:cNvPicPr>
+            <a:picLocks noChangeAspect="1"/>
+          </p:cNvPicPr>
+          <p:nvPr/>
+        </p:nvPicPr>
+        <p:blipFill>
+          <a:blip r:embed="rId4"/>
+          <a:stretch>
+            <a:fillRect/>
+          </a:stretch>
+        </p:blipFill>
+        <p:spPr>
+          <a:xfrm>
+            <a:off x="3582035" y="11992610"/>
+            <a:ext cx="338455" cy="387350"/>
+          </a:xfrm>
+          <a:prstGeom prst="rect">
+            <a:avLst/>
+          </a:prstGeom>
+        </p:spPr>
+      </p:pic>
+      <p:pic>
+        <p:nvPicPr>
+          <p:cNvPr id="11" name="Picture 10" descr="instagram"/>
+          <p:cNvPicPr>
+            <a:picLocks noChangeAspect="1"/>
+          </p:cNvPicPr>
+          <p:nvPr/>
+        </p:nvPicPr>
+        <p:blipFill>
+          <a:blip r:embed="rId5"/>
+          <a:stretch>
+            <a:fillRect/>
+          </a:stretch>
+        </p:blipFill>
+        <p:spPr>
+          <a:xfrm>
+            <a:off x="4192905" y="11995150"/>
+            <a:ext cx="338455" cy="387350"/>
+          </a:xfrm>
+          <a:prstGeom prst="rect">
+            <a:avLst/>
+          </a:prstGeom>
+        </p:spPr>
+      </p:pic>
+      <p:sp>
+        <p:nvSpPr>
+          <p:cNvPr id="5" name="Rectangle 40"/>
+          <p:cNvSpPr/>
+          <p:nvPr/>
+        </p:nvSpPr>
+        <p:spPr>
+          <a:xfrm>
+            <a:off x="2581910" y="12414885"/>
+            <a:ext cx="3611880" cy="1282700"/>
+          </a:xfrm>
+          <a:prstGeom prst="rect">
+            <a:avLst/>
+          </a:prstGeom>
+          <a:noFill/>
+          <a:ln>
+            <a:noFill/>
+          </a:ln>
+        </p:spPr>
+        <p:style>
+          <a:lnRef idx="2">
+            <a:schemeClr val="accent1">
+              <a:shade val="50000"/>
+            </a:schemeClr>
+          </a:lnRef>
+          <a:fillRef idx="1">
+            <a:schemeClr val="accent1"/>
+          </a:fillRef>
+          <a:effectRef idx="0">
+            <a:schemeClr val="accent1"/>
+          </a:effectRef>
+          <a:fontRef idx="minor">
+            <a:schemeClr val="lt1"/>
+          </a:fontRef>
+        </p:style>
+        <p:txBody>
+          <a:bodyPr rtlCol="0" anchor="ctr"/>
+          <a:p>
+            <a:pPr algn="ctr"/>
+            <a:r>
+              <a:rPr lang="x-none" altLang="en-US" sz="1600">
+                <a:solidFill>
+                  <a:schemeClr val="tx1"/>
+                </a:solidFill>
+              </a:rPr>
+              <a:t>33 6 00 11 22 33</a:t>
+            </a:r>
+            <a:endParaRPr lang="x-none" altLang="en-US" sz="1600">
+              <a:solidFill>
+                <a:schemeClr val="tx1"/>
+              </a:solidFill>
+            </a:endParaRPr>
+          </a:p>
+          <a:p>
+            <a:pPr algn="ctr"/>
+            <a:r>
+              <a:rPr lang="x-none" altLang="en-US" sz="1600">
+                <a:solidFill>
+                  <a:schemeClr val="tx1"/>
+                </a:solidFill>
+              </a:rPr>
+              <a:t>contact@firedBowl.com</a:t>
+            </a:r>
+            <a:endParaRPr lang="x-none" altLang="en-US" sz="1600">
+              <a:solidFill>
+                <a:schemeClr val="tx1"/>
+              </a:solidFill>
+            </a:endParaRPr>
+          </a:p>
+          <a:p>
+            <a:pPr algn="ctr"/>
+            <a:r>
+              <a:rPr lang="x-none" altLang="en-US" sz="1600">
+                <a:solidFill>
+                  <a:schemeClr val="tx1"/>
+                </a:solidFill>
+              </a:rPr>
+              <a:t>68 Hollow road, London, UK</a:t>
+            </a:r>
+            <a:endParaRPr lang="x-none" altLang="en-US" sz="1600">
+              <a:solidFill>
+                <a:schemeClr val="tx1"/>
+              </a:solidFill>
+            </a:endParaRPr>
+          </a:p>
+          <a:p>
+            <a:pPr algn="ctr"/>
+            <a:r>
+              <a:rPr lang="x-none" altLang="en-US" sz="1600">
+                <a:solidFill>
+                  <a:schemeClr val="tx1"/>
+                </a:solidFill>
+              </a:rPr>
+              <a:t>Monday-Saturday : 8am - 5pm</a:t>
+            </a:r>
+            <a:endParaRPr lang="x-none" altLang="en-US" sz="1600">
+              <a:solidFill>
+                <a:schemeClr val="tx1"/>
+              </a:solidFill>
+            </a:endParaRPr>
+          </a:p>
+        </p:txBody>
+      </p:sp>
+      <p:sp>
+        <p:nvSpPr>
+          <p:cNvPr id="12" name="Rounded Rectangle 36"/>
+          <p:cNvSpPr/>
+          <p:nvPr/>
+        </p:nvSpPr>
+        <p:spPr>
+          <a:xfrm>
+            <a:off x="6928485" y="13087985"/>
+            <a:ext cx="1453515" cy="320675"/>
+          </a:xfrm>
+          <a:prstGeom prst="roundRect">
+            <a:avLst/>
+          </a:prstGeom>
+          <a:solidFill>
+            <a:schemeClr val="bg1"/>
+          </a:solidFill>
+          <a:ln>
+            <a:solidFill>
+              <a:schemeClr val="tx1"/>
+            </a:solidFill>
+          </a:ln>
+        </p:spPr>
+        <p:style>
+          <a:lnRef idx="2">
+            <a:schemeClr val="accent1">
+              <a:shade val="50000"/>
+            </a:schemeClr>
+          </a:lnRef>
+          <a:fillRef idx="1">
+            <a:schemeClr val="accent1"/>
+          </a:fillRef>
+          <a:effectRef idx="0">
+            <a:schemeClr val="accent1"/>
+          </a:effectRef>
+          <a:fontRef idx="minor">
+            <a:schemeClr val="lt1"/>
+          </a:fontRef>
+        </p:style>
+        <p:txBody>
+          <a:bodyPr rtlCol="0" anchor="ctr"/>
+          <a:p>
+            <a:pPr algn="ctr"/>
+            <a:r>
+              <a:rPr lang="x-none" altLang="en-US" sz="1600">
+                <a:solidFill>
+                  <a:schemeClr val="tx1"/>
+                </a:solidFill>
+              </a:rPr>
+              <a:t>Subscribe</a:t>
+            </a:r>
+            <a:endParaRPr lang="x-none" altLang="en-US" sz="1600">
+              <a:solidFill>
+                <a:schemeClr val="tx1"/>
+              </a:solidFill>
+            </a:endParaRPr>
+          </a:p>
+        </p:txBody>
+      </p:sp>
+      <p:sp>
+        <p:nvSpPr>
+          <p:cNvPr id="6" name="Folded Corner 5"/>
+          <p:cNvSpPr/>
+          <p:nvPr/>
+        </p:nvSpPr>
+        <p:spPr>
+          <a:xfrm>
+            <a:off x="6713220" y="3201035"/>
+            <a:ext cx="2273935" cy="1100455"/>
+          </a:xfrm>
+          <a:prstGeom prst="foldedCorner">
+            <a:avLst/>
+          </a:prstGeom>
+        </p:spPr>
+        <p:style>
+          <a:lnRef idx="0">
+            <a:schemeClr val="accent4"/>
+          </a:lnRef>
+          <a:fillRef idx="3">
+            <a:schemeClr val="accent4"/>
+          </a:fillRef>
+          <a:effectRef idx="3">
+            <a:schemeClr val="accent4"/>
+          </a:effectRef>
+          <a:fontRef idx="minor">
+            <a:schemeClr val="lt1"/>
+          </a:fontRef>
+        </p:style>
+        <p:txBody>
+          <a:bodyPr rtlCol="0" anchor="ctr"/>
+          <a:p>
+            <a:pPr algn="ctr"/>
+            <a:r>
+              <a:rPr lang="x-none" altLang="en-US">
+                <a:solidFill>
+                  <a:schemeClr val="tx1"/>
+                </a:solidFill>
+              </a:rPr>
+              <a:t>this image shows an attractive product</a:t>
+            </a:r>
+            <a:endParaRPr lang="x-none" altLang="en-US">
+              <a:solidFill>
+                <a:schemeClr val="tx1"/>
+              </a:solidFill>
+            </a:endParaRPr>
+          </a:p>
+        </p:txBody>
+      </p:sp>
     </p:spTree>
   </p:cSld>
   <p:clrMapOvr>
@@ -5977,8 +6210,8 @@
         </p:nvSpPr>
         <p:spPr>
           <a:xfrm>
-            <a:off x="1092514" y="2220793"/>
-            <a:ext cx="6947917" cy="8416161"/>
+            <a:off x="1129030" y="2220595"/>
+            <a:ext cx="6886575" cy="8416290"/>
           </a:xfrm>
           <a:prstGeom prst="roundRect">
             <a:avLst>
@@ -6117,8 +6350,8 @@
         </p:nvSpPr>
         <p:spPr>
           <a:xfrm>
-            <a:off x="1104649" y="7785198"/>
-            <a:ext cx="3988585" cy="1275071"/>
+            <a:off x="1104900" y="8394700"/>
+            <a:ext cx="6768465" cy="1275080"/>
           </a:xfrm>
           <a:prstGeom prst="roundRect">
             <a:avLst/>
@@ -6204,6 +6437,31 @@
               </a:rPr>
               <a:t>Description</a:t>
             </a:r>
+            <a:r>
+              <a:rPr lang="x-none" altLang="en-US" sz="2300">
+                <a:solidFill>
+                  <a:schemeClr val="tx1"/>
+                </a:solidFill>
+              </a:rPr>
+              <a:t>...</a:t>
+            </a:r>
+            <a:r>
+              <a:rPr lang="x-none" altLang="en-US" sz="2300">
+                <a:solidFill>
+                  <a:schemeClr val="tx1"/>
+                </a:solidFill>
+                <a:sym typeface="+mn-ea"/>
+              </a:rPr>
+              <a:t>Lorem ipsum dolor sit amet, consectetur adipiscing elit. Sed a magna a orci posuere congue.</a:t>
+            </a:r>
+            <a:endParaRPr lang="x-none" altLang="en-US" sz="2300">
+              <a:solidFill>
+                <a:schemeClr val="tx1"/>
+              </a:solidFill>
+            </a:endParaRPr>
+          </a:p>
+          <a:p>
+            <a:pPr algn="l"/>
             <a:endParaRPr lang="x-none" altLang="en-US" sz="2300">
               <a:solidFill>
                 <a:schemeClr val="tx1"/>
@@ -8004,14 +8262,163 @@
       </p:grpSp>
       <p:sp>
         <p:nvSpPr>
-          <p:cNvPr id="1048596" name="Rectangle 39"/>
+          <p:cNvPr id="1" name="Folded Corner 0"/>
           <p:cNvSpPr/>
           <p:nvPr/>
         </p:nvSpPr>
         <p:spPr>
           <a:xfrm>
-            <a:off x="3810" y="12063730"/>
-            <a:ext cx="9135745" cy="1702435"/>
+            <a:off x="550545" y="6011545"/>
+            <a:ext cx="2226945" cy="2090420"/>
+          </a:xfrm>
+          <a:prstGeom prst="foldedCorner">
+            <a:avLst/>
+          </a:prstGeom>
+        </p:spPr>
+        <p:style>
+          <a:lnRef idx="0">
+            <a:schemeClr val="accent4"/>
+          </a:lnRef>
+          <a:fillRef idx="3">
+            <a:schemeClr val="accent4"/>
+          </a:fillRef>
+          <a:effectRef idx="3">
+            <a:schemeClr val="accent4"/>
+          </a:effectRef>
+          <a:fontRef idx="minor">
+            <a:schemeClr val="lt1"/>
+          </a:fontRef>
+        </p:style>
+        <p:txBody>
+          <a:bodyPr rtlCol="0" anchor="ctr"/>
+          <a:p>
+            <a:pPr algn="ctr"/>
+            <a:r>
+              <a:rPr lang="x-none" altLang="en-US">
+                <a:solidFill>
+                  <a:schemeClr val="tx1"/>
+                </a:solidFill>
+              </a:rPr>
+              <a:t>The filters and the sort change the order and the type of product displayed</a:t>
+            </a:r>
+            <a:endParaRPr lang="x-none" altLang="en-US">
+              <a:solidFill>
+                <a:schemeClr val="tx1"/>
+              </a:solidFill>
+            </a:endParaRPr>
+          </a:p>
+        </p:txBody>
+      </p:sp>
+      <p:sp>
+        <p:nvSpPr>
+          <p:cNvPr id="4" name="Folded Corner 3"/>
+          <p:cNvSpPr/>
+          <p:nvPr/>
+        </p:nvSpPr>
+        <p:spPr>
+          <a:xfrm>
+            <a:off x="4982845" y="5205730"/>
+            <a:ext cx="2226945" cy="2090420"/>
+          </a:xfrm>
+          <a:prstGeom prst="foldedCorner">
+            <a:avLst/>
+          </a:prstGeom>
+        </p:spPr>
+        <p:style>
+          <a:lnRef idx="0">
+            <a:schemeClr val="accent4"/>
+          </a:lnRef>
+          <a:fillRef idx="3">
+            <a:schemeClr val="accent4"/>
+          </a:fillRef>
+          <a:effectRef idx="3">
+            <a:schemeClr val="accent4"/>
+          </a:effectRef>
+          <a:fontRef idx="minor">
+            <a:schemeClr val="lt1"/>
+          </a:fontRef>
+        </p:style>
+        <p:txBody>
+          <a:bodyPr rtlCol="0" anchor="ctr"/>
+          <a:p>
+            <a:pPr algn="ctr"/>
+            <a:r>
+              <a:rPr lang="x-none" altLang="en-US">
+                <a:solidFill>
+                  <a:schemeClr val="tx1"/>
+                </a:solidFill>
+              </a:rPr>
+              <a:t>Each image can be hover and clicked</a:t>
+            </a:r>
+            <a:endParaRPr lang="x-none" altLang="en-US">
+              <a:solidFill>
+                <a:schemeClr val="tx1"/>
+              </a:solidFill>
+            </a:endParaRPr>
+          </a:p>
+          <a:p>
+            <a:pPr algn="ctr"/>
+            <a:r>
+              <a:rPr lang="x-none" altLang="en-US">
+                <a:solidFill>
+                  <a:schemeClr val="tx1"/>
+                </a:solidFill>
+              </a:rPr>
+              <a:t>(see next page for result)</a:t>
+            </a:r>
+            <a:endParaRPr lang="x-none" altLang="en-US">
+              <a:solidFill>
+                <a:schemeClr val="tx1"/>
+              </a:solidFill>
+            </a:endParaRPr>
+          </a:p>
+        </p:txBody>
+      </p:sp>
+      <p:cxnSp>
+        <p:nvCxnSpPr>
+          <p:cNvPr id="8" name="Straight Connector 7"/>
+          <p:cNvCxnSpPr/>
+          <p:nvPr/>
+        </p:nvCxnSpPr>
+        <p:spPr>
+          <a:xfrm>
+            <a:off x="4343400" y="828675"/>
+            <a:ext cx="1101090" cy="15240"/>
+          </a:xfrm>
+          <a:prstGeom prst="line">
+            <a:avLst/>
+          </a:prstGeom>
+          <a:ln w="79375">
+            <a:solidFill>
+              <a:srgbClr val="844D36"/>
+            </a:solidFill>
+          </a:ln>
+        </p:spPr>
+        <p:style>
+          <a:lnRef idx="1">
+            <a:schemeClr val="accent1"/>
+          </a:lnRef>
+          <a:fillRef idx="0">
+            <a:schemeClr val="accent1"/>
+          </a:fillRef>
+          <a:effectRef idx="0">
+            <a:schemeClr val="accent1"/>
+          </a:effectRef>
+          <a:fontRef idx="minor">
+            <a:schemeClr val="tx1"/>
+          </a:fontRef>
+        </p:style>
+      </p:cxnSp>
+      <p:sp>
+        <p:nvSpPr>
+          <p:cNvPr id="12" name="Rectangle 39"/>
+          <p:cNvSpPr/>
+          <p:nvPr/>
+        </p:nvSpPr>
+        <p:spPr>
+          <a:xfrm>
+            <a:off x="3810" y="11765915"/>
+            <a:ext cx="9135745" cy="2000250"/>
           </a:xfrm>
           <a:prstGeom prst="rect">
             <a:avLst/>
@@ -8063,13 +8470,13 @@
       </p:sp>
       <p:sp>
         <p:nvSpPr>
-          <p:cNvPr id="1048597" name="Rectangle 40"/>
+          <p:cNvPr id="13" name="Rectangle 40"/>
           <p:cNvSpPr/>
           <p:nvPr/>
         </p:nvSpPr>
         <p:spPr>
           <a:xfrm>
-            <a:off x="539327" y="11992532"/>
+            <a:off x="539327" y="11916332"/>
             <a:ext cx="2150533" cy="1786467"/>
           </a:xfrm>
           <a:prstGeom prst="rect">
@@ -8182,14 +8589,14 @@
       </p:sp>
       <p:sp>
         <p:nvSpPr>
-          <p:cNvPr id="1048598" name="Rectangle 41"/>
+          <p:cNvPr id="14" name="Rectangle 42"/>
           <p:cNvSpPr/>
           <p:nvPr/>
         </p:nvSpPr>
         <p:spPr>
           <a:xfrm>
-            <a:off x="3317875" y="11979832"/>
-            <a:ext cx="2150533" cy="1786467"/>
+            <a:off x="6535420" y="11527155"/>
+            <a:ext cx="2240280" cy="1786255"/>
           </a:xfrm>
           <a:prstGeom prst="rect">
             <a:avLst/>
@@ -8225,77 +8632,6 @@
                   <a:schemeClr val="tx1"/>
                 </a:solidFill>
               </a:rPr>
-              <a:t>Facebook</a:t>
-            </a:r>
-            <a:endParaRPr lang="x-none" altLang="en-US" sz="1600" b="1">
-              <a:solidFill>
-                <a:schemeClr val="tx1"/>
-              </a:solidFill>
-            </a:endParaRPr>
-          </a:p>
-          <a:p>
-            <a:pPr algn="ctr"/>
-            <a:r>
-              <a:rPr lang="x-none" altLang="en-US" sz="1600" b="1">
-                <a:solidFill>
-                  <a:schemeClr val="tx1"/>
-                </a:solidFill>
-              </a:rPr>
-              <a:t>Instagram</a:t>
-            </a:r>
-            <a:endParaRPr lang="x-none" altLang="en-US" sz="1600" b="1">
-              <a:solidFill>
-                <a:schemeClr val="tx1"/>
-              </a:solidFill>
-            </a:endParaRPr>
-          </a:p>
-        </p:txBody>
-      </p:sp>
-      <p:sp>
-        <p:nvSpPr>
-          <p:cNvPr id="1048599" name="Rectangle 42"/>
-          <p:cNvSpPr/>
-          <p:nvPr/>
-        </p:nvSpPr>
-        <p:spPr>
-          <a:xfrm>
-            <a:off x="6383443" y="11992532"/>
-            <a:ext cx="2150533" cy="1786467"/>
-          </a:xfrm>
-          <a:prstGeom prst="rect">
-            <a:avLst/>
-          </a:prstGeom>
-          <a:noFill/>
-          <a:ln>
-            <a:noFill/>
-          </a:ln>
-        </p:spPr>
-        <p:style>
-          <a:lnRef idx="2">
-            <a:schemeClr val="accent1">
-              <a:shade val="50000"/>
-            </a:schemeClr>
-          </a:lnRef>
-          <a:fillRef idx="1">
-            <a:schemeClr val="accent1"/>
-          </a:fillRef>
-          <a:effectRef idx="0">
-            <a:schemeClr val="accent1"/>
-          </a:effectRef>
-          <a:fontRef idx="minor">
-            <a:schemeClr val="lt1"/>
-          </a:fontRef>
-        </p:style>
-        <p:txBody>
-          <a:bodyPr rtlCol="0" anchor="ctr"/>
-          <a:p>
-            <a:pPr algn="l"/>
-            <a:r>
-              <a:rPr lang="x-none" altLang="en-US" sz="1600" b="1">
-                <a:solidFill>
-                  <a:schemeClr val="tx1"/>
-                </a:solidFill>
-              </a:rPr>
               <a:t>Newsletter</a:t>
             </a:r>
             <a:endParaRPr lang="x-none" altLang="en-US" sz="1600" b="1">
@@ -8324,14 +8660,14 @@
       </p:sp>
       <p:sp>
         <p:nvSpPr>
-          <p:cNvPr id="3" name="Rounded Rectangle 43"/>
+          <p:cNvPr id="1048600" name="Rounded Rectangle 43"/>
           <p:cNvSpPr/>
           <p:nvPr/>
         </p:nvSpPr>
         <p:spPr>
           <a:xfrm>
-            <a:off x="6383443" y="12847665"/>
-            <a:ext cx="2239433" cy="407247"/>
+            <a:off x="6383655" y="12466955"/>
+            <a:ext cx="2603500" cy="407035"/>
           </a:xfrm>
           <a:prstGeom prst="roundRect">
             <a:avLst/>
@@ -8367,33 +8703,271 @@
         <p:txBody>
           <a:bodyPr rtlCol="0" anchor="ctr"/>
           <a:p>
-            <a:pPr algn="ctr"/>
+            <a:pPr algn="l"/>
             <a:r>
               <a:rPr lang="x-none" altLang="en-US" sz="1600">
                 <a:solidFill>
-                  <a:schemeClr val="tx1"/>
-                </a:solidFill>
-              </a:rPr>
-              <a:t>mail</a:t>
-            </a:r>
-            <a:endParaRPr lang="x-none" altLang="en-US" sz="1600">
-              <a:solidFill>
-                <a:schemeClr val="tx1"/>
-              </a:solidFill>
-            </a:endParaRPr>
-          </a:p>
-        </p:txBody>
-      </p:sp>
-      <p:sp>
-        <p:nvSpPr>
-          <p:cNvPr id="1" name="Folded Corner 0"/>
+                  <a:schemeClr val="bg1">
+                    <a:lumMod val="50000"/>
+                  </a:schemeClr>
+                </a:solidFill>
+              </a:rPr>
+              <a:t>Email Address</a:t>
+            </a:r>
+            <a:endParaRPr lang="x-none" altLang="en-US" sz="1600">
+              <a:solidFill>
+                <a:schemeClr val="bg1">
+                  <a:lumMod val="50000"/>
+                </a:schemeClr>
+              </a:solidFill>
+            </a:endParaRPr>
+          </a:p>
+        </p:txBody>
+      </p:sp>
+      <p:pic>
+        <p:nvPicPr>
+          <p:cNvPr id="15" name="Picture 14" descr="envelope2"/>
+          <p:cNvPicPr>
+            <a:picLocks noChangeAspect="1"/>
+          </p:cNvPicPr>
+          <p:nvPr/>
+        </p:nvPicPr>
+        <p:blipFill>
+          <a:blip r:embed="rId3"/>
+          <a:stretch>
+            <a:fillRect/>
+          </a:stretch>
+        </p:blipFill>
+        <p:spPr>
+          <a:xfrm>
+            <a:off x="4821555" y="11995150"/>
+            <a:ext cx="384810" cy="384810"/>
+          </a:xfrm>
+          <a:prstGeom prst="rect">
+            <a:avLst/>
+          </a:prstGeom>
+        </p:spPr>
+      </p:pic>
+      <p:pic>
+        <p:nvPicPr>
+          <p:cNvPr id="16" name="Picture 15" descr="facebook"/>
+          <p:cNvPicPr>
+            <a:picLocks noChangeAspect="1"/>
+          </p:cNvPicPr>
+          <p:nvPr/>
+        </p:nvPicPr>
+        <p:blipFill>
+          <a:blip r:embed="rId4"/>
+          <a:stretch>
+            <a:fillRect/>
+          </a:stretch>
+        </p:blipFill>
+        <p:spPr>
+          <a:xfrm>
+            <a:off x="3582035" y="11992610"/>
+            <a:ext cx="338455" cy="387350"/>
+          </a:xfrm>
+          <a:prstGeom prst="rect">
+            <a:avLst/>
+          </a:prstGeom>
+        </p:spPr>
+      </p:pic>
+      <p:pic>
+        <p:nvPicPr>
+          <p:cNvPr id="17" name="Picture 16" descr="instagram"/>
+          <p:cNvPicPr>
+            <a:picLocks noChangeAspect="1"/>
+          </p:cNvPicPr>
+          <p:nvPr/>
+        </p:nvPicPr>
+        <p:blipFill>
+          <a:blip r:embed="rId5"/>
+          <a:stretch>
+            <a:fillRect/>
+          </a:stretch>
+        </p:blipFill>
+        <p:spPr>
+          <a:xfrm>
+            <a:off x="4192905" y="11995150"/>
+            <a:ext cx="338455" cy="387350"/>
+          </a:xfrm>
+          <a:prstGeom prst="rect">
+            <a:avLst/>
+          </a:prstGeom>
+        </p:spPr>
+      </p:pic>
+      <p:sp>
+        <p:nvSpPr>
+          <p:cNvPr id="18" name="Rectangle 40"/>
           <p:cNvSpPr/>
           <p:nvPr/>
         </p:nvSpPr>
         <p:spPr>
           <a:xfrm>
-            <a:off x="539115" y="6011545"/>
-            <a:ext cx="2226945" cy="2090420"/>
+            <a:off x="2581910" y="12414885"/>
+            <a:ext cx="3611880" cy="1282700"/>
+          </a:xfrm>
+          <a:prstGeom prst="rect">
+            <a:avLst/>
+          </a:prstGeom>
+          <a:noFill/>
+          <a:ln>
+            <a:noFill/>
+          </a:ln>
+        </p:spPr>
+        <p:style>
+          <a:lnRef idx="2">
+            <a:schemeClr val="accent1">
+              <a:shade val="50000"/>
+            </a:schemeClr>
+          </a:lnRef>
+          <a:fillRef idx="1">
+            <a:schemeClr val="accent1"/>
+          </a:fillRef>
+          <a:effectRef idx="0">
+            <a:schemeClr val="accent1"/>
+          </a:effectRef>
+          <a:fontRef idx="minor">
+            <a:schemeClr val="lt1"/>
+          </a:fontRef>
+        </p:style>
+        <p:txBody>
+          <a:bodyPr rtlCol="0" anchor="ctr"/>
+          <a:p>
+            <a:pPr algn="ctr"/>
+            <a:r>
+              <a:rPr lang="x-none" altLang="en-US" sz="1600">
+                <a:solidFill>
+                  <a:schemeClr val="tx1"/>
+                </a:solidFill>
+              </a:rPr>
+              <a:t>33 6 00 11 22 33</a:t>
+            </a:r>
+            <a:endParaRPr lang="x-none" altLang="en-US" sz="1600">
+              <a:solidFill>
+                <a:schemeClr val="tx1"/>
+              </a:solidFill>
+            </a:endParaRPr>
+          </a:p>
+          <a:p>
+            <a:pPr algn="ctr"/>
+            <a:r>
+              <a:rPr lang="x-none" altLang="en-US" sz="1600">
+                <a:solidFill>
+                  <a:schemeClr val="tx1"/>
+                </a:solidFill>
+              </a:rPr>
+              <a:t>contact@firedBowl.com</a:t>
+            </a:r>
+            <a:endParaRPr lang="x-none" altLang="en-US" sz="1600">
+              <a:solidFill>
+                <a:schemeClr val="tx1"/>
+              </a:solidFill>
+            </a:endParaRPr>
+          </a:p>
+          <a:p>
+            <a:pPr algn="ctr"/>
+            <a:r>
+              <a:rPr lang="x-none" altLang="en-US" sz="1600">
+                <a:solidFill>
+                  <a:schemeClr val="tx1"/>
+                </a:solidFill>
+              </a:rPr>
+              <a:t>68 Hollow road, London, UK</a:t>
+            </a:r>
+            <a:endParaRPr lang="x-none" altLang="en-US" sz="1600">
+              <a:solidFill>
+                <a:schemeClr val="tx1"/>
+              </a:solidFill>
+            </a:endParaRPr>
+          </a:p>
+          <a:p>
+            <a:pPr algn="ctr"/>
+            <a:r>
+              <a:rPr lang="x-none" altLang="en-US" sz="1600">
+                <a:solidFill>
+                  <a:schemeClr val="tx1"/>
+                </a:solidFill>
+              </a:rPr>
+              <a:t>Monday-Saturday : 8am - 5pm</a:t>
+            </a:r>
+            <a:endParaRPr lang="x-none" altLang="en-US" sz="1600">
+              <a:solidFill>
+                <a:schemeClr val="tx1"/>
+              </a:solidFill>
+            </a:endParaRPr>
+          </a:p>
+        </p:txBody>
+      </p:sp>
+      <p:sp>
+        <p:nvSpPr>
+          <p:cNvPr id="19" name="Rounded Rectangle 36"/>
+          <p:cNvSpPr/>
+          <p:nvPr/>
+        </p:nvSpPr>
+        <p:spPr>
+          <a:xfrm>
+            <a:off x="6928485" y="13087985"/>
+            <a:ext cx="1453515" cy="320675"/>
+          </a:xfrm>
+          <a:prstGeom prst="roundRect">
+            <a:avLst/>
+          </a:prstGeom>
+          <a:solidFill>
+            <a:schemeClr val="bg1"/>
+          </a:solidFill>
+          <a:ln>
+            <a:solidFill>
+              <a:schemeClr val="tx1"/>
+            </a:solidFill>
+          </a:ln>
+        </p:spPr>
+        <p:style>
+          <a:lnRef idx="2">
+            <a:schemeClr val="accent1">
+              <a:shade val="50000"/>
+            </a:schemeClr>
+          </a:lnRef>
+          <a:fillRef idx="1">
+            <a:schemeClr val="accent1"/>
+          </a:fillRef>
+          <a:effectRef idx="0">
+            <a:schemeClr val="accent1"/>
+          </a:effectRef>
+          <a:fontRef idx="minor">
+            <a:schemeClr val="lt1"/>
+          </a:fontRef>
+        </p:style>
+        <p:txBody>
+          <a:bodyPr rtlCol="0" anchor="ctr"/>
+          <a:p>
+            <a:pPr algn="ctr"/>
+            <a:r>
+              <a:rPr lang="x-none" altLang="en-US" sz="1600">
+                <a:solidFill>
+                  <a:schemeClr val="tx1"/>
+                </a:solidFill>
+              </a:rPr>
+              <a:t>Subscribe</a:t>
+            </a:r>
+            <a:endParaRPr lang="x-none" altLang="en-US" sz="1600">
+              <a:solidFill>
+                <a:schemeClr val="tx1"/>
+              </a:solidFill>
+            </a:endParaRPr>
+          </a:p>
+        </p:txBody>
+      </p:sp>
+      <p:sp>
+        <p:nvSpPr>
+          <p:cNvPr id="5" name="Folded Corner 4"/>
+          <p:cNvSpPr/>
+          <p:nvPr/>
+        </p:nvSpPr>
+        <p:spPr>
+          <a:xfrm>
+            <a:off x="512445" y="10078085"/>
+            <a:ext cx="2302510" cy="1604645"/>
           </a:xfrm>
           <a:prstGeom prst="foldedCorner">
             <a:avLst/>
@@ -8423,7 +8997,7 @@
                   <a:schemeClr val="tx1"/>
                 </a:solidFill>
               </a:rPr>
-              <a:t>The filters and the sort change the order and the type of product displayed</a:t>
+              <a:t>Those links allow the user an overview of the available pages</a:t>
             </a:r>
             <a:endParaRPr lang="x-none" altLang="en-US">
               <a:solidFill>
@@ -8435,14 +9009,14 @@
       </p:sp>
       <p:sp>
         <p:nvSpPr>
-          <p:cNvPr id="4" name="Folded Corner 3"/>
+          <p:cNvPr id="6" name="Folded Corner 5"/>
           <p:cNvSpPr/>
           <p:nvPr/>
         </p:nvSpPr>
         <p:spPr>
           <a:xfrm>
-            <a:off x="4982845" y="5205730"/>
-            <a:ext cx="2226945" cy="2090420"/>
+            <a:off x="3496310" y="10225405"/>
+            <a:ext cx="2302510" cy="1604645"/>
           </a:xfrm>
           <a:prstGeom prst="foldedCorner">
             <a:avLst/>
@@ -8472,7 +9046,7 @@
                   <a:schemeClr val="tx1"/>
                 </a:solidFill>
               </a:rPr>
-              <a:t>Each image can be hover and clicked</a:t>
+              <a:t>Social media links and contact</a:t>
             </a:r>
             <a:endParaRPr lang="x-none" altLang="en-US">
               <a:solidFill>
@@ -8484,13 +9058,13 @@
       </p:sp>
       <p:sp>
         <p:nvSpPr>
-          <p:cNvPr id="5" name="Folded Corner 4"/>
+          <p:cNvPr id="7" name="Folded Corner 6"/>
           <p:cNvSpPr/>
           <p:nvPr/>
         </p:nvSpPr>
         <p:spPr>
           <a:xfrm>
-            <a:off x="512445" y="10535285"/>
+            <a:off x="6536690" y="10230485"/>
             <a:ext cx="2302510" cy="1604645"/>
           </a:xfrm>
           <a:prstGeom prst="foldedCorner">
@@ -8521,7 +9095,7 @@
                   <a:schemeClr val="tx1"/>
                 </a:solidFill>
               </a:rPr>
-              <a:t>Those links allow the user an overview of the available pages</a:t>
+              <a:t>submit to a newsletter</a:t>
             </a:r>
             <a:endParaRPr lang="x-none" altLang="en-US">
               <a:solidFill>
@@ -8533,14 +9107,14 @@
       </p:sp>
       <p:sp>
         <p:nvSpPr>
-          <p:cNvPr id="6" name="Folded Corner 5"/>
+          <p:cNvPr id="23" name="Folded Corner 22"/>
           <p:cNvSpPr/>
           <p:nvPr/>
         </p:nvSpPr>
         <p:spPr>
           <a:xfrm>
-            <a:off x="3496310" y="10682605"/>
-            <a:ext cx="2302510" cy="1604645"/>
+            <a:off x="2304415" y="2305685"/>
+            <a:ext cx="2226945" cy="2090420"/>
           </a:xfrm>
           <a:prstGeom prst="foldedCorner">
             <a:avLst/>
@@ -8570,7 +9144,7 @@
                   <a:schemeClr val="tx1"/>
                 </a:solidFill>
               </a:rPr>
-              <a:t>Social media links and contact</a:t>
+              <a:t>The user can click on each type to filter products and display only one type of product</a:t>
             </a:r>
             <a:endParaRPr lang="x-none" altLang="en-US">
               <a:solidFill>
@@ -8582,14 +9156,14 @@
       </p:sp>
       <p:sp>
         <p:nvSpPr>
-          <p:cNvPr id="7" name="Folded Corner 6"/>
+          <p:cNvPr id="25" name="Folded Corner 24"/>
           <p:cNvSpPr/>
           <p:nvPr/>
         </p:nvSpPr>
         <p:spPr>
           <a:xfrm>
-            <a:off x="6536690" y="10535285"/>
-            <a:ext cx="2302510" cy="1604645"/>
+            <a:off x="4592955" y="929005"/>
+            <a:ext cx="2066290" cy="1402080"/>
           </a:xfrm>
           <a:prstGeom prst="foldedCorner">
             <a:avLst/>
@@ -8619,7 +9193,7 @@
                   <a:schemeClr val="tx1"/>
                 </a:solidFill>
               </a:rPr>
-              <a:t>submit to a newsletter</a:t>
+              <a:t>“Sort by :” is a dropdown menu to sort the products</a:t>
             </a:r>
             <a:endParaRPr lang="x-none" altLang="en-US">
               <a:solidFill>
@@ -8629,41 +9203,6 @@
           </a:p>
         </p:txBody>
       </p:sp>
-      <p:cxnSp>
-        <p:nvCxnSpPr>
-          <p:cNvPr id="8" name="Straight Connector 7"/>
-          <p:cNvCxnSpPr/>
-          <p:nvPr/>
-        </p:nvCxnSpPr>
-        <p:spPr>
-          <a:xfrm>
-            <a:off x="4343400" y="828675"/>
-            <a:ext cx="1101090" cy="15240"/>
-          </a:xfrm>
-          <a:prstGeom prst="line">
-            <a:avLst/>
-          </a:prstGeom>
-          <a:ln w="79375">
-            <a:solidFill>
-              <a:srgbClr val="844D36"/>
-            </a:solidFill>
-          </a:ln>
-        </p:spPr>
-        <p:style>
-          <a:lnRef idx="1">
-            <a:schemeClr val="accent1"/>
-          </a:lnRef>
-          <a:fillRef idx="0">
-            <a:schemeClr val="accent1"/>
-          </a:fillRef>
-          <a:effectRef idx="0">
-            <a:schemeClr val="accent1"/>
-          </a:effectRef>
-          <a:fontRef idx="minor">
-            <a:schemeClr val="tx1"/>
-          </a:fontRef>
-        </p:style>
-      </p:cxnSp>
     </p:spTree>
   </p:cSld>
   <p:clrMapOvr>
@@ -10175,14 +10714,98 @@
       </p:sp>
       <p:sp>
         <p:nvSpPr>
-          <p:cNvPr id="1048596" name="Rectangle 39"/>
+          <p:cNvPr id="4" name="Folded Corner 3"/>
           <p:cNvSpPr/>
           <p:nvPr/>
         </p:nvSpPr>
         <p:spPr>
           <a:xfrm>
-            <a:off x="3810" y="12063730"/>
-            <a:ext cx="9135745" cy="1702435"/>
+            <a:off x="4186555" y="3921125"/>
+            <a:ext cx="2226945" cy="2090420"/>
+          </a:xfrm>
+          <a:prstGeom prst="foldedCorner">
+            <a:avLst/>
+          </a:prstGeom>
+        </p:spPr>
+        <p:style>
+          <a:lnRef idx="0">
+            <a:schemeClr val="accent4"/>
+          </a:lnRef>
+          <a:fillRef idx="3">
+            <a:schemeClr val="accent4"/>
+          </a:fillRef>
+          <a:effectRef idx="3">
+            <a:schemeClr val="accent4"/>
+          </a:effectRef>
+          <a:fontRef idx="minor">
+            <a:schemeClr val="lt1"/>
+          </a:fontRef>
+        </p:style>
+        <p:txBody>
+          <a:bodyPr rtlCol="0" anchor="ctr"/>
+          <a:p>
+            <a:pPr algn="ctr"/>
+            <a:r>
+              <a:rPr lang="x-none" altLang="en-US">
+                <a:solidFill>
+                  <a:schemeClr val="tx1"/>
+                </a:solidFill>
+              </a:rPr>
+              <a:t>this image is hovered</a:t>
+            </a:r>
+            <a:endParaRPr lang="x-none" altLang="en-US">
+              <a:solidFill>
+                <a:schemeClr val="tx1"/>
+              </a:solidFill>
+            </a:endParaRPr>
+          </a:p>
+        </p:txBody>
+      </p:sp>
+      <p:cxnSp>
+        <p:nvCxnSpPr>
+          <p:cNvPr id="5" name="Straight Connector 4"/>
+          <p:cNvCxnSpPr/>
+          <p:nvPr/>
+        </p:nvCxnSpPr>
+        <p:spPr>
+          <a:xfrm>
+            <a:off x="4343400" y="828675"/>
+            <a:ext cx="1101090" cy="15240"/>
+          </a:xfrm>
+          <a:prstGeom prst="line">
+            <a:avLst/>
+          </a:prstGeom>
+          <a:ln w="79375">
+            <a:solidFill>
+              <a:srgbClr val="844D36"/>
+            </a:solidFill>
+          </a:ln>
+        </p:spPr>
+        <p:style>
+          <a:lnRef idx="1">
+            <a:schemeClr val="accent1"/>
+          </a:lnRef>
+          <a:fillRef idx="0">
+            <a:schemeClr val="accent1"/>
+          </a:fillRef>
+          <a:effectRef idx="0">
+            <a:schemeClr val="accent1"/>
+          </a:effectRef>
+          <a:fontRef idx="minor">
+            <a:schemeClr val="tx1"/>
+          </a:fontRef>
+        </p:style>
+      </p:cxnSp>
+      <p:sp>
+        <p:nvSpPr>
+          <p:cNvPr id="3" name="Rectangle 39"/>
+          <p:cNvSpPr/>
+          <p:nvPr/>
+        </p:nvSpPr>
+        <p:spPr>
+          <a:xfrm>
+            <a:off x="3810" y="11765915"/>
+            <a:ext cx="9135745" cy="2000250"/>
           </a:xfrm>
           <a:prstGeom prst="rect">
             <a:avLst/>
@@ -10234,13 +10857,13 @@
       </p:sp>
       <p:sp>
         <p:nvSpPr>
-          <p:cNvPr id="1048597" name="Rectangle 40"/>
+          <p:cNvPr id="6" name="Rectangle 40"/>
           <p:cNvSpPr/>
           <p:nvPr/>
         </p:nvSpPr>
         <p:spPr>
           <a:xfrm>
-            <a:off x="539327" y="11992532"/>
+            <a:off x="539327" y="11916332"/>
             <a:ext cx="2150533" cy="1786467"/>
           </a:xfrm>
           <a:prstGeom prst="rect">
@@ -10353,14 +10976,14 @@
       </p:sp>
       <p:sp>
         <p:nvSpPr>
-          <p:cNvPr id="1048598" name="Rectangle 41"/>
+          <p:cNvPr id="7" name="Rectangle 42"/>
           <p:cNvSpPr/>
           <p:nvPr/>
         </p:nvSpPr>
         <p:spPr>
           <a:xfrm>
-            <a:off x="3317875" y="11979832"/>
-            <a:ext cx="2150533" cy="1786467"/>
+            <a:off x="6535420" y="11527155"/>
+            <a:ext cx="2240280" cy="1786255"/>
           </a:xfrm>
           <a:prstGeom prst="rect">
             <a:avLst/>
@@ -10396,77 +11019,6 @@
                   <a:schemeClr val="tx1"/>
                 </a:solidFill>
               </a:rPr>
-              <a:t>Facebook</a:t>
-            </a:r>
-            <a:endParaRPr lang="x-none" altLang="en-US" sz="1600" b="1">
-              <a:solidFill>
-                <a:schemeClr val="tx1"/>
-              </a:solidFill>
-            </a:endParaRPr>
-          </a:p>
-          <a:p>
-            <a:pPr algn="ctr"/>
-            <a:r>
-              <a:rPr lang="x-none" altLang="en-US" sz="1600" b="1">
-                <a:solidFill>
-                  <a:schemeClr val="tx1"/>
-                </a:solidFill>
-              </a:rPr>
-              <a:t>Instagram</a:t>
-            </a:r>
-            <a:endParaRPr lang="x-none" altLang="en-US" sz="1600" b="1">
-              <a:solidFill>
-                <a:schemeClr val="tx1"/>
-              </a:solidFill>
-            </a:endParaRPr>
-          </a:p>
-        </p:txBody>
-      </p:sp>
-      <p:sp>
-        <p:nvSpPr>
-          <p:cNvPr id="1048599" name="Rectangle 42"/>
-          <p:cNvSpPr/>
-          <p:nvPr/>
-        </p:nvSpPr>
-        <p:spPr>
-          <a:xfrm>
-            <a:off x="6383443" y="11992532"/>
-            <a:ext cx="2150533" cy="1786467"/>
-          </a:xfrm>
-          <a:prstGeom prst="rect">
-            <a:avLst/>
-          </a:prstGeom>
-          <a:noFill/>
-          <a:ln>
-            <a:noFill/>
-          </a:ln>
-        </p:spPr>
-        <p:style>
-          <a:lnRef idx="2">
-            <a:schemeClr val="accent1">
-              <a:shade val="50000"/>
-            </a:schemeClr>
-          </a:lnRef>
-          <a:fillRef idx="1">
-            <a:schemeClr val="accent1"/>
-          </a:fillRef>
-          <a:effectRef idx="0">
-            <a:schemeClr val="accent1"/>
-          </a:effectRef>
-          <a:fontRef idx="minor">
-            <a:schemeClr val="lt1"/>
-          </a:fontRef>
-        </p:style>
-        <p:txBody>
-          <a:bodyPr rtlCol="0" anchor="ctr"/>
-          <a:p>
-            <a:pPr algn="l"/>
-            <a:r>
-              <a:rPr lang="x-none" altLang="en-US" sz="1600" b="1">
-                <a:solidFill>
-                  <a:schemeClr val="tx1"/>
-                </a:solidFill>
-              </a:rPr>
               <a:t>Newsletter</a:t>
             </a:r>
             <a:endParaRPr lang="x-none" altLang="en-US" sz="1600" b="1">
@@ -10495,14 +11047,14 @@
       </p:sp>
       <p:sp>
         <p:nvSpPr>
-          <p:cNvPr id="1" name="Rounded Rectangle 43"/>
+          <p:cNvPr id="1048600" name="Rounded Rectangle 43"/>
           <p:cNvSpPr/>
           <p:nvPr/>
         </p:nvSpPr>
         <p:spPr>
           <a:xfrm>
-            <a:off x="6383443" y="12847665"/>
-            <a:ext cx="2239433" cy="407247"/>
+            <a:off x="6383655" y="12466955"/>
+            <a:ext cx="2603500" cy="407035"/>
           </a:xfrm>
           <a:prstGeom prst="roundRect">
             <a:avLst/>
@@ -10538,47 +11090,129 @@
         <p:txBody>
           <a:bodyPr rtlCol="0" anchor="ctr"/>
           <a:p>
-            <a:pPr algn="ctr"/>
+            <a:pPr algn="l"/>
             <a:r>
               <a:rPr lang="x-none" altLang="en-US" sz="1600">
                 <a:solidFill>
-                  <a:schemeClr val="tx1"/>
-                </a:solidFill>
-              </a:rPr>
-              <a:t>mail</a:t>
-            </a:r>
-            <a:endParaRPr lang="x-none" altLang="en-US" sz="1600">
-              <a:solidFill>
-                <a:schemeClr val="tx1"/>
-              </a:solidFill>
-            </a:endParaRPr>
-          </a:p>
-        </p:txBody>
-      </p:sp>
-      <p:sp>
-        <p:nvSpPr>
-          <p:cNvPr id="4" name="Folded Corner 3"/>
+                  <a:schemeClr val="bg1">
+                    <a:lumMod val="50000"/>
+                  </a:schemeClr>
+                </a:solidFill>
+              </a:rPr>
+              <a:t>Email Address</a:t>
+            </a:r>
+            <a:endParaRPr lang="x-none" altLang="en-US" sz="1600">
+              <a:solidFill>
+                <a:schemeClr val="bg1">
+                  <a:lumMod val="50000"/>
+                </a:schemeClr>
+              </a:solidFill>
+            </a:endParaRPr>
+          </a:p>
+        </p:txBody>
+      </p:sp>
+      <p:pic>
+        <p:nvPicPr>
+          <p:cNvPr id="9" name="Picture 8" descr="envelope2"/>
+          <p:cNvPicPr>
+            <a:picLocks noChangeAspect="1"/>
+          </p:cNvPicPr>
+          <p:nvPr/>
+        </p:nvPicPr>
+        <p:blipFill>
+          <a:blip r:embed="rId3"/>
+          <a:stretch>
+            <a:fillRect/>
+          </a:stretch>
+        </p:blipFill>
+        <p:spPr>
+          <a:xfrm>
+            <a:off x="4821555" y="11995150"/>
+            <a:ext cx="384810" cy="384810"/>
+          </a:xfrm>
+          <a:prstGeom prst="rect">
+            <a:avLst/>
+          </a:prstGeom>
+        </p:spPr>
+      </p:pic>
+      <p:pic>
+        <p:nvPicPr>
+          <p:cNvPr id="10" name="Picture 9" descr="facebook"/>
+          <p:cNvPicPr>
+            <a:picLocks noChangeAspect="1"/>
+          </p:cNvPicPr>
+          <p:nvPr/>
+        </p:nvPicPr>
+        <p:blipFill>
+          <a:blip r:embed="rId4"/>
+          <a:stretch>
+            <a:fillRect/>
+          </a:stretch>
+        </p:blipFill>
+        <p:spPr>
+          <a:xfrm>
+            <a:off x="3582035" y="11992610"/>
+            <a:ext cx="338455" cy="387350"/>
+          </a:xfrm>
+          <a:prstGeom prst="rect">
+            <a:avLst/>
+          </a:prstGeom>
+        </p:spPr>
+      </p:pic>
+      <p:pic>
+        <p:nvPicPr>
+          <p:cNvPr id="11" name="Picture 10" descr="instagram"/>
+          <p:cNvPicPr>
+            <a:picLocks noChangeAspect="1"/>
+          </p:cNvPicPr>
+          <p:nvPr/>
+        </p:nvPicPr>
+        <p:blipFill>
+          <a:blip r:embed="rId5"/>
+          <a:stretch>
+            <a:fillRect/>
+          </a:stretch>
+        </p:blipFill>
+        <p:spPr>
+          <a:xfrm>
+            <a:off x="4192905" y="11995150"/>
+            <a:ext cx="338455" cy="387350"/>
+          </a:xfrm>
+          <a:prstGeom prst="rect">
+            <a:avLst/>
+          </a:prstGeom>
+        </p:spPr>
+      </p:pic>
+      <p:sp>
+        <p:nvSpPr>
+          <p:cNvPr id="8" name="Rectangle 40"/>
           <p:cNvSpPr/>
           <p:nvPr/>
         </p:nvSpPr>
         <p:spPr>
           <a:xfrm>
-            <a:off x="4186555" y="3921125"/>
-            <a:ext cx="2226945" cy="2090420"/>
-          </a:xfrm>
-          <a:prstGeom prst="foldedCorner">
-            <a:avLst/>
-          </a:prstGeom>
+            <a:off x="2581910" y="12414885"/>
+            <a:ext cx="3611880" cy="1282700"/>
+          </a:xfrm>
+          <a:prstGeom prst="rect">
+            <a:avLst/>
+          </a:prstGeom>
+          <a:noFill/>
+          <a:ln>
+            <a:noFill/>
+          </a:ln>
         </p:spPr>
         <p:style>
-          <a:lnRef idx="0">
-            <a:schemeClr val="accent4"/>
+          <a:lnRef idx="2">
+            <a:schemeClr val="accent1">
+              <a:shade val="50000"/>
+            </a:schemeClr>
           </a:lnRef>
-          <a:fillRef idx="3">
-            <a:schemeClr val="accent4"/>
+          <a:fillRef idx="1">
+            <a:schemeClr val="accent1"/>
           </a:fillRef>
-          <a:effectRef idx="3">
-            <a:schemeClr val="accent4"/>
+          <a:effectRef idx="0">
+            <a:schemeClr val="accent1"/>
           </a:effectRef>
           <a:fontRef idx="minor">
             <a:schemeClr val="lt1"/>
@@ -10589,56 +11223,128 @@
           <a:p>
             <a:pPr algn="ctr"/>
             <a:r>
-              <a:rPr lang="x-none" altLang="en-US">
-                <a:solidFill>
-                  <a:schemeClr val="tx1"/>
-                </a:solidFill>
-              </a:rPr>
-              <a:t>this image is hovered</a:t>
-            </a:r>
-            <a:endParaRPr lang="x-none" altLang="en-US">
-              <a:solidFill>
-                <a:schemeClr val="tx1"/>
-              </a:solidFill>
-            </a:endParaRPr>
-          </a:p>
-        </p:txBody>
-      </p:sp>
-      <p:cxnSp>
-        <p:nvCxnSpPr>
-          <p:cNvPr id="5" name="Straight Connector 4"/>
-          <p:cNvCxnSpPr/>
-          <p:nvPr/>
-        </p:nvCxnSpPr>
-        <p:spPr>
-          <a:xfrm>
-            <a:off x="4343400" y="828675"/>
-            <a:ext cx="1101090" cy="15240"/>
-          </a:xfrm>
-          <a:prstGeom prst="line">
-            <a:avLst/>
-          </a:prstGeom>
-          <a:ln w="79375">
+              <a:rPr lang="x-none" altLang="en-US" sz="1600">
+                <a:solidFill>
+                  <a:schemeClr val="tx1"/>
+                </a:solidFill>
+              </a:rPr>
+              <a:t>33 6 00 11 22 33</a:t>
+            </a:r>
+            <a:endParaRPr lang="x-none" altLang="en-US" sz="1600">
+              <a:solidFill>
+                <a:schemeClr val="tx1"/>
+              </a:solidFill>
+            </a:endParaRPr>
+          </a:p>
+          <a:p>
+            <a:pPr algn="ctr"/>
+            <a:r>
+              <a:rPr lang="x-none" altLang="en-US" sz="1600">
+                <a:solidFill>
+                  <a:schemeClr val="tx1"/>
+                </a:solidFill>
+              </a:rPr>
+              <a:t>contact@firedBowl.com</a:t>
+            </a:r>
+            <a:endParaRPr lang="x-none" altLang="en-US" sz="1600">
+              <a:solidFill>
+                <a:schemeClr val="tx1"/>
+              </a:solidFill>
+            </a:endParaRPr>
+          </a:p>
+          <a:p>
+            <a:pPr algn="ctr"/>
+            <a:r>
+              <a:rPr lang="x-none" altLang="en-US" sz="1600">
+                <a:solidFill>
+                  <a:schemeClr val="tx1"/>
+                </a:solidFill>
+              </a:rPr>
+              <a:t>68 Hollow road, London, UK</a:t>
+            </a:r>
+            <a:endParaRPr lang="x-none" altLang="en-US" sz="1600">
+              <a:solidFill>
+                <a:schemeClr val="tx1"/>
+              </a:solidFill>
+            </a:endParaRPr>
+          </a:p>
+          <a:p>
+            <a:pPr algn="ctr"/>
+            <a:r>
+              <a:rPr lang="x-none" altLang="en-US" sz="1600">
+                <a:solidFill>
+                  <a:schemeClr val="tx1"/>
+                </a:solidFill>
+              </a:rPr>
+              <a:t>Monday-Saturday : 8am - 5pm</a:t>
+            </a:r>
+            <a:endParaRPr lang="x-none" altLang="en-US" sz="1600">
+              <a:solidFill>
+                <a:schemeClr val="tx1"/>
+              </a:solidFill>
+            </a:endParaRPr>
+          </a:p>
+        </p:txBody>
+      </p:sp>
+      <p:sp>
+        <p:nvSpPr>
+          <p:cNvPr id="12" name="Rounded Rectangle 36"/>
+          <p:cNvSpPr/>
+          <p:nvPr/>
+        </p:nvSpPr>
+        <p:spPr>
+          <a:xfrm>
+            <a:off x="6928485" y="13087985"/>
+            <a:ext cx="1453515" cy="320675"/>
+          </a:xfrm>
+          <a:prstGeom prst="roundRect">
+            <a:avLst/>
+          </a:prstGeom>
+          <a:solidFill>
+            <a:schemeClr val="bg1"/>
+          </a:solidFill>
+          <a:ln>
             <a:solidFill>
-              <a:srgbClr val="844D36"/>
+              <a:schemeClr val="tx1"/>
             </a:solidFill>
           </a:ln>
         </p:spPr>
         <p:style>
-          <a:lnRef idx="1">
-            <a:schemeClr val="accent1"/>
+          <a:lnRef idx="2">
+            <a:schemeClr val="accent1">
+              <a:shade val="50000"/>
+            </a:schemeClr>
           </a:lnRef>
-          <a:fillRef idx="0">
+          <a:fillRef idx="1">
             <a:schemeClr val="accent1"/>
           </a:fillRef>
           <a:effectRef idx="0">
             <a:schemeClr val="accent1"/>
           </a:effectRef>
           <a:fontRef idx="minor">
-            <a:schemeClr val="tx1"/>
+            <a:schemeClr val="lt1"/>
           </a:fontRef>
         </p:style>
-      </p:cxnSp>
+        <p:txBody>
+          <a:bodyPr rtlCol="0" anchor="ctr"/>
+          <a:p>
+            <a:pPr algn="ctr"/>
+            <a:r>
+              <a:rPr lang="x-none" altLang="en-US" sz="1600">
+                <a:solidFill>
+                  <a:schemeClr val="tx1"/>
+                </a:solidFill>
+              </a:rPr>
+              <a:t>Subscribe</a:t>
+            </a:r>
+            <a:endParaRPr lang="x-none" altLang="en-US" sz="1600">
+              <a:solidFill>
+                <a:schemeClr val="tx1"/>
+              </a:solidFill>
+            </a:endParaRPr>
+          </a:p>
+        </p:txBody>
+      </p:sp>
     </p:spTree>
   </p:cSld>
   <p:clrMapOvr>
@@ -12150,14 +12856,171 @@
       </p:sp>
       <p:sp>
         <p:nvSpPr>
-          <p:cNvPr id="1048596" name="Rectangle 39"/>
+          <p:cNvPr id="4" name="Folded Corner 3"/>
           <p:cNvSpPr/>
           <p:nvPr/>
         </p:nvSpPr>
         <p:spPr>
           <a:xfrm>
-            <a:off x="3810" y="12063730"/>
-            <a:ext cx="9135745" cy="1702435"/>
+            <a:off x="4186555" y="3921125"/>
+            <a:ext cx="2226945" cy="2090420"/>
+          </a:xfrm>
+          <a:prstGeom prst="foldedCorner">
+            <a:avLst/>
+          </a:prstGeom>
+        </p:spPr>
+        <p:style>
+          <a:lnRef idx="0">
+            <a:schemeClr val="accent4"/>
+          </a:lnRef>
+          <a:fillRef idx="3">
+            <a:schemeClr val="accent4"/>
+          </a:fillRef>
+          <a:effectRef idx="3">
+            <a:schemeClr val="accent4"/>
+          </a:effectRef>
+          <a:fontRef idx="minor">
+            <a:schemeClr val="lt1"/>
+          </a:fontRef>
+        </p:style>
+        <p:txBody>
+          <a:bodyPr rtlCol="0" anchor="ctr"/>
+          <a:p>
+            <a:pPr algn="ctr"/>
+            <a:r>
+              <a:rPr lang="x-none" altLang="en-US">
+                <a:solidFill>
+                  <a:schemeClr val="tx1"/>
+                </a:solidFill>
+              </a:rPr>
+              <a:t>Another image is hovered</a:t>
+            </a:r>
+            <a:endParaRPr lang="x-none" altLang="en-US">
+              <a:solidFill>
+                <a:schemeClr val="tx1"/>
+              </a:solidFill>
+            </a:endParaRPr>
+          </a:p>
+        </p:txBody>
+      </p:sp>
+      <p:sp>
+        <p:nvSpPr>
+          <p:cNvPr id="5" name="Folded Corner 4"/>
+          <p:cNvSpPr/>
+          <p:nvPr/>
+        </p:nvSpPr>
+        <p:spPr>
+          <a:xfrm>
+            <a:off x="539750" y="6038850"/>
+            <a:ext cx="2778125" cy="2667635"/>
+          </a:xfrm>
+          <a:prstGeom prst="foldedCorner">
+            <a:avLst/>
+          </a:prstGeom>
+        </p:spPr>
+        <p:style>
+          <a:lnRef idx="0">
+            <a:schemeClr val="accent4"/>
+          </a:lnRef>
+          <a:fillRef idx="3">
+            <a:schemeClr val="accent4"/>
+          </a:fillRef>
+          <a:effectRef idx="3">
+            <a:schemeClr val="accent4"/>
+          </a:effectRef>
+          <a:fontRef idx="minor">
+            <a:schemeClr val="lt1"/>
+          </a:fontRef>
+        </p:style>
+        <p:txBody>
+          <a:bodyPr rtlCol="0" anchor="ctr"/>
+          <a:p>
+            <a:pPr algn="ctr"/>
+            <a:r>
+              <a:rPr lang="x-none" altLang="en-US">
+                <a:solidFill>
+                  <a:schemeClr val="tx1"/>
+                </a:solidFill>
+              </a:rPr>
+              <a:t>Scroll :</a:t>
+            </a:r>
+            <a:endParaRPr lang="x-none" altLang="en-US">
+              <a:solidFill>
+                <a:schemeClr val="tx1"/>
+              </a:solidFill>
+            </a:endParaRPr>
+          </a:p>
+          <a:p>
+            <a:pPr algn="ctr"/>
+            <a:endParaRPr lang="x-none" altLang="en-US">
+              <a:solidFill>
+                <a:schemeClr val="tx1"/>
+              </a:solidFill>
+            </a:endParaRPr>
+          </a:p>
+          <a:p>
+            <a:pPr algn="ctr"/>
+            <a:r>
+              <a:rPr lang="x-none" altLang="en-US">
+                <a:solidFill>
+                  <a:schemeClr val="tx1"/>
+                </a:solidFill>
+              </a:rPr>
+              <a:t>The only part moving on this page are the items (not the filter / navigation bar) except on smartphones</a:t>
+            </a:r>
+            <a:endParaRPr lang="x-none" altLang="en-US">
+              <a:solidFill>
+                <a:schemeClr val="tx1"/>
+              </a:solidFill>
+            </a:endParaRPr>
+          </a:p>
+        </p:txBody>
+      </p:sp>
+      <p:cxnSp>
+        <p:nvCxnSpPr>
+          <p:cNvPr id="8" name="Straight Connector 7"/>
+          <p:cNvCxnSpPr/>
+          <p:nvPr/>
+        </p:nvCxnSpPr>
+        <p:spPr>
+          <a:xfrm>
+            <a:off x="4343400" y="828675"/>
+            <a:ext cx="1101090" cy="15240"/>
+          </a:xfrm>
+          <a:prstGeom prst="line">
+            <a:avLst/>
+          </a:prstGeom>
+          <a:ln w="79375">
+            <a:solidFill>
+              <a:srgbClr val="844D36"/>
+            </a:solidFill>
+          </a:ln>
+        </p:spPr>
+        <p:style>
+          <a:lnRef idx="1">
+            <a:schemeClr val="accent1"/>
+          </a:lnRef>
+          <a:fillRef idx="0">
+            <a:schemeClr val="accent1"/>
+          </a:fillRef>
+          <a:effectRef idx="0">
+            <a:schemeClr val="accent1"/>
+          </a:effectRef>
+          <a:fontRef idx="minor">
+            <a:schemeClr val="tx1"/>
+          </a:fontRef>
+        </p:style>
+      </p:cxnSp>
+      <p:sp>
+        <p:nvSpPr>
+          <p:cNvPr id="3" name="Rectangle 39"/>
+          <p:cNvSpPr/>
+          <p:nvPr/>
+        </p:nvSpPr>
+        <p:spPr>
+          <a:xfrm>
+            <a:off x="3810" y="11765915"/>
+            <a:ext cx="9135745" cy="2000250"/>
           </a:xfrm>
           <a:prstGeom prst="rect">
             <a:avLst/>
@@ -12209,13 +13072,13 @@
       </p:sp>
       <p:sp>
         <p:nvSpPr>
-          <p:cNvPr id="1048597" name="Rectangle 40"/>
+          <p:cNvPr id="6" name="Rectangle 40"/>
           <p:cNvSpPr/>
           <p:nvPr/>
         </p:nvSpPr>
         <p:spPr>
           <a:xfrm>
-            <a:off x="539327" y="11992532"/>
+            <a:off x="539327" y="11916332"/>
             <a:ext cx="2150533" cy="1786467"/>
           </a:xfrm>
           <a:prstGeom prst="rect">
@@ -12328,14 +13191,14 @@
       </p:sp>
       <p:sp>
         <p:nvSpPr>
-          <p:cNvPr id="1048598" name="Rectangle 41"/>
+          <p:cNvPr id="7" name="Rectangle 42"/>
           <p:cNvSpPr/>
           <p:nvPr/>
         </p:nvSpPr>
         <p:spPr>
           <a:xfrm>
-            <a:off x="3317875" y="11979832"/>
-            <a:ext cx="2150533" cy="1786467"/>
+            <a:off x="6535420" y="11527155"/>
+            <a:ext cx="2240280" cy="1786255"/>
           </a:xfrm>
           <a:prstGeom prst="rect">
             <a:avLst/>
@@ -12371,77 +13234,6 @@
                   <a:schemeClr val="tx1"/>
                 </a:solidFill>
               </a:rPr>
-              <a:t>Facebook</a:t>
-            </a:r>
-            <a:endParaRPr lang="x-none" altLang="en-US" sz="1600" b="1">
-              <a:solidFill>
-                <a:schemeClr val="tx1"/>
-              </a:solidFill>
-            </a:endParaRPr>
-          </a:p>
-          <a:p>
-            <a:pPr algn="ctr"/>
-            <a:r>
-              <a:rPr lang="x-none" altLang="en-US" sz="1600" b="1">
-                <a:solidFill>
-                  <a:schemeClr val="tx1"/>
-                </a:solidFill>
-              </a:rPr>
-              <a:t>Instagram</a:t>
-            </a:r>
-            <a:endParaRPr lang="x-none" altLang="en-US" sz="1600" b="1">
-              <a:solidFill>
-                <a:schemeClr val="tx1"/>
-              </a:solidFill>
-            </a:endParaRPr>
-          </a:p>
-        </p:txBody>
-      </p:sp>
-      <p:sp>
-        <p:nvSpPr>
-          <p:cNvPr id="1048599" name="Rectangle 42"/>
-          <p:cNvSpPr/>
-          <p:nvPr/>
-        </p:nvSpPr>
-        <p:spPr>
-          <a:xfrm>
-            <a:off x="6383443" y="11992532"/>
-            <a:ext cx="2150533" cy="1786467"/>
-          </a:xfrm>
-          <a:prstGeom prst="rect">
-            <a:avLst/>
-          </a:prstGeom>
-          <a:noFill/>
-          <a:ln>
-            <a:noFill/>
-          </a:ln>
-        </p:spPr>
-        <p:style>
-          <a:lnRef idx="2">
-            <a:schemeClr val="accent1">
-              <a:shade val="50000"/>
-            </a:schemeClr>
-          </a:lnRef>
-          <a:fillRef idx="1">
-            <a:schemeClr val="accent1"/>
-          </a:fillRef>
-          <a:effectRef idx="0">
-            <a:schemeClr val="accent1"/>
-          </a:effectRef>
-          <a:fontRef idx="minor">
-            <a:schemeClr val="lt1"/>
-          </a:fontRef>
-        </p:style>
-        <p:txBody>
-          <a:bodyPr rtlCol="0" anchor="ctr"/>
-          <a:p>
-            <a:pPr algn="l"/>
-            <a:r>
-              <a:rPr lang="x-none" altLang="en-US" sz="1600" b="1">
-                <a:solidFill>
-                  <a:schemeClr val="tx1"/>
-                </a:solidFill>
-              </a:rPr>
               <a:t>Newsletter</a:t>
             </a:r>
             <a:endParaRPr lang="x-none" altLang="en-US" sz="1600" b="1">
@@ -12470,14 +13262,14 @@
       </p:sp>
       <p:sp>
         <p:nvSpPr>
-          <p:cNvPr id="2" name="Rounded Rectangle 43"/>
+          <p:cNvPr id="1048600" name="Rounded Rectangle 43"/>
           <p:cNvSpPr/>
           <p:nvPr/>
         </p:nvSpPr>
         <p:spPr>
           <a:xfrm>
-            <a:off x="6383443" y="12847665"/>
-            <a:ext cx="2239433" cy="407247"/>
+            <a:off x="6383655" y="12466955"/>
+            <a:ext cx="2603500" cy="407035"/>
           </a:xfrm>
           <a:prstGeom prst="roundRect">
             <a:avLst/>
@@ -12513,47 +13305,129 @@
         <p:txBody>
           <a:bodyPr rtlCol="0" anchor="ctr"/>
           <a:p>
-            <a:pPr algn="ctr"/>
+            <a:pPr algn="l"/>
             <a:r>
               <a:rPr lang="x-none" altLang="en-US" sz="1600">
                 <a:solidFill>
-                  <a:schemeClr val="tx1"/>
-                </a:solidFill>
-              </a:rPr>
-              <a:t>mail</a:t>
-            </a:r>
-            <a:endParaRPr lang="x-none" altLang="en-US" sz="1600">
-              <a:solidFill>
-                <a:schemeClr val="tx1"/>
-              </a:solidFill>
-            </a:endParaRPr>
-          </a:p>
-        </p:txBody>
-      </p:sp>
-      <p:sp>
-        <p:nvSpPr>
-          <p:cNvPr id="4" name="Folded Corner 3"/>
+                  <a:schemeClr val="bg1">
+                    <a:lumMod val="50000"/>
+                  </a:schemeClr>
+                </a:solidFill>
+              </a:rPr>
+              <a:t>Email Address</a:t>
+            </a:r>
+            <a:endParaRPr lang="x-none" altLang="en-US" sz="1600">
+              <a:solidFill>
+                <a:schemeClr val="bg1">
+                  <a:lumMod val="50000"/>
+                </a:schemeClr>
+              </a:solidFill>
+            </a:endParaRPr>
+          </a:p>
+        </p:txBody>
+      </p:sp>
+      <p:pic>
+        <p:nvPicPr>
+          <p:cNvPr id="9" name="Picture 8" descr="envelope2"/>
+          <p:cNvPicPr>
+            <a:picLocks noChangeAspect="1"/>
+          </p:cNvPicPr>
+          <p:nvPr/>
+        </p:nvPicPr>
+        <p:blipFill>
+          <a:blip r:embed="rId3"/>
+          <a:stretch>
+            <a:fillRect/>
+          </a:stretch>
+        </p:blipFill>
+        <p:spPr>
+          <a:xfrm>
+            <a:off x="4821555" y="11995150"/>
+            <a:ext cx="384810" cy="384810"/>
+          </a:xfrm>
+          <a:prstGeom prst="rect">
+            <a:avLst/>
+          </a:prstGeom>
+        </p:spPr>
+      </p:pic>
+      <p:pic>
+        <p:nvPicPr>
+          <p:cNvPr id="10" name="Picture 9" descr="facebook"/>
+          <p:cNvPicPr>
+            <a:picLocks noChangeAspect="1"/>
+          </p:cNvPicPr>
+          <p:nvPr/>
+        </p:nvPicPr>
+        <p:blipFill>
+          <a:blip r:embed="rId4"/>
+          <a:stretch>
+            <a:fillRect/>
+          </a:stretch>
+        </p:blipFill>
+        <p:spPr>
+          <a:xfrm>
+            <a:off x="3582035" y="11992610"/>
+            <a:ext cx="338455" cy="387350"/>
+          </a:xfrm>
+          <a:prstGeom prst="rect">
+            <a:avLst/>
+          </a:prstGeom>
+        </p:spPr>
+      </p:pic>
+      <p:pic>
+        <p:nvPicPr>
+          <p:cNvPr id="11" name="Picture 10" descr="instagram"/>
+          <p:cNvPicPr>
+            <a:picLocks noChangeAspect="1"/>
+          </p:cNvPicPr>
+          <p:nvPr/>
+        </p:nvPicPr>
+        <p:blipFill>
+          <a:blip r:embed="rId5"/>
+          <a:stretch>
+            <a:fillRect/>
+          </a:stretch>
+        </p:blipFill>
+        <p:spPr>
+          <a:xfrm>
+            <a:off x="4192905" y="11995150"/>
+            <a:ext cx="338455" cy="387350"/>
+          </a:xfrm>
+          <a:prstGeom prst="rect">
+            <a:avLst/>
+          </a:prstGeom>
+        </p:spPr>
+      </p:pic>
+      <p:sp>
+        <p:nvSpPr>
+          <p:cNvPr id="12" name="Rectangle 40"/>
           <p:cNvSpPr/>
           <p:nvPr/>
         </p:nvSpPr>
         <p:spPr>
           <a:xfrm>
-            <a:off x="4186555" y="3921125"/>
-            <a:ext cx="2226945" cy="2090420"/>
-          </a:xfrm>
-          <a:prstGeom prst="foldedCorner">
-            <a:avLst/>
-          </a:prstGeom>
+            <a:off x="2581910" y="12414885"/>
+            <a:ext cx="3611880" cy="1282700"/>
+          </a:xfrm>
+          <a:prstGeom prst="rect">
+            <a:avLst/>
+          </a:prstGeom>
+          <a:noFill/>
+          <a:ln>
+            <a:noFill/>
+          </a:ln>
         </p:spPr>
         <p:style>
-          <a:lnRef idx="0">
-            <a:schemeClr val="accent4"/>
+          <a:lnRef idx="2">
+            <a:schemeClr val="accent1">
+              <a:shade val="50000"/>
+            </a:schemeClr>
           </a:lnRef>
-          <a:fillRef idx="3">
-            <a:schemeClr val="accent4"/>
+          <a:fillRef idx="1">
+            <a:schemeClr val="accent1"/>
           </a:fillRef>
-          <a:effectRef idx="3">
-            <a:schemeClr val="accent4"/>
+          <a:effectRef idx="0">
+            <a:schemeClr val="accent1"/>
           </a:effectRef>
           <a:fontRef idx="minor">
             <a:schemeClr val="lt1"/>
@@ -12564,45 +13438,103 @@
           <a:p>
             <a:pPr algn="ctr"/>
             <a:r>
-              <a:rPr lang="x-none" altLang="en-US">
-                <a:solidFill>
-                  <a:schemeClr val="tx1"/>
-                </a:solidFill>
-              </a:rPr>
-              <a:t>Another image is hovered</a:t>
-            </a:r>
-            <a:endParaRPr lang="x-none" altLang="en-US">
-              <a:solidFill>
-                <a:schemeClr val="tx1"/>
-              </a:solidFill>
-            </a:endParaRPr>
-          </a:p>
-        </p:txBody>
-      </p:sp>
-      <p:sp>
-        <p:nvSpPr>
-          <p:cNvPr id="5" name="Folded Corner 4"/>
+              <a:rPr lang="x-none" altLang="en-US" sz="1600">
+                <a:solidFill>
+                  <a:schemeClr val="tx1"/>
+                </a:solidFill>
+              </a:rPr>
+              <a:t>33 6 00 11 22 33</a:t>
+            </a:r>
+            <a:endParaRPr lang="x-none" altLang="en-US" sz="1600">
+              <a:solidFill>
+                <a:schemeClr val="tx1"/>
+              </a:solidFill>
+            </a:endParaRPr>
+          </a:p>
+          <a:p>
+            <a:pPr algn="ctr"/>
+            <a:r>
+              <a:rPr lang="x-none" altLang="en-US" sz="1600">
+                <a:solidFill>
+                  <a:schemeClr val="tx1"/>
+                </a:solidFill>
+              </a:rPr>
+              <a:t>contact@firedBowl.com</a:t>
+            </a:r>
+            <a:endParaRPr lang="x-none" altLang="en-US" sz="1600">
+              <a:solidFill>
+                <a:schemeClr val="tx1"/>
+              </a:solidFill>
+            </a:endParaRPr>
+          </a:p>
+          <a:p>
+            <a:pPr algn="ctr"/>
+            <a:r>
+              <a:rPr lang="x-none" altLang="en-US" sz="1600">
+                <a:solidFill>
+                  <a:schemeClr val="tx1"/>
+                </a:solidFill>
+              </a:rPr>
+              <a:t>68 Hollow road, London, UK</a:t>
+            </a:r>
+            <a:endParaRPr lang="x-none" altLang="en-US" sz="1600">
+              <a:solidFill>
+                <a:schemeClr val="tx1"/>
+              </a:solidFill>
+            </a:endParaRPr>
+          </a:p>
+          <a:p>
+            <a:pPr algn="ctr"/>
+            <a:r>
+              <a:rPr lang="x-none" altLang="en-US" sz="1600">
+                <a:solidFill>
+                  <a:schemeClr val="tx1"/>
+                </a:solidFill>
+              </a:rPr>
+              <a:t>Monday-Saturday : 8am - 5pm</a:t>
+            </a:r>
+            <a:endParaRPr lang="x-none" altLang="en-US" sz="1600">
+              <a:solidFill>
+                <a:schemeClr val="tx1"/>
+              </a:solidFill>
+            </a:endParaRPr>
+          </a:p>
+        </p:txBody>
+      </p:sp>
+      <p:sp>
+        <p:nvSpPr>
+          <p:cNvPr id="13" name="Rounded Rectangle 36"/>
           <p:cNvSpPr/>
           <p:nvPr/>
         </p:nvSpPr>
         <p:spPr>
           <a:xfrm>
-            <a:off x="539750" y="6038850"/>
-            <a:ext cx="2778125" cy="2667635"/>
-          </a:xfrm>
-          <a:prstGeom prst="foldedCorner">
-            <a:avLst/>
-          </a:prstGeom>
+            <a:off x="6928485" y="13087985"/>
+            <a:ext cx="1453515" cy="320675"/>
+          </a:xfrm>
+          <a:prstGeom prst="roundRect">
+            <a:avLst/>
+          </a:prstGeom>
+          <a:solidFill>
+            <a:schemeClr val="bg1"/>
+          </a:solidFill>
+          <a:ln>
+            <a:solidFill>
+              <a:schemeClr val="tx1"/>
+            </a:solidFill>
+          </a:ln>
         </p:spPr>
         <p:style>
-          <a:lnRef idx="0">
-            <a:schemeClr val="accent4"/>
+          <a:lnRef idx="2">
+            <a:schemeClr val="accent1">
+              <a:shade val="50000"/>
+            </a:schemeClr>
           </a:lnRef>
-          <a:fillRef idx="3">
-            <a:schemeClr val="accent4"/>
+          <a:fillRef idx="1">
+            <a:schemeClr val="accent1"/>
           </a:fillRef>
-          <a:effectRef idx="3">
-            <a:schemeClr val="accent4"/>
+          <a:effectRef idx="0">
+            <a:schemeClr val="accent1"/>
           </a:effectRef>
           <a:fontRef idx="minor">
             <a:schemeClr val="lt1"/>
@@ -12613,80 +13545,21 @@
           <a:p>
             <a:pPr algn="ctr"/>
             <a:r>
-              <a:rPr lang="x-none" altLang="en-US">
-                <a:solidFill>
-                  <a:schemeClr val="tx1"/>
-                </a:solidFill>
-              </a:rPr>
-              <a:t>Scroll :</a:t>
-            </a:r>
-            <a:endParaRPr lang="x-none" altLang="en-US">
-              <a:solidFill>
-                <a:schemeClr val="tx1"/>
-              </a:solidFill>
-            </a:endParaRPr>
-          </a:p>
-          <a:p>
-            <a:pPr algn="ctr"/>
-            <a:endParaRPr lang="x-none" altLang="en-US">
-              <a:solidFill>
-                <a:schemeClr val="tx1"/>
-              </a:solidFill>
-            </a:endParaRPr>
-          </a:p>
-          <a:p>
-            <a:pPr algn="ctr"/>
-            <a:r>
-              <a:rPr lang="x-none" altLang="en-US">
-                <a:solidFill>
-                  <a:schemeClr val="tx1"/>
-                </a:solidFill>
-              </a:rPr>
-              <a:t>The only part moving on this page are the items (not the filter / navigation bar) execpt on smartphone</a:t>
-            </a:r>
-            <a:endParaRPr lang="x-none" altLang="en-US">
-              <a:solidFill>
-                <a:schemeClr val="tx1"/>
-              </a:solidFill>
-            </a:endParaRPr>
-          </a:p>
-        </p:txBody>
-      </p:sp>
-      <p:cxnSp>
-        <p:nvCxnSpPr>
-          <p:cNvPr id="8" name="Straight Connector 7"/>
-          <p:cNvCxnSpPr/>
-          <p:nvPr/>
-        </p:nvCxnSpPr>
-        <p:spPr>
-          <a:xfrm>
-            <a:off x="4343400" y="828675"/>
-            <a:ext cx="1101090" cy="15240"/>
-          </a:xfrm>
-          <a:prstGeom prst="line">
-            <a:avLst/>
-          </a:prstGeom>
-          <a:ln w="79375">
-            <a:solidFill>
-              <a:srgbClr val="844D36"/>
-            </a:solidFill>
-          </a:ln>
-        </p:spPr>
-        <p:style>
-          <a:lnRef idx="1">
-            <a:schemeClr val="accent1"/>
-          </a:lnRef>
-          <a:fillRef idx="0">
-            <a:schemeClr val="accent1"/>
-          </a:fillRef>
-          <a:effectRef idx="0">
-            <a:schemeClr val="accent1"/>
-          </a:effectRef>
-          <a:fontRef idx="minor">
-            <a:schemeClr val="tx1"/>
-          </a:fontRef>
-        </p:style>
-      </p:cxnSp>
+              <a:rPr lang="x-none" altLang="en-US" sz="1600">
+                <a:solidFill>
+                  <a:schemeClr val="tx1"/>
+                </a:solidFill>
+              </a:rPr>
+              <a:t>Subscribe</a:t>
+            </a:r>
+            <a:endParaRPr lang="x-none" altLang="en-US" sz="1600">
+              <a:solidFill>
+                <a:schemeClr val="tx1"/>
+              </a:solidFill>
+            </a:endParaRPr>
+          </a:p>
+        </p:txBody>
+      </p:sp>
     </p:spTree>
   </p:cSld>
   <p:clrMapOvr>
@@ -12782,9 +13655,7 @@
           <a:noFill/>
           <a:ln>
             <a:solidFill>
-              <a:schemeClr val="bg1">
-                <a:lumMod val="85000"/>
-              </a:schemeClr>
+              <a:schemeClr val="tx1"/>
             </a:solidFill>
           </a:ln>
         </p:spPr>
@@ -13936,14 +14807,6 @@
           </a:p>
           <a:p>
             <a:pPr algn="ctr"/>
-            <a:r>
-              <a:rPr lang="x-none" altLang="en-US" sz="1600">
-                <a:solidFill>
-                  <a:schemeClr val="tx1"/>
-                </a:solidFill>
-              </a:rPr>
-              <a:t>£34</a:t>
-            </a:r>
             <a:endParaRPr lang="x-none" altLang="en-US" sz="1600">
               <a:solidFill>
                 <a:schemeClr val="tx1"/>
@@ -13960,7 +14823,7 @@
         </p:nvSpPr>
         <p:spPr>
           <a:xfrm>
-            <a:off x="6542405" y="3044825"/>
+            <a:off x="6466205" y="2761615"/>
             <a:ext cx="2000885" cy="820420"/>
           </a:xfrm>
           <a:prstGeom prst="roundRect">
@@ -14054,7 +14917,16 @@
                   <a:schemeClr val="tx1"/>
                 </a:solidFill>
               </a:rPr>
-              <a:t>Description ...</a:t>
+              <a:t>Description ... </a:t>
+            </a:r>
+            <a:r>
+              <a:rPr lang="x-none" altLang="en-US" sz="1600">
+                <a:solidFill>
+                  <a:schemeClr val="tx1"/>
+                </a:solidFill>
+                <a:sym typeface="+mn-ea"/>
+              </a:rPr>
+              <a:t>Lorem ipsum dolor sit amet, consectetur adipiscing elit. Sed a magna a orci posuere congue. Aliquam condimentum ullamcorper ex, quis facilisis odio. Nunc vehicula purus non molestie mattis. Donec in orci a orci porta faucibus.</a:t>
             </a:r>
             <a:endParaRPr lang="x-none" altLang="en-US" sz="1600">
               <a:solidFill>
@@ -14145,14 +15017,318 @@
       </p:sp>
       <p:sp>
         <p:nvSpPr>
-          <p:cNvPr id="1048596" name="Rectangle 39"/>
+          <p:cNvPr id="3" name="Folded Corner 2"/>
           <p:cNvSpPr/>
           <p:nvPr/>
         </p:nvSpPr>
         <p:spPr>
           <a:xfrm>
-            <a:off x="3810" y="12063730"/>
-            <a:ext cx="9135745" cy="1702435"/>
+            <a:off x="539750" y="6038850"/>
+            <a:ext cx="2778125" cy="2667635"/>
+          </a:xfrm>
+          <a:prstGeom prst="foldedCorner">
+            <a:avLst/>
+          </a:prstGeom>
+        </p:spPr>
+        <p:style>
+          <a:lnRef idx="0">
+            <a:schemeClr val="accent4"/>
+          </a:lnRef>
+          <a:fillRef idx="3">
+            <a:schemeClr val="accent4"/>
+          </a:fillRef>
+          <a:effectRef idx="3">
+            <a:schemeClr val="accent4"/>
+          </a:effectRef>
+          <a:fontRef idx="minor">
+            <a:schemeClr val="lt1"/>
+          </a:fontRef>
+        </p:style>
+        <p:txBody>
+          <a:bodyPr rtlCol="0" anchor="ctr"/>
+          <a:p>
+            <a:pPr algn="ctr"/>
+            <a:r>
+              <a:rPr lang="x-none" altLang="en-US" b="1" u="sng">
+                <a:solidFill>
+                  <a:schemeClr val="tx1"/>
+                </a:solidFill>
+              </a:rPr>
+              <a:t>Product Clicked</a:t>
+            </a:r>
+            <a:endParaRPr lang="x-none" altLang="en-US" b="1" u="sng">
+              <a:solidFill>
+                <a:schemeClr val="tx1"/>
+              </a:solidFill>
+            </a:endParaRPr>
+          </a:p>
+          <a:p>
+            <a:pPr algn="ctr"/>
+            <a:endParaRPr lang="x-none" altLang="en-US">
+              <a:solidFill>
+                <a:schemeClr val="tx1"/>
+              </a:solidFill>
+            </a:endParaRPr>
+          </a:p>
+          <a:p>
+            <a:pPr algn="ctr"/>
+            <a:r>
+              <a:rPr lang="x-none" altLang="en-US">
+                <a:solidFill>
+                  <a:schemeClr val="tx1"/>
+                </a:solidFill>
+              </a:rPr>
+              <a:t>The page is scrolled to the product changing the small canvas to a x4 one with full description</a:t>
+            </a:r>
+            <a:endParaRPr lang="x-none" altLang="en-US">
+              <a:solidFill>
+                <a:schemeClr val="tx1"/>
+              </a:solidFill>
+            </a:endParaRPr>
+          </a:p>
+        </p:txBody>
+      </p:sp>
+      <p:sp>
+        <p:nvSpPr>
+          <p:cNvPr id="4" name="Folded Corner 3"/>
+          <p:cNvSpPr/>
+          <p:nvPr/>
+        </p:nvSpPr>
+        <p:spPr>
+          <a:xfrm>
+            <a:off x="6307455" y="81280"/>
+            <a:ext cx="2604135" cy="1704975"/>
+          </a:xfrm>
+          <a:prstGeom prst="foldedCorner">
+            <a:avLst/>
+          </a:prstGeom>
+        </p:spPr>
+        <p:style>
+          <a:lnRef idx="0">
+            <a:schemeClr val="accent4"/>
+          </a:lnRef>
+          <a:fillRef idx="3">
+            <a:schemeClr val="accent4"/>
+          </a:fillRef>
+          <a:effectRef idx="3">
+            <a:schemeClr val="accent4"/>
+          </a:effectRef>
+          <a:fontRef idx="minor">
+            <a:schemeClr val="lt1"/>
+          </a:fontRef>
+        </p:style>
+        <p:txBody>
+          <a:bodyPr rtlCol="0" anchor="ctr"/>
+          <a:p>
+            <a:pPr algn="ctr"/>
+            <a:r>
+              <a:rPr lang="x-none" altLang="en-US">
+                <a:solidFill>
+                  <a:schemeClr val="tx1"/>
+                </a:solidFill>
+              </a:rPr>
+              <a:t>The cross allow the user to close the description of this product</a:t>
+            </a:r>
+            <a:endParaRPr lang="x-none" altLang="en-US">
+              <a:solidFill>
+                <a:schemeClr val="tx1"/>
+              </a:solidFill>
+            </a:endParaRPr>
+          </a:p>
+        </p:txBody>
+      </p:sp>
+      <p:sp>
+        <p:nvSpPr>
+          <p:cNvPr id="5" name="Folded Corner 4"/>
+          <p:cNvSpPr/>
+          <p:nvPr/>
+        </p:nvSpPr>
+        <p:spPr>
+          <a:xfrm>
+            <a:off x="636905" y="9314180"/>
+            <a:ext cx="2778125" cy="1664970"/>
+          </a:xfrm>
+          <a:prstGeom prst="foldedCorner">
+            <a:avLst/>
+          </a:prstGeom>
+        </p:spPr>
+        <p:style>
+          <a:lnRef idx="0">
+            <a:schemeClr val="accent4"/>
+          </a:lnRef>
+          <a:fillRef idx="3">
+            <a:schemeClr val="accent4"/>
+          </a:fillRef>
+          <a:effectRef idx="3">
+            <a:schemeClr val="accent4"/>
+          </a:effectRef>
+          <a:fontRef idx="minor">
+            <a:schemeClr val="lt1"/>
+          </a:fontRef>
+        </p:style>
+        <p:txBody>
+          <a:bodyPr rtlCol="0" anchor="ctr"/>
+          <a:p>
+            <a:pPr algn="ctr"/>
+            <a:r>
+              <a:rPr lang="x-none" altLang="en-US">
+                <a:solidFill>
+                  <a:schemeClr val="tx1"/>
+                </a:solidFill>
+              </a:rPr>
+              <a:t>“Add to Cart” is a button to add the product to the shopping cart</a:t>
+            </a:r>
+            <a:endParaRPr lang="x-none" altLang="en-US">
+              <a:solidFill>
+                <a:schemeClr val="tx1"/>
+              </a:solidFill>
+            </a:endParaRPr>
+          </a:p>
+        </p:txBody>
+      </p:sp>
+      <p:sp>
+        <p:nvSpPr>
+          <p:cNvPr id="6" name="Folded Corner 5"/>
+          <p:cNvSpPr/>
+          <p:nvPr/>
+        </p:nvSpPr>
+        <p:spPr>
+          <a:xfrm>
+            <a:off x="3931920" y="9794240"/>
+            <a:ext cx="2778125" cy="1987550"/>
+          </a:xfrm>
+          <a:prstGeom prst="foldedCorner">
+            <a:avLst/>
+          </a:prstGeom>
+        </p:spPr>
+        <p:style>
+          <a:lnRef idx="0">
+            <a:schemeClr val="accent4"/>
+          </a:lnRef>
+          <a:fillRef idx="3">
+            <a:schemeClr val="accent4"/>
+          </a:fillRef>
+          <a:effectRef idx="3">
+            <a:schemeClr val="accent4"/>
+          </a:effectRef>
+          <a:fontRef idx="minor">
+            <a:schemeClr val="lt1"/>
+          </a:fontRef>
+        </p:style>
+        <p:txBody>
+          <a:bodyPr rtlCol="0" anchor="ctr"/>
+          <a:p>
+            <a:pPr algn="ctr"/>
+            <a:r>
+              <a:rPr lang="x-none" altLang="en-US">
+                <a:solidFill>
+                  <a:schemeClr val="tx1"/>
+                </a:solidFill>
+              </a:rPr>
+              <a:t>if another product is clicked, the first one is closed and the screen is scrolled to the new product</a:t>
+            </a:r>
+            <a:endParaRPr lang="x-none" altLang="en-US">
+              <a:solidFill>
+                <a:schemeClr val="tx1"/>
+              </a:solidFill>
+            </a:endParaRPr>
+          </a:p>
+        </p:txBody>
+      </p:sp>
+      <p:sp>
+        <p:nvSpPr>
+          <p:cNvPr id="7" name="Folded Corner 6"/>
+          <p:cNvSpPr/>
+          <p:nvPr/>
+        </p:nvSpPr>
+        <p:spPr>
+          <a:xfrm>
+            <a:off x="2407285" y="1205865"/>
+            <a:ext cx="1626870" cy="1281430"/>
+          </a:xfrm>
+          <a:prstGeom prst="foldedCorner">
+            <a:avLst/>
+          </a:prstGeom>
+        </p:spPr>
+        <p:style>
+          <a:lnRef idx="0">
+            <a:schemeClr val="accent4"/>
+          </a:lnRef>
+          <a:fillRef idx="3">
+            <a:schemeClr val="accent4"/>
+          </a:fillRef>
+          <a:effectRef idx="3">
+            <a:schemeClr val="accent4"/>
+          </a:effectRef>
+          <a:fontRef idx="minor">
+            <a:schemeClr val="lt1"/>
+          </a:fontRef>
+        </p:style>
+        <p:txBody>
+          <a:bodyPr rtlCol="0" anchor="ctr"/>
+          <a:p>
+            <a:pPr algn="ctr"/>
+            <a:r>
+              <a:rPr lang="x-none" altLang="en-US">
+                <a:solidFill>
+                  <a:schemeClr val="tx1"/>
+                </a:solidFill>
+              </a:rPr>
+              <a:t>click the image to zoom it</a:t>
+            </a:r>
+            <a:endParaRPr lang="x-none" altLang="en-US">
+              <a:solidFill>
+                <a:schemeClr val="tx1"/>
+              </a:solidFill>
+            </a:endParaRPr>
+          </a:p>
+        </p:txBody>
+      </p:sp>
+      <p:cxnSp>
+        <p:nvCxnSpPr>
+          <p:cNvPr id="8" name="Straight Connector 7"/>
+          <p:cNvCxnSpPr/>
+          <p:nvPr/>
+        </p:nvCxnSpPr>
+        <p:spPr>
+          <a:xfrm>
+            <a:off x="4343400" y="828675"/>
+            <a:ext cx="1101090" cy="15240"/>
+          </a:xfrm>
+          <a:prstGeom prst="line">
+            <a:avLst/>
+          </a:prstGeom>
+          <a:ln w="79375">
+            <a:solidFill>
+              <a:srgbClr val="844D36"/>
+            </a:solidFill>
+          </a:ln>
+        </p:spPr>
+        <p:style>
+          <a:lnRef idx="1">
+            <a:schemeClr val="accent1"/>
+          </a:lnRef>
+          <a:fillRef idx="0">
+            <a:schemeClr val="accent1"/>
+          </a:fillRef>
+          <a:effectRef idx="0">
+            <a:schemeClr val="accent1"/>
+          </a:effectRef>
+          <a:fontRef idx="minor">
+            <a:schemeClr val="tx1"/>
+          </a:fontRef>
+        </p:style>
+      </p:cxnSp>
+      <p:sp>
+        <p:nvSpPr>
+          <p:cNvPr id="9" name="Rectangle 39"/>
+          <p:cNvSpPr/>
+          <p:nvPr/>
+        </p:nvSpPr>
+        <p:spPr>
+          <a:xfrm>
+            <a:off x="3810" y="11765915"/>
+            <a:ext cx="9135745" cy="2000250"/>
           </a:xfrm>
           <a:prstGeom prst="rect">
             <a:avLst/>
@@ -14204,13 +15380,13 @@
       </p:sp>
       <p:sp>
         <p:nvSpPr>
-          <p:cNvPr id="1048597" name="Rectangle 40"/>
+          <p:cNvPr id="10" name="Rectangle 40"/>
           <p:cNvSpPr/>
           <p:nvPr/>
         </p:nvSpPr>
         <p:spPr>
           <a:xfrm>
-            <a:off x="539327" y="11992532"/>
+            <a:off x="539327" y="11916332"/>
             <a:ext cx="2150533" cy="1786467"/>
           </a:xfrm>
           <a:prstGeom prst="rect">
@@ -14323,14 +15499,14 @@
       </p:sp>
       <p:sp>
         <p:nvSpPr>
-          <p:cNvPr id="1048598" name="Rectangle 41"/>
+          <p:cNvPr id="11" name="Rectangle 42"/>
           <p:cNvSpPr/>
           <p:nvPr/>
         </p:nvSpPr>
         <p:spPr>
           <a:xfrm>
-            <a:off x="3317875" y="11979832"/>
-            <a:ext cx="2150533" cy="1786467"/>
+            <a:off x="6535420" y="11527155"/>
+            <a:ext cx="2240280" cy="1786255"/>
           </a:xfrm>
           <a:prstGeom prst="rect">
             <a:avLst/>
@@ -14366,77 +15542,6 @@
                   <a:schemeClr val="tx1"/>
                 </a:solidFill>
               </a:rPr>
-              <a:t>Facebook</a:t>
-            </a:r>
-            <a:endParaRPr lang="x-none" altLang="en-US" sz="1600" b="1">
-              <a:solidFill>
-                <a:schemeClr val="tx1"/>
-              </a:solidFill>
-            </a:endParaRPr>
-          </a:p>
-          <a:p>
-            <a:pPr algn="ctr"/>
-            <a:r>
-              <a:rPr lang="x-none" altLang="en-US" sz="1600" b="1">
-                <a:solidFill>
-                  <a:schemeClr val="tx1"/>
-                </a:solidFill>
-              </a:rPr>
-              <a:t>Instagram</a:t>
-            </a:r>
-            <a:endParaRPr lang="x-none" altLang="en-US" sz="1600" b="1">
-              <a:solidFill>
-                <a:schemeClr val="tx1"/>
-              </a:solidFill>
-            </a:endParaRPr>
-          </a:p>
-        </p:txBody>
-      </p:sp>
-      <p:sp>
-        <p:nvSpPr>
-          <p:cNvPr id="1048599" name="Rectangle 42"/>
-          <p:cNvSpPr/>
-          <p:nvPr/>
-        </p:nvSpPr>
-        <p:spPr>
-          <a:xfrm>
-            <a:off x="6383443" y="11992532"/>
-            <a:ext cx="2150533" cy="1786467"/>
-          </a:xfrm>
-          <a:prstGeom prst="rect">
-            <a:avLst/>
-          </a:prstGeom>
-          <a:noFill/>
-          <a:ln>
-            <a:noFill/>
-          </a:ln>
-        </p:spPr>
-        <p:style>
-          <a:lnRef idx="2">
-            <a:schemeClr val="accent1">
-              <a:shade val="50000"/>
-            </a:schemeClr>
-          </a:lnRef>
-          <a:fillRef idx="1">
-            <a:schemeClr val="accent1"/>
-          </a:fillRef>
-          <a:effectRef idx="0">
-            <a:schemeClr val="accent1"/>
-          </a:effectRef>
-          <a:fontRef idx="minor">
-            <a:schemeClr val="lt1"/>
-          </a:fontRef>
-        </p:style>
-        <p:txBody>
-          <a:bodyPr rtlCol="0" anchor="ctr"/>
-          <a:p>
-            <a:pPr algn="l"/>
-            <a:r>
-              <a:rPr lang="x-none" altLang="en-US" sz="1600" b="1">
-                <a:solidFill>
-                  <a:schemeClr val="tx1"/>
-                </a:solidFill>
-              </a:rPr>
               <a:t>Newsletter</a:t>
             </a:r>
             <a:endParaRPr lang="x-none" altLang="en-US" sz="1600" b="1">
@@ -14465,14 +15570,14 @@
       </p:sp>
       <p:sp>
         <p:nvSpPr>
-          <p:cNvPr id="2" name="Rounded Rectangle 43"/>
+          <p:cNvPr id="1048600" name="Rounded Rectangle 43"/>
           <p:cNvSpPr/>
           <p:nvPr/>
         </p:nvSpPr>
         <p:spPr>
           <a:xfrm>
-            <a:off x="6383443" y="12847665"/>
-            <a:ext cx="2239433" cy="407247"/>
+            <a:off x="6383655" y="12466955"/>
+            <a:ext cx="2603500" cy="407035"/>
           </a:xfrm>
           <a:prstGeom prst="roundRect">
             <a:avLst/>
@@ -14508,47 +15613,129 @@
         <p:txBody>
           <a:bodyPr rtlCol="0" anchor="ctr"/>
           <a:p>
-            <a:pPr algn="ctr"/>
+            <a:pPr algn="l"/>
             <a:r>
               <a:rPr lang="x-none" altLang="en-US" sz="1600">
                 <a:solidFill>
-                  <a:schemeClr val="tx1"/>
-                </a:solidFill>
-              </a:rPr>
-              <a:t>mail</a:t>
-            </a:r>
-            <a:endParaRPr lang="x-none" altLang="en-US" sz="1600">
-              <a:solidFill>
-                <a:schemeClr val="tx1"/>
-              </a:solidFill>
-            </a:endParaRPr>
-          </a:p>
-        </p:txBody>
-      </p:sp>
-      <p:sp>
-        <p:nvSpPr>
-          <p:cNvPr id="3" name="Folded Corner 2"/>
+                  <a:schemeClr val="bg1">
+                    <a:lumMod val="50000"/>
+                  </a:schemeClr>
+                </a:solidFill>
+              </a:rPr>
+              <a:t>Email Address</a:t>
+            </a:r>
+            <a:endParaRPr lang="x-none" altLang="en-US" sz="1600">
+              <a:solidFill>
+                <a:schemeClr val="bg1">
+                  <a:lumMod val="50000"/>
+                </a:schemeClr>
+              </a:solidFill>
+            </a:endParaRPr>
+          </a:p>
+        </p:txBody>
+      </p:sp>
+      <p:pic>
+        <p:nvPicPr>
+          <p:cNvPr id="12" name="Picture 11" descr="envelope2"/>
+          <p:cNvPicPr>
+            <a:picLocks noChangeAspect="1"/>
+          </p:cNvPicPr>
+          <p:nvPr/>
+        </p:nvPicPr>
+        <p:blipFill>
+          <a:blip r:embed="rId3"/>
+          <a:stretch>
+            <a:fillRect/>
+          </a:stretch>
+        </p:blipFill>
+        <p:spPr>
+          <a:xfrm>
+            <a:off x="4821555" y="11995150"/>
+            <a:ext cx="384810" cy="384810"/>
+          </a:xfrm>
+          <a:prstGeom prst="rect">
+            <a:avLst/>
+          </a:prstGeom>
+        </p:spPr>
+      </p:pic>
+      <p:pic>
+        <p:nvPicPr>
+          <p:cNvPr id="13" name="Picture 12" descr="facebook"/>
+          <p:cNvPicPr>
+            <a:picLocks noChangeAspect="1"/>
+          </p:cNvPicPr>
+          <p:nvPr/>
+        </p:nvPicPr>
+        <p:blipFill>
+          <a:blip r:embed="rId4"/>
+          <a:stretch>
+            <a:fillRect/>
+          </a:stretch>
+        </p:blipFill>
+        <p:spPr>
+          <a:xfrm>
+            <a:off x="3582035" y="11992610"/>
+            <a:ext cx="338455" cy="387350"/>
+          </a:xfrm>
+          <a:prstGeom prst="rect">
+            <a:avLst/>
+          </a:prstGeom>
+        </p:spPr>
+      </p:pic>
+      <p:pic>
+        <p:nvPicPr>
+          <p:cNvPr id="14" name="Picture 13" descr="instagram"/>
+          <p:cNvPicPr>
+            <a:picLocks noChangeAspect="1"/>
+          </p:cNvPicPr>
+          <p:nvPr/>
+        </p:nvPicPr>
+        <p:blipFill>
+          <a:blip r:embed="rId5"/>
+          <a:stretch>
+            <a:fillRect/>
+          </a:stretch>
+        </p:blipFill>
+        <p:spPr>
+          <a:xfrm>
+            <a:off x="4192905" y="11995150"/>
+            <a:ext cx="338455" cy="387350"/>
+          </a:xfrm>
+          <a:prstGeom prst="rect">
+            <a:avLst/>
+          </a:prstGeom>
+        </p:spPr>
+      </p:pic>
+      <p:sp>
+        <p:nvSpPr>
+          <p:cNvPr id="15" name="Rectangle 40"/>
           <p:cNvSpPr/>
           <p:nvPr/>
         </p:nvSpPr>
         <p:spPr>
           <a:xfrm>
-            <a:off x="539750" y="6038850"/>
-            <a:ext cx="2778125" cy="2667635"/>
-          </a:xfrm>
-          <a:prstGeom prst="foldedCorner">
-            <a:avLst/>
-          </a:prstGeom>
+            <a:off x="2581910" y="12414885"/>
+            <a:ext cx="3611880" cy="1282700"/>
+          </a:xfrm>
+          <a:prstGeom prst="rect">
+            <a:avLst/>
+          </a:prstGeom>
+          <a:noFill/>
+          <a:ln>
+            <a:noFill/>
+          </a:ln>
         </p:spPr>
         <p:style>
-          <a:lnRef idx="0">
-            <a:schemeClr val="accent4"/>
+          <a:lnRef idx="2">
+            <a:schemeClr val="accent1">
+              <a:shade val="50000"/>
+            </a:schemeClr>
           </a:lnRef>
-          <a:fillRef idx="3">
-            <a:schemeClr val="accent4"/>
+          <a:fillRef idx="1">
+            <a:schemeClr val="accent1"/>
           </a:fillRef>
-          <a:effectRef idx="3">
-            <a:schemeClr val="accent4"/>
+          <a:effectRef idx="0">
+            <a:schemeClr val="accent1"/>
           </a:effectRef>
           <a:fontRef idx="minor">
             <a:schemeClr val="lt1"/>
@@ -14559,69 +15746,103 @@
           <a:p>
             <a:pPr algn="ctr"/>
             <a:r>
-              <a:rPr lang="x-none" altLang="en-US">
-                <a:solidFill>
-                  <a:schemeClr val="tx1"/>
-                </a:solidFill>
-              </a:rPr>
-              <a:t>Product Clicked</a:t>
-            </a:r>
-            <a:endParaRPr lang="x-none" altLang="en-US">
-              <a:solidFill>
-                <a:schemeClr val="tx1"/>
-              </a:solidFill>
-            </a:endParaRPr>
-          </a:p>
-          <a:p>
-            <a:pPr algn="ctr"/>
-            <a:endParaRPr lang="x-none" altLang="en-US">
-              <a:solidFill>
-                <a:schemeClr val="tx1"/>
-              </a:solidFill>
-            </a:endParaRPr>
-          </a:p>
-          <a:p>
-            <a:pPr algn="ctr"/>
-            <a:r>
-              <a:rPr lang="x-none" altLang="en-US">
-                <a:solidFill>
-                  <a:schemeClr val="tx1"/>
-                </a:solidFill>
-              </a:rPr>
-              <a:t>Scroll the page to this point while changing the small canvas to a x4 one with full description</a:t>
-            </a:r>
-            <a:endParaRPr lang="x-none" altLang="en-US">
-              <a:solidFill>
-                <a:schemeClr val="tx1"/>
-              </a:solidFill>
-            </a:endParaRPr>
-          </a:p>
-        </p:txBody>
-      </p:sp>
-      <p:sp>
-        <p:nvSpPr>
-          <p:cNvPr id="4" name="Folded Corner 3"/>
+              <a:rPr lang="x-none" altLang="en-US" sz="1600">
+                <a:solidFill>
+                  <a:schemeClr val="tx1"/>
+                </a:solidFill>
+              </a:rPr>
+              <a:t>33 6 00 11 22 33</a:t>
+            </a:r>
+            <a:endParaRPr lang="x-none" altLang="en-US" sz="1600">
+              <a:solidFill>
+                <a:schemeClr val="tx1"/>
+              </a:solidFill>
+            </a:endParaRPr>
+          </a:p>
+          <a:p>
+            <a:pPr algn="ctr"/>
+            <a:r>
+              <a:rPr lang="x-none" altLang="en-US" sz="1600">
+                <a:solidFill>
+                  <a:schemeClr val="tx1"/>
+                </a:solidFill>
+              </a:rPr>
+              <a:t>contact@firedBowl.com</a:t>
+            </a:r>
+            <a:endParaRPr lang="x-none" altLang="en-US" sz="1600">
+              <a:solidFill>
+                <a:schemeClr val="tx1"/>
+              </a:solidFill>
+            </a:endParaRPr>
+          </a:p>
+          <a:p>
+            <a:pPr algn="ctr"/>
+            <a:r>
+              <a:rPr lang="x-none" altLang="en-US" sz="1600">
+                <a:solidFill>
+                  <a:schemeClr val="tx1"/>
+                </a:solidFill>
+              </a:rPr>
+              <a:t>68 Hollow road, London, UK</a:t>
+            </a:r>
+            <a:endParaRPr lang="x-none" altLang="en-US" sz="1600">
+              <a:solidFill>
+                <a:schemeClr val="tx1"/>
+              </a:solidFill>
+            </a:endParaRPr>
+          </a:p>
+          <a:p>
+            <a:pPr algn="ctr"/>
+            <a:r>
+              <a:rPr lang="x-none" altLang="en-US" sz="1600">
+                <a:solidFill>
+                  <a:schemeClr val="tx1"/>
+                </a:solidFill>
+              </a:rPr>
+              <a:t>Monday-Saturday : 8am - 5pm</a:t>
+            </a:r>
+            <a:endParaRPr lang="x-none" altLang="en-US" sz="1600">
+              <a:solidFill>
+                <a:schemeClr val="tx1"/>
+              </a:solidFill>
+            </a:endParaRPr>
+          </a:p>
+        </p:txBody>
+      </p:sp>
+      <p:sp>
+        <p:nvSpPr>
+          <p:cNvPr id="16" name="Rounded Rectangle 36"/>
           <p:cNvSpPr/>
           <p:nvPr/>
         </p:nvSpPr>
         <p:spPr>
           <a:xfrm>
-            <a:off x="6307455" y="81280"/>
-            <a:ext cx="2604135" cy="1704975"/>
-          </a:xfrm>
-          <a:prstGeom prst="foldedCorner">
-            <a:avLst/>
-          </a:prstGeom>
+            <a:off x="6928485" y="13087985"/>
+            <a:ext cx="1453515" cy="320675"/>
+          </a:xfrm>
+          <a:prstGeom prst="roundRect">
+            <a:avLst/>
+          </a:prstGeom>
+          <a:solidFill>
+            <a:schemeClr val="bg1"/>
+          </a:solidFill>
+          <a:ln>
+            <a:solidFill>
+              <a:schemeClr val="tx1"/>
+            </a:solidFill>
+          </a:ln>
         </p:spPr>
         <p:style>
-          <a:lnRef idx="0">
-            <a:schemeClr val="accent4"/>
+          <a:lnRef idx="2">
+            <a:schemeClr val="accent1">
+              <a:shade val="50000"/>
+            </a:schemeClr>
           </a:lnRef>
-          <a:fillRef idx="3">
-            <a:schemeClr val="accent4"/>
+          <a:fillRef idx="1">
+            <a:schemeClr val="accent1"/>
           </a:fillRef>
-          <a:effectRef idx="3">
-            <a:schemeClr val="accent4"/>
+          <a:effectRef idx="0">
+            <a:schemeClr val="accent1"/>
           </a:effectRef>
           <a:fontRef idx="minor">
             <a:schemeClr val="lt1"/>
@@ -14632,203 +15853,52 @@
           <a:p>
             <a:pPr algn="ctr"/>
             <a:r>
+              <a:rPr lang="x-none" altLang="en-US" sz="1600">
+                <a:solidFill>
+                  <a:schemeClr val="tx1"/>
+                </a:solidFill>
+              </a:rPr>
+              <a:t>Subscribe</a:t>
+            </a:r>
+            <a:endParaRPr lang="x-none" altLang="en-US" sz="1600">
+              <a:solidFill>
+                <a:schemeClr val="tx1"/>
+              </a:solidFill>
+            </a:endParaRPr>
+          </a:p>
+        </p:txBody>
+      </p:sp>
+      <p:sp>
+        <p:nvSpPr>
+          <p:cNvPr id="17" name="Text Box 16"/>
+          <p:cNvSpPr txBox="1"/>
+          <p:nvPr/>
+        </p:nvSpPr>
+        <p:spPr>
+          <a:xfrm>
+            <a:off x="5328920" y="3549650"/>
+            <a:ext cx="619125" cy="368300"/>
+          </a:xfrm>
+          <a:prstGeom prst="rect">
+            <a:avLst/>
+          </a:prstGeom>
+          <a:noFill/>
+        </p:spPr>
+        <p:txBody>
+          <a:bodyPr wrap="none" rtlCol="0" anchor="t">
+            <a:spAutoFit/>
+          </a:bodyPr>
+          <a:p>
+            <a:r>
               <a:rPr lang="x-none" altLang="en-US">
-                <a:solidFill>
-                  <a:schemeClr val="tx1"/>
-                </a:solidFill>
-              </a:rPr>
-              <a:t>The cross allow the user to close the description of this product</a:t>
-            </a:r>
-            <a:endParaRPr lang="x-none" altLang="en-US">
-              <a:solidFill>
-                <a:schemeClr val="tx1"/>
-              </a:solidFill>
-            </a:endParaRPr>
-          </a:p>
-        </p:txBody>
-      </p:sp>
-      <p:sp>
-        <p:nvSpPr>
-          <p:cNvPr id="5" name="Folded Corner 4"/>
-          <p:cNvSpPr/>
-          <p:nvPr/>
-        </p:nvSpPr>
-        <p:spPr>
-          <a:xfrm>
-            <a:off x="636905" y="9314180"/>
-            <a:ext cx="2778125" cy="1664970"/>
-          </a:xfrm>
-          <a:prstGeom prst="foldedCorner">
-            <a:avLst/>
-          </a:prstGeom>
-        </p:spPr>
-        <p:style>
-          <a:lnRef idx="0">
-            <a:schemeClr val="accent4"/>
-          </a:lnRef>
-          <a:fillRef idx="3">
-            <a:schemeClr val="accent4"/>
-          </a:fillRef>
-          <a:effectRef idx="3">
-            <a:schemeClr val="accent4"/>
-          </a:effectRef>
-          <a:fontRef idx="minor">
-            <a:schemeClr val="lt1"/>
-          </a:fontRef>
-        </p:style>
-        <p:txBody>
-          <a:bodyPr rtlCol="0" anchor="ctr"/>
-          <a:p>
-            <a:pPr algn="ctr"/>
-            <a:r>
-              <a:rPr lang="x-none" altLang="en-US">
-                <a:solidFill>
-                  <a:schemeClr val="tx1"/>
-                </a:solidFill>
-              </a:rPr>
-              <a:t>“Add to Cart” is a button to add the product to the shopping cart</a:t>
-            </a:r>
-            <a:endParaRPr lang="x-none" altLang="en-US">
-              <a:solidFill>
-                <a:schemeClr val="tx1"/>
-              </a:solidFill>
-            </a:endParaRPr>
-          </a:p>
-        </p:txBody>
-      </p:sp>
-      <p:sp>
-        <p:nvSpPr>
-          <p:cNvPr id="6" name="Folded Corner 5"/>
-          <p:cNvSpPr/>
-          <p:nvPr/>
-        </p:nvSpPr>
-        <p:spPr>
-          <a:xfrm>
-            <a:off x="3931920" y="9794240"/>
-            <a:ext cx="2778125" cy="1987550"/>
-          </a:xfrm>
-          <a:prstGeom prst="foldedCorner">
-            <a:avLst/>
-          </a:prstGeom>
-        </p:spPr>
-        <p:style>
-          <a:lnRef idx="0">
-            <a:schemeClr val="accent4"/>
-          </a:lnRef>
-          <a:fillRef idx="3">
-            <a:schemeClr val="accent4"/>
-          </a:fillRef>
-          <a:effectRef idx="3">
-            <a:schemeClr val="accent4"/>
-          </a:effectRef>
-          <a:fontRef idx="minor">
-            <a:schemeClr val="lt1"/>
-          </a:fontRef>
-        </p:style>
-        <p:txBody>
-          <a:bodyPr rtlCol="0" anchor="ctr"/>
-          <a:p>
-            <a:pPr algn="ctr"/>
-            <a:r>
-              <a:rPr lang="x-none" altLang="en-US">
-                <a:solidFill>
-                  <a:schemeClr val="tx1"/>
-                </a:solidFill>
-              </a:rPr>
-              <a:t>if another product is clicked, the first one is closed and the screen is scrolled to the new product</a:t>
-            </a:r>
-            <a:endParaRPr lang="x-none" altLang="en-US">
-              <a:solidFill>
-                <a:schemeClr val="tx1"/>
-              </a:solidFill>
-            </a:endParaRPr>
-          </a:p>
-        </p:txBody>
-      </p:sp>
-      <p:sp>
-        <p:nvSpPr>
-          <p:cNvPr id="7" name="Folded Corner 6"/>
-          <p:cNvSpPr/>
-          <p:nvPr/>
-        </p:nvSpPr>
-        <p:spPr>
-          <a:xfrm>
-            <a:off x="2407285" y="1205865"/>
-            <a:ext cx="1626870" cy="1281430"/>
-          </a:xfrm>
-          <a:prstGeom prst="foldedCorner">
-            <a:avLst/>
-          </a:prstGeom>
-        </p:spPr>
-        <p:style>
-          <a:lnRef idx="0">
-            <a:schemeClr val="accent4"/>
-          </a:lnRef>
-          <a:fillRef idx="3">
-            <a:schemeClr val="accent4"/>
-          </a:fillRef>
-          <a:effectRef idx="3">
-            <a:schemeClr val="accent4"/>
-          </a:effectRef>
-          <a:fontRef idx="minor">
-            <a:schemeClr val="lt1"/>
-          </a:fontRef>
-        </p:style>
-        <p:txBody>
-          <a:bodyPr rtlCol="0" anchor="ctr"/>
-          <a:p>
-            <a:pPr algn="ctr"/>
-            <a:r>
-              <a:rPr lang="x-none" altLang="en-US">
-                <a:solidFill>
-                  <a:schemeClr val="tx1"/>
-                </a:solidFill>
-              </a:rPr>
-              <a:t>click the image to zoom it</a:t>
-            </a:r>
-            <a:endParaRPr lang="x-none" altLang="en-US">
-              <a:solidFill>
-                <a:schemeClr val="tx1"/>
-              </a:solidFill>
-            </a:endParaRPr>
-          </a:p>
-        </p:txBody>
-      </p:sp>
-      <p:cxnSp>
-        <p:nvCxnSpPr>
-          <p:cNvPr id="8" name="Straight Connector 7"/>
-          <p:cNvCxnSpPr/>
-          <p:nvPr/>
-        </p:nvCxnSpPr>
-        <p:spPr>
-          <a:xfrm>
-            <a:off x="4343400" y="828675"/>
-            <a:ext cx="1101090" cy="15240"/>
-          </a:xfrm>
-          <a:prstGeom prst="line">
-            <a:avLst/>
-          </a:prstGeom>
-          <a:ln w="79375">
-            <a:solidFill>
-              <a:srgbClr val="844D36"/>
-            </a:solidFill>
-          </a:ln>
-        </p:spPr>
-        <p:style>
-          <a:lnRef idx="1">
-            <a:schemeClr val="accent1"/>
-          </a:lnRef>
-          <a:fillRef idx="0">
-            <a:schemeClr val="accent1"/>
-          </a:fillRef>
-          <a:effectRef idx="0">
-            <a:schemeClr val="accent1"/>
-          </a:effectRef>
-          <a:fontRef idx="minor">
-            <a:schemeClr val="tx1"/>
-          </a:fontRef>
-        </p:style>
-      </p:cxnSp>
+                <a:sym typeface="+mn-ea"/>
+              </a:rPr>
+              <a:t>£34</a:t>
+            </a:r>
+            <a:endParaRPr lang="en-US"/>
+          </a:p>
+        </p:txBody>
+      </p:sp>
     </p:spTree>
   </p:cSld>
   <p:clrMapOvr>
@@ -16285,146 +17355,51 @@
           </a:p>
         </p:txBody>
       </p:sp>
-      <p:sp>
-        <p:nvSpPr>
-          <p:cNvPr id="1048722" name="Rounded Rectangle 7"/>
-          <p:cNvSpPr/>
-          <p:nvPr/>
-        </p:nvSpPr>
-        <p:spPr>
-          <a:xfrm>
-            <a:off x="232410" y="2339340"/>
-            <a:ext cx="8689340" cy="7479665"/>
-          </a:xfrm>
-          <a:prstGeom prst="roundRect">
-            <a:avLst>
-              <a:gd name="adj" fmla="val 4694"/>
-            </a:avLst>
-          </a:prstGeom>
-          <a:solidFill>
-            <a:schemeClr val="bg1"/>
-          </a:solidFill>
-          <a:ln>
+      <p:cxnSp>
+        <p:nvCxnSpPr>
+          <p:cNvPr id="8" name="Straight Connector 7"/>
+          <p:cNvCxnSpPr/>
+          <p:nvPr/>
+        </p:nvCxnSpPr>
+        <p:spPr>
+          <a:xfrm>
+            <a:off x="4343400" y="828675"/>
+            <a:ext cx="1101090" cy="15240"/>
+          </a:xfrm>
+          <a:prstGeom prst="line">
+            <a:avLst/>
+          </a:prstGeom>
+          <a:ln w="79375">
             <a:solidFill>
-              <a:schemeClr val="bg1">
-                <a:lumMod val="75000"/>
-              </a:schemeClr>
+              <a:srgbClr val="844D36"/>
             </a:solidFill>
           </a:ln>
         </p:spPr>
         <p:style>
-          <a:lnRef idx="2">
-            <a:schemeClr val="accent1">
-              <a:shade val="50000"/>
-            </a:schemeClr>
+          <a:lnRef idx="1">
+            <a:schemeClr val="accent1"/>
           </a:lnRef>
-          <a:fillRef idx="1">
+          <a:fillRef idx="0">
             <a:schemeClr val="accent1"/>
           </a:fillRef>
           <a:effectRef idx="0">
             <a:schemeClr val="accent1"/>
           </a:effectRef>
           <a:fontRef idx="minor">
-            <a:schemeClr val="lt1"/>
+            <a:schemeClr val="tx1"/>
           </a:fontRef>
         </p:style>
-        <p:txBody>
-          <a:bodyPr rtlCol="0" anchor="ctr"/>
-          <a:p>
-            <a:pPr algn="ctr"/>
-            <a:endParaRPr lang="en-US"/>
-          </a:p>
-        </p:txBody>
-      </p:sp>
-      <p:pic>
-        <p:nvPicPr>
-          <p:cNvPr id="2097197" name="Picture 6" descr="empty"/>
-          <p:cNvPicPr>
-            <a:picLocks noChangeAspect="1"/>
-          </p:cNvPicPr>
-          <p:nvPr/>
-        </p:nvPicPr>
-        <p:blipFill>
-          <a:blip r:embed="rId2"/>
-          <a:stretch>
-            <a:fillRect/>
-          </a:stretch>
-        </p:blipFill>
-        <p:spPr>
-          <a:xfrm>
-            <a:off x="459105" y="2707640"/>
-            <a:ext cx="8240395" cy="6717030"/>
-          </a:xfrm>
-          <a:prstGeom prst="rect">
-            <a:avLst/>
-          </a:prstGeom>
-        </p:spPr>
-      </p:pic>
-      <p:sp>
-        <p:nvSpPr>
-          <p:cNvPr id="1048723" name="Rounded Rectangle 9"/>
+      </p:cxnSp>
+      <p:sp>
+        <p:nvSpPr>
+          <p:cNvPr id="3" name="Rectangle 39"/>
           <p:cNvSpPr/>
           <p:nvPr/>
         </p:nvSpPr>
         <p:spPr>
           <a:xfrm>
-            <a:off x="8417560" y="2322195"/>
-            <a:ext cx="532765" cy="403860"/>
-          </a:xfrm>
-          <a:prstGeom prst="roundRect">
-            <a:avLst/>
-          </a:prstGeom>
-          <a:noFill/>
-          <a:ln>
-            <a:noFill/>
-          </a:ln>
-        </p:spPr>
-        <p:style>
-          <a:lnRef idx="2">
-            <a:schemeClr val="accent1">
-              <a:shade val="50000"/>
-            </a:schemeClr>
-          </a:lnRef>
-          <a:fillRef idx="1">
-            <a:schemeClr val="accent1"/>
-          </a:fillRef>
-          <a:effectRef idx="0">
-            <a:schemeClr val="accent1"/>
-          </a:effectRef>
-          <a:fontRef idx="minor">
-            <a:schemeClr val="lt1"/>
-          </a:fontRef>
-        </p:style>
-        <p:txBody>
-          <a:bodyPr rtlCol="0" anchor="ctr"/>
-          <a:p>
-            <a:pPr algn="ctr"/>
-            <a:r>
-              <a:rPr lang="x-none" altLang="en-US" sz="1600">
-                <a:solidFill>
-                  <a:schemeClr val="tx1"/>
-                </a:solidFill>
-              </a:rPr>
-              <a:t>X</a:t>
-            </a:r>
-            <a:endParaRPr lang="x-none" altLang="en-US" sz="1600">
-              <a:solidFill>
-                <a:schemeClr val="tx1"/>
-              </a:solidFill>
-            </a:endParaRPr>
-          </a:p>
-        </p:txBody>
-      </p:sp>
-      <p:sp>
-        <p:nvSpPr>
-          <p:cNvPr id="1048596" name="Rectangle 39"/>
-          <p:cNvSpPr/>
-          <p:nvPr/>
-        </p:nvSpPr>
-        <p:spPr>
-          <a:xfrm>
-            <a:off x="3810" y="12063730"/>
-            <a:ext cx="9135745" cy="1702435"/>
+            <a:off x="3810" y="11765915"/>
+            <a:ext cx="9135745" cy="2000250"/>
           </a:xfrm>
           <a:prstGeom prst="rect">
             <a:avLst/>
@@ -16476,13 +17451,13 @@
       </p:sp>
       <p:sp>
         <p:nvSpPr>
-          <p:cNvPr id="1048597" name="Rectangle 40"/>
+          <p:cNvPr id="4" name="Rectangle 40"/>
           <p:cNvSpPr/>
           <p:nvPr/>
         </p:nvSpPr>
         <p:spPr>
           <a:xfrm>
-            <a:off x="539327" y="11992532"/>
+            <a:off x="539327" y="11916332"/>
             <a:ext cx="2150533" cy="1786467"/>
           </a:xfrm>
           <a:prstGeom prst="rect">
@@ -16595,14 +17570,14 @@
       </p:sp>
       <p:sp>
         <p:nvSpPr>
-          <p:cNvPr id="1048598" name="Rectangle 41"/>
+          <p:cNvPr id="5" name="Rectangle 42"/>
           <p:cNvSpPr/>
           <p:nvPr/>
         </p:nvSpPr>
         <p:spPr>
           <a:xfrm>
-            <a:off x="3317875" y="11979832"/>
-            <a:ext cx="2150533" cy="1786467"/>
+            <a:off x="6535420" y="11527155"/>
+            <a:ext cx="2240280" cy="1786255"/>
           </a:xfrm>
           <a:prstGeom prst="rect">
             <a:avLst/>
@@ -16638,77 +17613,6 @@
                   <a:schemeClr val="tx1"/>
                 </a:solidFill>
               </a:rPr>
-              <a:t>Facebook</a:t>
-            </a:r>
-            <a:endParaRPr lang="x-none" altLang="en-US" sz="1600" b="1">
-              <a:solidFill>
-                <a:schemeClr val="tx1"/>
-              </a:solidFill>
-            </a:endParaRPr>
-          </a:p>
-          <a:p>
-            <a:pPr algn="ctr"/>
-            <a:r>
-              <a:rPr lang="x-none" altLang="en-US" sz="1600" b="1">
-                <a:solidFill>
-                  <a:schemeClr val="tx1"/>
-                </a:solidFill>
-              </a:rPr>
-              <a:t>Instagram</a:t>
-            </a:r>
-            <a:endParaRPr lang="x-none" altLang="en-US" sz="1600" b="1">
-              <a:solidFill>
-                <a:schemeClr val="tx1"/>
-              </a:solidFill>
-            </a:endParaRPr>
-          </a:p>
-        </p:txBody>
-      </p:sp>
-      <p:sp>
-        <p:nvSpPr>
-          <p:cNvPr id="1048599" name="Rectangle 42"/>
-          <p:cNvSpPr/>
-          <p:nvPr/>
-        </p:nvSpPr>
-        <p:spPr>
-          <a:xfrm>
-            <a:off x="6383443" y="11992532"/>
-            <a:ext cx="2150533" cy="1786467"/>
-          </a:xfrm>
-          <a:prstGeom prst="rect">
-            <a:avLst/>
-          </a:prstGeom>
-          <a:noFill/>
-          <a:ln>
-            <a:noFill/>
-          </a:ln>
-        </p:spPr>
-        <p:style>
-          <a:lnRef idx="2">
-            <a:schemeClr val="accent1">
-              <a:shade val="50000"/>
-            </a:schemeClr>
-          </a:lnRef>
-          <a:fillRef idx="1">
-            <a:schemeClr val="accent1"/>
-          </a:fillRef>
-          <a:effectRef idx="0">
-            <a:schemeClr val="accent1"/>
-          </a:effectRef>
-          <a:fontRef idx="minor">
-            <a:schemeClr val="lt1"/>
-          </a:fontRef>
-        </p:style>
-        <p:txBody>
-          <a:bodyPr rtlCol="0" anchor="ctr"/>
-          <a:p>
-            <a:pPr algn="l"/>
-            <a:r>
-              <a:rPr lang="x-none" altLang="en-US" sz="1600" b="1">
-                <a:solidFill>
-                  <a:schemeClr val="tx1"/>
-                </a:solidFill>
-              </a:rPr>
               <a:t>Newsletter</a:t>
             </a:r>
             <a:endParaRPr lang="x-none" altLang="en-US" sz="1600" b="1">
@@ -16737,14 +17641,14 @@
       </p:sp>
       <p:sp>
         <p:nvSpPr>
-          <p:cNvPr id="2" name="Rounded Rectangle 43"/>
+          <p:cNvPr id="1048600" name="Rounded Rectangle 43"/>
           <p:cNvSpPr/>
           <p:nvPr/>
         </p:nvSpPr>
         <p:spPr>
           <a:xfrm>
-            <a:off x="6383443" y="12847665"/>
-            <a:ext cx="2239433" cy="407247"/>
+            <a:off x="6383655" y="12466955"/>
+            <a:ext cx="2603500" cy="407035"/>
           </a:xfrm>
           <a:prstGeom prst="roundRect">
             <a:avLst/>
@@ -16780,23 +17684,435 @@
         <p:txBody>
           <a:bodyPr rtlCol="0" anchor="ctr"/>
           <a:p>
-            <a:pPr algn="ctr"/>
+            <a:pPr algn="l"/>
             <a:r>
               <a:rPr lang="x-none" altLang="en-US" sz="1600">
                 <a:solidFill>
-                  <a:schemeClr val="tx1"/>
-                </a:solidFill>
-              </a:rPr>
-              <a:t>mail</a:t>
-            </a:r>
-            <a:endParaRPr lang="x-none" altLang="en-US" sz="1600">
-              <a:solidFill>
-                <a:schemeClr val="tx1"/>
-              </a:solidFill>
-            </a:endParaRPr>
-          </a:p>
-        </p:txBody>
-      </p:sp>
+                  <a:schemeClr val="bg1">
+                    <a:lumMod val="50000"/>
+                  </a:schemeClr>
+                </a:solidFill>
+              </a:rPr>
+              <a:t>Email Address</a:t>
+            </a:r>
+            <a:endParaRPr lang="x-none" altLang="en-US" sz="1600">
+              <a:solidFill>
+                <a:schemeClr val="bg1">
+                  <a:lumMod val="50000"/>
+                </a:schemeClr>
+              </a:solidFill>
+            </a:endParaRPr>
+          </a:p>
+        </p:txBody>
+      </p:sp>
+      <p:pic>
+        <p:nvPicPr>
+          <p:cNvPr id="9" name="Picture 8" descr="envelope2"/>
+          <p:cNvPicPr>
+            <a:picLocks noChangeAspect="1"/>
+          </p:cNvPicPr>
+          <p:nvPr/>
+        </p:nvPicPr>
+        <p:blipFill>
+          <a:blip r:embed="rId3"/>
+          <a:stretch>
+            <a:fillRect/>
+          </a:stretch>
+        </p:blipFill>
+        <p:spPr>
+          <a:xfrm>
+            <a:off x="4821555" y="11995150"/>
+            <a:ext cx="384810" cy="384810"/>
+          </a:xfrm>
+          <a:prstGeom prst="rect">
+            <a:avLst/>
+          </a:prstGeom>
+        </p:spPr>
+      </p:pic>
+      <p:pic>
+        <p:nvPicPr>
+          <p:cNvPr id="10" name="Picture 9" descr="facebook"/>
+          <p:cNvPicPr>
+            <a:picLocks noChangeAspect="1"/>
+          </p:cNvPicPr>
+          <p:nvPr/>
+        </p:nvPicPr>
+        <p:blipFill>
+          <a:blip r:embed="rId4"/>
+          <a:stretch>
+            <a:fillRect/>
+          </a:stretch>
+        </p:blipFill>
+        <p:spPr>
+          <a:xfrm>
+            <a:off x="3582035" y="11992610"/>
+            <a:ext cx="338455" cy="387350"/>
+          </a:xfrm>
+          <a:prstGeom prst="rect">
+            <a:avLst/>
+          </a:prstGeom>
+        </p:spPr>
+      </p:pic>
+      <p:pic>
+        <p:nvPicPr>
+          <p:cNvPr id="11" name="Picture 10" descr="instagram"/>
+          <p:cNvPicPr>
+            <a:picLocks noChangeAspect="1"/>
+          </p:cNvPicPr>
+          <p:nvPr/>
+        </p:nvPicPr>
+        <p:blipFill>
+          <a:blip r:embed="rId5"/>
+          <a:stretch>
+            <a:fillRect/>
+          </a:stretch>
+        </p:blipFill>
+        <p:spPr>
+          <a:xfrm>
+            <a:off x="4192905" y="11995150"/>
+            <a:ext cx="338455" cy="387350"/>
+          </a:xfrm>
+          <a:prstGeom prst="rect">
+            <a:avLst/>
+          </a:prstGeom>
+        </p:spPr>
+      </p:pic>
+      <p:sp>
+        <p:nvSpPr>
+          <p:cNvPr id="6" name="Rectangle 40"/>
+          <p:cNvSpPr/>
+          <p:nvPr/>
+        </p:nvSpPr>
+        <p:spPr>
+          <a:xfrm>
+            <a:off x="2581910" y="12414885"/>
+            <a:ext cx="3611880" cy="1282700"/>
+          </a:xfrm>
+          <a:prstGeom prst="rect">
+            <a:avLst/>
+          </a:prstGeom>
+          <a:noFill/>
+          <a:ln>
+            <a:noFill/>
+          </a:ln>
+        </p:spPr>
+        <p:style>
+          <a:lnRef idx="2">
+            <a:schemeClr val="accent1">
+              <a:shade val="50000"/>
+            </a:schemeClr>
+          </a:lnRef>
+          <a:fillRef idx="1">
+            <a:schemeClr val="accent1"/>
+          </a:fillRef>
+          <a:effectRef idx="0">
+            <a:schemeClr val="accent1"/>
+          </a:effectRef>
+          <a:fontRef idx="minor">
+            <a:schemeClr val="lt1"/>
+          </a:fontRef>
+        </p:style>
+        <p:txBody>
+          <a:bodyPr rtlCol="0" anchor="ctr"/>
+          <a:p>
+            <a:pPr algn="ctr"/>
+            <a:r>
+              <a:rPr lang="x-none" altLang="en-US" sz="1600">
+                <a:solidFill>
+                  <a:schemeClr val="tx1"/>
+                </a:solidFill>
+              </a:rPr>
+              <a:t>33 6 00 11 22 33</a:t>
+            </a:r>
+            <a:endParaRPr lang="x-none" altLang="en-US" sz="1600">
+              <a:solidFill>
+                <a:schemeClr val="tx1"/>
+              </a:solidFill>
+            </a:endParaRPr>
+          </a:p>
+          <a:p>
+            <a:pPr algn="ctr"/>
+            <a:r>
+              <a:rPr lang="x-none" altLang="en-US" sz="1600">
+                <a:solidFill>
+                  <a:schemeClr val="tx1"/>
+                </a:solidFill>
+              </a:rPr>
+              <a:t>contact@firedBowl.com</a:t>
+            </a:r>
+            <a:endParaRPr lang="x-none" altLang="en-US" sz="1600">
+              <a:solidFill>
+                <a:schemeClr val="tx1"/>
+              </a:solidFill>
+            </a:endParaRPr>
+          </a:p>
+          <a:p>
+            <a:pPr algn="ctr"/>
+            <a:r>
+              <a:rPr lang="x-none" altLang="en-US" sz="1600">
+                <a:solidFill>
+                  <a:schemeClr val="tx1"/>
+                </a:solidFill>
+              </a:rPr>
+              <a:t>68 Hollow road, London, UK</a:t>
+            </a:r>
+            <a:endParaRPr lang="x-none" altLang="en-US" sz="1600">
+              <a:solidFill>
+                <a:schemeClr val="tx1"/>
+              </a:solidFill>
+            </a:endParaRPr>
+          </a:p>
+          <a:p>
+            <a:pPr algn="ctr"/>
+            <a:r>
+              <a:rPr lang="x-none" altLang="en-US" sz="1600">
+                <a:solidFill>
+                  <a:schemeClr val="tx1"/>
+                </a:solidFill>
+              </a:rPr>
+              <a:t>Monday-Saturday : 8am - 5pm</a:t>
+            </a:r>
+            <a:endParaRPr lang="x-none" altLang="en-US" sz="1600">
+              <a:solidFill>
+                <a:schemeClr val="tx1"/>
+              </a:solidFill>
+            </a:endParaRPr>
+          </a:p>
+        </p:txBody>
+      </p:sp>
+      <p:sp>
+        <p:nvSpPr>
+          <p:cNvPr id="12" name="Rounded Rectangle 36"/>
+          <p:cNvSpPr/>
+          <p:nvPr/>
+        </p:nvSpPr>
+        <p:spPr>
+          <a:xfrm>
+            <a:off x="6928485" y="13087985"/>
+            <a:ext cx="1453515" cy="320675"/>
+          </a:xfrm>
+          <a:prstGeom prst="roundRect">
+            <a:avLst/>
+          </a:prstGeom>
+          <a:solidFill>
+            <a:schemeClr val="bg1"/>
+          </a:solidFill>
+          <a:ln>
+            <a:solidFill>
+              <a:schemeClr val="tx1"/>
+            </a:solidFill>
+          </a:ln>
+        </p:spPr>
+        <p:style>
+          <a:lnRef idx="2">
+            <a:schemeClr val="accent1">
+              <a:shade val="50000"/>
+            </a:schemeClr>
+          </a:lnRef>
+          <a:fillRef idx="1">
+            <a:schemeClr val="accent1"/>
+          </a:fillRef>
+          <a:effectRef idx="0">
+            <a:schemeClr val="accent1"/>
+          </a:effectRef>
+          <a:fontRef idx="minor">
+            <a:schemeClr val="lt1"/>
+          </a:fontRef>
+        </p:style>
+        <p:txBody>
+          <a:bodyPr rtlCol="0" anchor="ctr"/>
+          <a:p>
+            <a:pPr algn="ctr"/>
+            <a:r>
+              <a:rPr lang="x-none" altLang="en-US" sz="1600">
+                <a:solidFill>
+                  <a:schemeClr val="tx1"/>
+                </a:solidFill>
+              </a:rPr>
+              <a:t>Subscribe</a:t>
+            </a:r>
+            <a:endParaRPr lang="x-none" altLang="en-US" sz="1600">
+              <a:solidFill>
+                <a:schemeClr val="tx1"/>
+              </a:solidFill>
+            </a:endParaRPr>
+          </a:p>
+        </p:txBody>
+      </p:sp>
+      <p:sp>
+        <p:nvSpPr>
+          <p:cNvPr id="2" name="Rectangle 1"/>
+          <p:cNvSpPr/>
+          <p:nvPr/>
+        </p:nvSpPr>
+        <p:spPr>
+          <a:xfrm>
+            <a:off x="-254635" y="-368935"/>
+            <a:ext cx="9711690" cy="14389100"/>
+          </a:xfrm>
+          <a:prstGeom prst="rect">
+            <a:avLst/>
+          </a:prstGeom>
+          <a:solidFill>
+            <a:schemeClr val="tx1">
+              <a:alpha val="67000"/>
+            </a:schemeClr>
+          </a:solidFill>
+        </p:spPr>
+        <p:style>
+          <a:lnRef idx="2">
+            <a:schemeClr val="accent1">
+              <a:shade val="50000"/>
+            </a:schemeClr>
+          </a:lnRef>
+          <a:fillRef idx="1">
+            <a:schemeClr val="accent1"/>
+          </a:fillRef>
+          <a:effectRef idx="0">
+            <a:schemeClr val="accent1"/>
+          </a:effectRef>
+          <a:fontRef idx="minor">
+            <a:schemeClr val="lt1"/>
+          </a:fontRef>
+        </p:style>
+        <p:txBody>
+          <a:bodyPr rtlCol="0" anchor="ctr"/>
+          <a:p>
+            <a:pPr algn="ctr"/>
+            <a:endParaRPr lang="en-US"/>
+          </a:p>
+        </p:txBody>
+      </p:sp>
+      <p:sp>
+        <p:nvSpPr>
+          <p:cNvPr id="1048723" name="Rounded Rectangle 9"/>
+          <p:cNvSpPr/>
+          <p:nvPr/>
+        </p:nvSpPr>
+        <p:spPr>
+          <a:xfrm>
+            <a:off x="8417560" y="2322195"/>
+            <a:ext cx="532765" cy="403860"/>
+          </a:xfrm>
+          <a:prstGeom prst="roundRect">
+            <a:avLst/>
+          </a:prstGeom>
+          <a:noFill/>
+          <a:ln>
+            <a:noFill/>
+          </a:ln>
+        </p:spPr>
+        <p:style>
+          <a:lnRef idx="2">
+            <a:schemeClr val="accent1">
+              <a:shade val="50000"/>
+            </a:schemeClr>
+          </a:lnRef>
+          <a:fillRef idx="1">
+            <a:schemeClr val="accent1"/>
+          </a:fillRef>
+          <a:effectRef idx="0">
+            <a:schemeClr val="accent1"/>
+          </a:effectRef>
+          <a:fontRef idx="minor">
+            <a:schemeClr val="lt1"/>
+          </a:fontRef>
+        </p:style>
+        <p:txBody>
+          <a:bodyPr rtlCol="0" anchor="ctr"/>
+          <a:p>
+            <a:pPr algn="ctr"/>
+            <a:r>
+              <a:rPr lang="x-none" altLang="en-US" sz="1600">
+                <a:solidFill>
+                  <a:schemeClr val="tx1"/>
+                </a:solidFill>
+              </a:rPr>
+              <a:t>X</a:t>
+            </a:r>
+            <a:endParaRPr lang="x-none" altLang="en-US" sz="1600">
+              <a:solidFill>
+                <a:schemeClr val="tx1"/>
+              </a:solidFill>
+            </a:endParaRPr>
+          </a:p>
+        </p:txBody>
+      </p:sp>
+      <p:sp>
+        <p:nvSpPr>
+          <p:cNvPr id="1048722" name="Rounded Rectangle 7"/>
+          <p:cNvSpPr/>
+          <p:nvPr/>
+        </p:nvSpPr>
+        <p:spPr>
+          <a:xfrm>
+            <a:off x="232410" y="2339340"/>
+            <a:ext cx="8689340" cy="7479665"/>
+          </a:xfrm>
+          <a:prstGeom prst="roundRect">
+            <a:avLst>
+              <a:gd name="adj" fmla="val 2759"/>
+            </a:avLst>
+          </a:prstGeom>
+          <a:solidFill>
+            <a:schemeClr val="bg1"/>
+          </a:solidFill>
+          <a:ln>
+            <a:solidFill>
+              <a:schemeClr val="bg1">
+                <a:lumMod val="75000"/>
+              </a:schemeClr>
+            </a:solidFill>
+          </a:ln>
+        </p:spPr>
+        <p:style>
+          <a:lnRef idx="2">
+            <a:schemeClr val="accent1">
+              <a:shade val="50000"/>
+            </a:schemeClr>
+          </a:lnRef>
+          <a:fillRef idx="1">
+            <a:schemeClr val="accent1"/>
+          </a:fillRef>
+          <a:effectRef idx="0">
+            <a:schemeClr val="accent1"/>
+          </a:effectRef>
+          <a:fontRef idx="minor">
+            <a:schemeClr val="lt1"/>
+          </a:fontRef>
+        </p:style>
+        <p:txBody>
+          <a:bodyPr rtlCol="0" anchor="ctr"/>
+          <a:p>
+            <a:pPr algn="ctr"/>
+            <a:endParaRPr lang="en-US"/>
+          </a:p>
+        </p:txBody>
+      </p:sp>
+      <p:pic>
+        <p:nvPicPr>
+          <p:cNvPr id="2097197" name="Picture 6" descr="empty"/>
+          <p:cNvPicPr>
+            <a:picLocks noChangeAspect="1"/>
+          </p:cNvPicPr>
+          <p:nvPr/>
+        </p:nvPicPr>
+        <p:blipFill>
+          <a:blip r:embed="rId2"/>
+          <a:stretch>
+            <a:fillRect/>
+          </a:stretch>
+        </p:blipFill>
+        <p:spPr>
+          <a:xfrm>
+            <a:off x="459105" y="2707640"/>
+            <a:ext cx="8240395" cy="6717030"/>
+          </a:xfrm>
+          <a:prstGeom prst="rect">
+            <a:avLst/>
+          </a:prstGeom>
+        </p:spPr>
+      </p:pic>
       <p:sp>
         <p:nvSpPr>
           <p:cNvPr id="7" name="Folded Corner 6"/>
@@ -16846,41 +18162,110 @@
           </a:p>
         </p:txBody>
       </p:sp>
-      <p:cxnSp>
-        <p:nvCxnSpPr>
-          <p:cNvPr id="8" name="Straight Connector 7"/>
-          <p:cNvCxnSpPr/>
-          <p:nvPr/>
-        </p:nvCxnSpPr>
-        <p:spPr>
-          <a:xfrm>
-            <a:off x="4343400" y="828675"/>
-            <a:ext cx="1101090" cy="15240"/>
-          </a:xfrm>
-          <a:prstGeom prst="line">
-            <a:avLst/>
-          </a:prstGeom>
-          <a:ln w="79375">
-            <a:solidFill>
-              <a:srgbClr val="844D36"/>
-            </a:solidFill>
+      <p:sp>
+        <p:nvSpPr>
+          <p:cNvPr id="1048694" name="Rounded Rectangle 28"/>
+          <p:cNvSpPr/>
+          <p:nvPr/>
+        </p:nvSpPr>
+        <p:spPr>
+          <a:xfrm>
+            <a:off x="8417560" y="2322195"/>
+            <a:ext cx="532765" cy="403860"/>
+          </a:xfrm>
+          <a:prstGeom prst="roundRect">
+            <a:avLst/>
+          </a:prstGeom>
+          <a:noFill/>
+          <a:ln>
+            <a:noFill/>
           </a:ln>
         </p:spPr>
         <p:style>
-          <a:lnRef idx="1">
-            <a:schemeClr val="accent1"/>
+          <a:lnRef idx="2">
+            <a:schemeClr val="accent1">
+              <a:shade val="50000"/>
+            </a:schemeClr>
           </a:lnRef>
-          <a:fillRef idx="0">
+          <a:fillRef idx="1">
             <a:schemeClr val="accent1"/>
           </a:fillRef>
           <a:effectRef idx="0">
             <a:schemeClr val="accent1"/>
           </a:effectRef>
           <a:fontRef idx="minor">
-            <a:schemeClr val="tx1"/>
+            <a:schemeClr val="lt1"/>
           </a:fontRef>
         </p:style>
-      </p:cxnSp>
+        <p:txBody>
+          <a:bodyPr rtlCol="0" anchor="ctr"/>
+          <a:p>
+            <a:pPr algn="ctr"/>
+            <a:r>
+              <a:rPr lang="x-none" altLang="en-US" sz="2000">
+                <a:solidFill>
+                  <a:schemeClr val="tx1"/>
+                </a:solidFill>
+              </a:rPr>
+              <a:t>X</a:t>
+            </a:r>
+            <a:endParaRPr lang="x-none" altLang="en-US" sz="2000">
+              <a:solidFill>
+                <a:schemeClr val="tx1"/>
+              </a:solidFill>
+            </a:endParaRPr>
+          </a:p>
+        </p:txBody>
+      </p:sp>
+      <p:sp>
+        <p:nvSpPr>
+          <p:cNvPr id="13" name="Folded Corner 12"/>
+          <p:cNvSpPr/>
+          <p:nvPr/>
+        </p:nvSpPr>
+        <p:spPr>
+          <a:xfrm>
+            <a:off x="4343400" y="10535285"/>
+            <a:ext cx="2584450" cy="1459865"/>
+          </a:xfrm>
+          <a:prstGeom prst="foldedCorner">
+            <a:avLst/>
+          </a:prstGeom>
+        </p:spPr>
+        <p:style>
+          <a:lnRef idx="0">
+            <a:schemeClr val="accent4"/>
+          </a:lnRef>
+          <a:fillRef idx="3">
+            <a:schemeClr val="accent4"/>
+          </a:fillRef>
+          <a:effectRef idx="3">
+            <a:schemeClr val="accent4"/>
+          </a:effectRef>
+          <a:fontRef idx="minor">
+            <a:schemeClr val="lt1"/>
+          </a:fontRef>
+        </p:style>
+        <p:txBody>
+          <a:bodyPr rtlCol="0" anchor="ctr"/>
+          <a:p>
+            <a:pPr algn="ctr"/>
+            <a:r>
+              <a:rPr lang="x-none" altLang="en-US">
+                <a:solidFill>
+                  <a:schemeClr val="tx1"/>
+                </a:solidFill>
+              </a:rPr>
+              <a:t>The user can click anywhere to close this view</a:t>
+            </a:r>
+            <a:endParaRPr lang="x-none" altLang="en-US">
+              <a:solidFill>
+                <a:schemeClr val="tx1"/>
+              </a:solidFill>
+            </a:endParaRPr>
+          </a:p>
+        </p:txBody>
+      </p:sp>
     </p:spTree>
   </p:cSld>
   <p:clrMapOvr>
@@ -17368,7 +18753,7 @@
         </p:blipFill>
         <p:spPr>
           <a:xfrm>
-            <a:off x="4186555" y="6552565"/>
+            <a:off x="4567555" y="6323965"/>
             <a:ext cx="3997960" cy="3258185"/>
           </a:xfrm>
           <a:prstGeom prst="rect">
@@ -17384,8 +18769,8 @@
         </p:nvSpPr>
         <p:spPr>
           <a:xfrm>
-            <a:off x="4186555" y="2588260"/>
-            <a:ext cx="5170170" cy="2216150"/>
+            <a:off x="4766945" y="2219325"/>
+            <a:ext cx="4372610" cy="1503045"/>
           </a:xfrm>
           <a:prstGeom prst="roundRect">
             <a:avLst/>
@@ -17421,81 +18806,159 @@
                   <a:schemeClr val="tx1"/>
                 </a:solidFill>
               </a:rPr>
-              <a:t>Description ...</a:t>
-            </a:r>
-            <a:endParaRPr lang="x-none" altLang="en-US" sz="1600">
-              <a:solidFill>
-                <a:schemeClr val="tx1"/>
-              </a:solidFill>
-            </a:endParaRPr>
-          </a:p>
-        </p:txBody>
-      </p:sp>
-      <p:sp>
-        <p:nvSpPr>
-          <p:cNvPr id="1048737" name="Rounded Rectangle 8"/>
+              <a:t>Lorem ipsum dolor sit amet, consectetur adipiscing elit. Sed a magna a orci posuere congue. Aliquam condimentum ullamcorper ex, quis facilisis odio. Nunc vehicula purus non molestie mattis. Donec in orci a orci porta faucibus. Vestibulum vehicula erat quis ex vehicula consectetur tempus nec eros. Donec eu dignissim felis. Vivamus sit amet dapibus sem. Nulla viverra tempor quam, in auctor sapien gravida a.</a:t>
+            </a:r>
+            <a:endParaRPr lang="x-none" altLang="en-US" sz="1600">
+              <a:solidFill>
+                <a:schemeClr val="tx1"/>
+              </a:solidFill>
+            </a:endParaRPr>
+          </a:p>
+        </p:txBody>
+      </p:sp>
+      <p:sp>
+        <p:nvSpPr>
+          <p:cNvPr id="7" name="Folded Corner 6"/>
           <p:cNvSpPr/>
           <p:nvPr/>
         </p:nvSpPr>
         <p:spPr>
           <a:xfrm>
-            <a:off x="-476885" y="7073265"/>
-            <a:ext cx="5170170" cy="2216150"/>
-          </a:xfrm>
-          <a:prstGeom prst="roundRect">
-            <a:avLst/>
-          </a:prstGeom>
-          <a:noFill/>
-          <a:ln>
-            <a:noFill/>
-          </a:ln>
+            <a:off x="5939155" y="7312660"/>
+            <a:ext cx="1626870" cy="1281430"/>
+          </a:xfrm>
+          <a:prstGeom prst="foldedCorner">
+            <a:avLst/>
+          </a:prstGeom>
         </p:spPr>
         <p:style>
-          <a:lnRef idx="2">
-            <a:schemeClr val="accent1">
-              <a:shade val="50000"/>
-            </a:schemeClr>
+          <a:lnRef idx="0">
+            <a:schemeClr val="accent4"/>
           </a:lnRef>
-          <a:fillRef idx="1">
-            <a:schemeClr val="accent1"/>
+          <a:fillRef idx="3">
+            <a:schemeClr val="accent4"/>
           </a:fillRef>
-          <a:effectRef idx="0">
-            <a:schemeClr val="accent1"/>
+          <a:effectRef idx="3">
+            <a:schemeClr val="accent4"/>
           </a:effectRef>
           <a:fontRef idx="minor">
             <a:schemeClr val="lt1"/>
           </a:fontRef>
         </p:style>
         <p:txBody>
-          <a:bodyPr rtlCol="0" anchor="t" anchorCtr="0"/>
-          <a:p>
-            <a:pPr algn="ctr"/>
-            <a:r>
-              <a:rPr lang="x-none" altLang="en-US" sz="1600">
-                <a:solidFill>
-                  <a:schemeClr val="tx1"/>
-                </a:solidFill>
-              </a:rPr>
-              <a:t>Description ...</a:t>
-            </a:r>
-            <a:endParaRPr lang="x-none" altLang="en-US" sz="1600">
-              <a:solidFill>
-                <a:schemeClr val="tx1"/>
-              </a:solidFill>
-            </a:endParaRPr>
-          </a:p>
-        </p:txBody>
-      </p:sp>
-      <p:sp>
-        <p:nvSpPr>
-          <p:cNvPr id="1048596" name="Rectangle 39"/>
+          <a:bodyPr rtlCol="0" anchor="ctr"/>
+          <a:p>
+            <a:pPr algn="ctr"/>
+            <a:r>
+              <a:rPr lang="x-none" altLang="en-US">
+                <a:solidFill>
+                  <a:schemeClr val="tx1"/>
+                </a:solidFill>
+              </a:rPr>
+              <a:t>a video can be put here</a:t>
+            </a:r>
+            <a:endParaRPr lang="x-none" altLang="en-US">
+              <a:solidFill>
+                <a:schemeClr val="tx1"/>
+              </a:solidFill>
+            </a:endParaRPr>
+          </a:p>
+        </p:txBody>
+      </p:sp>
+      <p:sp>
+        <p:nvSpPr>
+          <p:cNvPr id="2" name="Folded Corner 1"/>
           <p:cNvSpPr/>
           <p:nvPr/>
         </p:nvSpPr>
         <p:spPr>
           <a:xfrm>
-            <a:off x="3810" y="12063730"/>
-            <a:ext cx="9135745" cy="1702435"/>
+            <a:off x="1852295" y="10310495"/>
+            <a:ext cx="2638425" cy="1548765"/>
+          </a:xfrm>
+          <a:prstGeom prst="foldedCorner">
+            <a:avLst/>
+          </a:prstGeom>
+        </p:spPr>
+        <p:style>
+          <a:lnRef idx="0">
+            <a:schemeClr val="accent4"/>
+          </a:lnRef>
+          <a:fillRef idx="3">
+            <a:schemeClr val="accent4"/>
+          </a:fillRef>
+          <a:effectRef idx="3">
+            <a:schemeClr val="accent4"/>
+          </a:effectRef>
+          <a:fontRef idx="minor">
+            <a:schemeClr val="lt1"/>
+          </a:fontRef>
+        </p:style>
+        <p:txBody>
+          <a:bodyPr rtlCol="0" anchor="ctr"/>
+          <a:p>
+            <a:pPr algn="ctr"/>
+            <a:r>
+              <a:rPr lang="x-none" altLang="en-US">
+                <a:solidFill>
+                  <a:schemeClr val="tx1"/>
+                </a:solidFill>
+              </a:rPr>
+              <a:t>terms of conditions can be also put in this page</a:t>
+            </a:r>
+            <a:endParaRPr lang="x-none" altLang="en-US">
+              <a:solidFill>
+                <a:schemeClr val="tx1"/>
+              </a:solidFill>
+            </a:endParaRPr>
+          </a:p>
+        </p:txBody>
+      </p:sp>
+      <p:cxnSp>
+        <p:nvCxnSpPr>
+          <p:cNvPr id="8" name="Straight Connector 7"/>
+          <p:cNvCxnSpPr/>
+          <p:nvPr/>
+        </p:nvCxnSpPr>
+        <p:spPr>
+          <a:xfrm>
+            <a:off x="5867400" y="828675"/>
+            <a:ext cx="841375" cy="0"/>
+          </a:xfrm>
+          <a:prstGeom prst="line">
+            <a:avLst/>
+          </a:prstGeom>
+          <a:ln w="79375">
+            <a:solidFill>
+              <a:srgbClr val="844D36"/>
+            </a:solidFill>
+          </a:ln>
+        </p:spPr>
+        <p:style>
+          <a:lnRef idx="1">
+            <a:schemeClr val="accent1"/>
+          </a:lnRef>
+          <a:fillRef idx="0">
+            <a:schemeClr val="accent1"/>
+          </a:fillRef>
+          <a:effectRef idx="0">
+            <a:schemeClr val="accent1"/>
+          </a:effectRef>
+          <a:fontRef idx="minor">
+            <a:schemeClr val="tx1"/>
+          </a:fontRef>
+        </p:style>
+      </p:cxnSp>
+      <p:sp>
+        <p:nvSpPr>
+          <p:cNvPr id="3" name="Rectangle 39"/>
+          <p:cNvSpPr/>
+          <p:nvPr/>
+        </p:nvSpPr>
+        <p:spPr>
+          <a:xfrm>
+            <a:off x="3810" y="11765915"/>
+            <a:ext cx="9135745" cy="2000250"/>
           </a:xfrm>
           <a:prstGeom prst="rect">
             <a:avLst/>
@@ -17547,13 +19010,13 @@
       </p:sp>
       <p:sp>
         <p:nvSpPr>
-          <p:cNvPr id="1048597" name="Rectangle 40"/>
+          <p:cNvPr id="5" name="Rectangle 40"/>
           <p:cNvSpPr/>
           <p:nvPr/>
         </p:nvSpPr>
         <p:spPr>
           <a:xfrm>
-            <a:off x="539327" y="11992532"/>
+            <a:off x="539327" y="11916332"/>
             <a:ext cx="2150533" cy="1786467"/>
           </a:xfrm>
           <a:prstGeom prst="rect">
@@ -17666,14 +19129,14 @@
       </p:sp>
       <p:sp>
         <p:nvSpPr>
-          <p:cNvPr id="1048598" name="Rectangle 41"/>
+          <p:cNvPr id="6" name="Rectangle 42"/>
           <p:cNvSpPr/>
           <p:nvPr/>
         </p:nvSpPr>
         <p:spPr>
           <a:xfrm>
-            <a:off x="3317875" y="11979832"/>
-            <a:ext cx="2150533" cy="1786467"/>
+            <a:off x="6535420" y="11527155"/>
+            <a:ext cx="2240280" cy="1786255"/>
           </a:xfrm>
           <a:prstGeom prst="rect">
             <a:avLst/>
@@ -17709,77 +19172,6 @@
                   <a:schemeClr val="tx1"/>
                 </a:solidFill>
               </a:rPr>
-              <a:t>Facebook</a:t>
-            </a:r>
-            <a:endParaRPr lang="x-none" altLang="en-US" sz="1600" b="1">
-              <a:solidFill>
-                <a:schemeClr val="tx1"/>
-              </a:solidFill>
-            </a:endParaRPr>
-          </a:p>
-          <a:p>
-            <a:pPr algn="ctr"/>
-            <a:r>
-              <a:rPr lang="x-none" altLang="en-US" sz="1600" b="1">
-                <a:solidFill>
-                  <a:schemeClr val="tx1"/>
-                </a:solidFill>
-              </a:rPr>
-              <a:t>Instagram</a:t>
-            </a:r>
-            <a:endParaRPr lang="x-none" altLang="en-US" sz="1600" b="1">
-              <a:solidFill>
-                <a:schemeClr val="tx1"/>
-              </a:solidFill>
-            </a:endParaRPr>
-          </a:p>
-        </p:txBody>
-      </p:sp>
-      <p:sp>
-        <p:nvSpPr>
-          <p:cNvPr id="1048599" name="Rectangle 42"/>
-          <p:cNvSpPr/>
-          <p:nvPr/>
-        </p:nvSpPr>
-        <p:spPr>
-          <a:xfrm>
-            <a:off x="6383443" y="11992532"/>
-            <a:ext cx="2150533" cy="1786467"/>
-          </a:xfrm>
-          <a:prstGeom prst="rect">
-            <a:avLst/>
-          </a:prstGeom>
-          <a:noFill/>
-          <a:ln>
-            <a:noFill/>
-          </a:ln>
-        </p:spPr>
-        <p:style>
-          <a:lnRef idx="2">
-            <a:schemeClr val="accent1">
-              <a:shade val="50000"/>
-            </a:schemeClr>
-          </a:lnRef>
-          <a:fillRef idx="1">
-            <a:schemeClr val="accent1"/>
-          </a:fillRef>
-          <a:effectRef idx="0">
-            <a:schemeClr val="accent1"/>
-          </a:effectRef>
-          <a:fontRef idx="minor">
-            <a:schemeClr val="lt1"/>
-          </a:fontRef>
-        </p:style>
-        <p:txBody>
-          <a:bodyPr rtlCol="0" anchor="ctr"/>
-          <a:p>
-            <a:pPr algn="l"/>
-            <a:r>
-              <a:rPr lang="x-none" altLang="en-US" sz="1600" b="1">
-                <a:solidFill>
-                  <a:schemeClr val="tx1"/>
-                </a:solidFill>
-              </a:rPr>
               <a:t>Newsletter</a:t>
             </a:r>
             <a:endParaRPr lang="x-none" altLang="en-US" sz="1600" b="1">
@@ -17808,14 +19200,14 @@
       </p:sp>
       <p:sp>
         <p:nvSpPr>
-          <p:cNvPr id="4" name="Rounded Rectangle 43"/>
+          <p:cNvPr id="1048600" name="Rounded Rectangle 43"/>
           <p:cNvSpPr/>
           <p:nvPr/>
         </p:nvSpPr>
         <p:spPr>
           <a:xfrm>
-            <a:off x="6383443" y="12847665"/>
-            <a:ext cx="2239433" cy="407247"/>
+            <a:off x="6383655" y="12466955"/>
+            <a:ext cx="2603500" cy="407035"/>
           </a:xfrm>
           <a:prstGeom prst="roundRect">
             <a:avLst/>
@@ -17851,32 +19243,302 @@
         <p:txBody>
           <a:bodyPr rtlCol="0" anchor="ctr"/>
           <a:p>
-            <a:pPr algn="ctr"/>
+            <a:pPr algn="l"/>
             <a:r>
               <a:rPr lang="x-none" altLang="en-US" sz="1600">
                 <a:solidFill>
-                  <a:schemeClr val="tx1"/>
-                </a:solidFill>
-              </a:rPr>
-              <a:t>mail</a:t>
-            </a:r>
-            <a:endParaRPr lang="x-none" altLang="en-US" sz="1600">
-              <a:solidFill>
-                <a:schemeClr val="tx1"/>
-              </a:solidFill>
-            </a:endParaRPr>
-          </a:p>
-        </p:txBody>
-      </p:sp>
-      <p:sp>
-        <p:nvSpPr>
-          <p:cNvPr id="7" name="Folded Corner 6"/>
+                  <a:schemeClr val="bg1">
+                    <a:lumMod val="50000"/>
+                  </a:schemeClr>
+                </a:solidFill>
+              </a:rPr>
+              <a:t>Email Address</a:t>
+            </a:r>
+            <a:endParaRPr lang="x-none" altLang="en-US" sz="1600">
+              <a:solidFill>
+                <a:schemeClr val="bg1">
+                  <a:lumMod val="50000"/>
+                </a:schemeClr>
+              </a:solidFill>
+            </a:endParaRPr>
+          </a:p>
+        </p:txBody>
+      </p:sp>
+      <p:pic>
+        <p:nvPicPr>
+          <p:cNvPr id="9" name="Picture 8" descr="envelope2"/>
+          <p:cNvPicPr>
+            <a:picLocks noChangeAspect="1"/>
+          </p:cNvPicPr>
+          <p:nvPr/>
+        </p:nvPicPr>
+        <p:blipFill>
+          <a:blip r:embed="rId3"/>
+          <a:stretch>
+            <a:fillRect/>
+          </a:stretch>
+        </p:blipFill>
+        <p:spPr>
+          <a:xfrm>
+            <a:off x="4821555" y="11995150"/>
+            <a:ext cx="384810" cy="384810"/>
+          </a:xfrm>
+          <a:prstGeom prst="rect">
+            <a:avLst/>
+          </a:prstGeom>
+        </p:spPr>
+      </p:pic>
+      <p:pic>
+        <p:nvPicPr>
+          <p:cNvPr id="10" name="Picture 9" descr="facebook"/>
+          <p:cNvPicPr>
+            <a:picLocks noChangeAspect="1"/>
+          </p:cNvPicPr>
+          <p:nvPr/>
+        </p:nvPicPr>
+        <p:blipFill>
+          <a:blip r:embed="rId4"/>
+          <a:stretch>
+            <a:fillRect/>
+          </a:stretch>
+        </p:blipFill>
+        <p:spPr>
+          <a:xfrm>
+            <a:off x="3582035" y="11992610"/>
+            <a:ext cx="338455" cy="387350"/>
+          </a:xfrm>
+          <a:prstGeom prst="rect">
+            <a:avLst/>
+          </a:prstGeom>
+        </p:spPr>
+      </p:pic>
+      <p:pic>
+        <p:nvPicPr>
+          <p:cNvPr id="11" name="Picture 10" descr="instagram"/>
+          <p:cNvPicPr>
+            <a:picLocks noChangeAspect="1"/>
+          </p:cNvPicPr>
+          <p:nvPr/>
+        </p:nvPicPr>
+        <p:blipFill>
+          <a:blip r:embed="rId5"/>
+          <a:stretch>
+            <a:fillRect/>
+          </a:stretch>
+        </p:blipFill>
+        <p:spPr>
+          <a:xfrm>
+            <a:off x="4192905" y="11995150"/>
+            <a:ext cx="338455" cy="387350"/>
+          </a:xfrm>
+          <a:prstGeom prst="rect">
+            <a:avLst/>
+          </a:prstGeom>
+        </p:spPr>
+      </p:pic>
+      <p:sp>
+        <p:nvSpPr>
+          <p:cNvPr id="12" name="Rectangle 40"/>
           <p:cNvSpPr/>
           <p:nvPr/>
         </p:nvSpPr>
         <p:spPr>
           <a:xfrm>
-            <a:off x="5558155" y="7541260"/>
+            <a:off x="2581910" y="12414885"/>
+            <a:ext cx="3611880" cy="1282700"/>
+          </a:xfrm>
+          <a:prstGeom prst="rect">
+            <a:avLst/>
+          </a:prstGeom>
+          <a:noFill/>
+          <a:ln>
+            <a:noFill/>
+          </a:ln>
+        </p:spPr>
+        <p:style>
+          <a:lnRef idx="2">
+            <a:schemeClr val="accent1">
+              <a:shade val="50000"/>
+            </a:schemeClr>
+          </a:lnRef>
+          <a:fillRef idx="1">
+            <a:schemeClr val="accent1"/>
+          </a:fillRef>
+          <a:effectRef idx="0">
+            <a:schemeClr val="accent1"/>
+          </a:effectRef>
+          <a:fontRef idx="minor">
+            <a:schemeClr val="lt1"/>
+          </a:fontRef>
+        </p:style>
+        <p:txBody>
+          <a:bodyPr rtlCol="0" anchor="ctr"/>
+          <a:p>
+            <a:pPr algn="ctr"/>
+            <a:r>
+              <a:rPr lang="x-none" altLang="en-US" sz="1600">
+                <a:solidFill>
+                  <a:schemeClr val="tx1"/>
+                </a:solidFill>
+              </a:rPr>
+              <a:t>33 6 00 11 22 33</a:t>
+            </a:r>
+            <a:endParaRPr lang="x-none" altLang="en-US" sz="1600">
+              <a:solidFill>
+                <a:schemeClr val="tx1"/>
+              </a:solidFill>
+            </a:endParaRPr>
+          </a:p>
+          <a:p>
+            <a:pPr algn="ctr"/>
+            <a:r>
+              <a:rPr lang="x-none" altLang="en-US" sz="1600">
+                <a:solidFill>
+                  <a:schemeClr val="tx1"/>
+                </a:solidFill>
+              </a:rPr>
+              <a:t>contact@firedBowl.com</a:t>
+            </a:r>
+            <a:endParaRPr lang="x-none" altLang="en-US" sz="1600">
+              <a:solidFill>
+                <a:schemeClr val="tx1"/>
+              </a:solidFill>
+            </a:endParaRPr>
+          </a:p>
+          <a:p>
+            <a:pPr algn="ctr"/>
+            <a:r>
+              <a:rPr lang="x-none" altLang="en-US" sz="1600">
+                <a:solidFill>
+                  <a:schemeClr val="tx1"/>
+                </a:solidFill>
+              </a:rPr>
+              <a:t>68 Hollow road, London, UK</a:t>
+            </a:r>
+            <a:endParaRPr lang="x-none" altLang="en-US" sz="1600">
+              <a:solidFill>
+                <a:schemeClr val="tx1"/>
+              </a:solidFill>
+            </a:endParaRPr>
+          </a:p>
+          <a:p>
+            <a:pPr algn="ctr"/>
+            <a:r>
+              <a:rPr lang="x-none" altLang="en-US" sz="1600">
+                <a:solidFill>
+                  <a:schemeClr val="tx1"/>
+                </a:solidFill>
+              </a:rPr>
+              <a:t>Monday-Saturday : 8am - 5pm</a:t>
+            </a:r>
+            <a:endParaRPr lang="x-none" altLang="en-US" sz="1600">
+              <a:solidFill>
+                <a:schemeClr val="tx1"/>
+              </a:solidFill>
+            </a:endParaRPr>
+          </a:p>
+        </p:txBody>
+      </p:sp>
+      <p:sp>
+        <p:nvSpPr>
+          <p:cNvPr id="13" name="Rounded Rectangle 36"/>
+          <p:cNvSpPr/>
+          <p:nvPr/>
+        </p:nvSpPr>
+        <p:spPr>
+          <a:xfrm>
+            <a:off x="6928485" y="13087985"/>
+            <a:ext cx="1453515" cy="320675"/>
+          </a:xfrm>
+          <a:prstGeom prst="roundRect">
+            <a:avLst/>
+          </a:prstGeom>
+          <a:solidFill>
+            <a:schemeClr val="bg1"/>
+          </a:solidFill>
+          <a:ln>
+            <a:solidFill>
+              <a:schemeClr val="tx1"/>
+            </a:solidFill>
+          </a:ln>
+        </p:spPr>
+        <p:style>
+          <a:lnRef idx="2">
+            <a:schemeClr val="accent1">
+              <a:shade val="50000"/>
+            </a:schemeClr>
+          </a:lnRef>
+          <a:fillRef idx="1">
+            <a:schemeClr val="accent1"/>
+          </a:fillRef>
+          <a:effectRef idx="0">
+            <a:schemeClr val="accent1"/>
+          </a:effectRef>
+          <a:fontRef idx="minor">
+            <a:schemeClr val="lt1"/>
+          </a:fontRef>
+        </p:style>
+        <p:txBody>
+          <a:bodyPr rtlCol="0" anchor="ctr"/>
+          <a:p>
+            <a:pPr algn="ctr"/>
+            <a:r>
+              <a:rPr lang="x-none" altLang="en-US" sz="1600">
+                <a:solidFill>
+                  <a:schemeClr val="tx1"/>
+                </a:solidFill>
+              </a:rPr>
+              <a:t>Subscribe</a:t>
+            </a:r>
+            <a:endParaRPr lang="x-none" altLang="en-US" sz="1600">
+              <a:solidFill>
+                <a:schemeClr val="tx1"/>
+              </a:solidFill>
+            </a:endParaRPr>
+          </a:p>
+        </p:txBody>
+      </p:sp>
+      <p:sp>
+        <p:nvSpPr>
+          <p:cNvPr id="14" name="Text Box 13"/>
+          <p:cNvSpPr txBox="1"/>
+          <p:nvPr/>
+        </p:nvSpPr>
+        <p:spPr>
+          <a:xfrm>
+            <a:off x="156210" y="6307455"/>
+            <a:ext cx="4269105" cy="3138170"/>
+          </a:xfrm>
+          <a:prstGeom prst="rect">
+            <a:avLst/>
+          </a:prstGeom>
+          <a:noFill/>
+        </p:spPr>
+        <p:txBody>
+          <a:bodyPr wrap="square" rtlCol="0" anchor="t">
+            <a:spAutoFit/>
+          </a:bodyPr>
+          <a:p>
+            <a:pPr algn="ctr"/>
+            <a:r>
+              <a:rPr lang="x-none" altLang="en-US">
+                <a:sym typeface="+mn-ea"/>
+              </a:rPr>
+              <a:t>Nunc eu lorem vitae neque scelerisque imperdiet in ut tortor. Praesent sed tempus purus, quis venenatis ipsum. Nunc vel nulla vulputate, malesuada ex eu, hendrerit augue. Duis mattis imperdiet justo sit amet aliquam. Maecenas pellentesque ut lectus id sodales. Phasellus ac mi pharetra, maximus lectus sed, volutpat orci. Curabitur id dui erat.</a:t>
+            </a:r>
+            <a:endParaRPr lang="en-US"/>
+          </a:p>
+        </p:txBody>
+      </p:sp>
+      <p:sp>
+        <p:nvSpPr>
+          <p:cNvPr id="4" name="Folded Corner 3"/>
+          <p:cNvSpPr/>
+          <p:nvPr/>
+        </p:nvSpPr>
+        <p:spPr>
+          <a:xfrm>
+            <a:off x="1477010" y="2901315"/>
             <a:ext cx="1626870" cy="1281430"/>
           </a:xfrm>
           <a:prstGeom prst="foldedCorner">
@@ -17907,7 +19569,7 @@
                   <a:schemeClr val="tx1"/>
                 </a:solidFill>
               </a:rPr>
-              <a:t>a video can be put here</a:t>
+              <a:t>an image of the creator or a product</a:t>
             </a:r>
             <a:endParaRPr lang="x-none" altLang="en-US">
               <a:solidFill>
@@ -17917,90 +19579,6 @@
           </a:p>
         </p:txBody>
       </p:sp>
-      <p:sp>
-        <p:nvSpPr>
-          <p:cNvPr id="2" name="Folded Corner 1"/>
-          <p:cNvSpPr/>
-          <p:nvPr/>
-        </p:nvSpPr>
-        <p:spPr>
-          <a:xfrm>
-            <a:off x="1852295" y="10310495"/>
-            <a:ext cx="2638425" cy="1548765"/>
-          </a:xfrm>
-          <a:prstGeom prst="foldedCorner">
-            <a:avLst/>
-          </a:prstGeom>
-        </p:spPr>
-        <p:style>
-          <a:lnRef idx="0">
-            <a:schemeClr val="accent4"/>
-          </a:lnRef>
-          <a:fillRef idx="3">
-            <a:schemeClr val="accent4"/>
-          </a:fillRef>
-          <a:effectRef idx="3">
-            <a:schemeClr val="accent4"/>
-          </a:effectRef>
-          <a:fontRef idx="minor">
-            <a:schemeClr val="lt1"/>
-          </a:fontRef>
-        </p:style>
-        <p:txBody>
-          <a:bodyPr rtlCol="0" anchor="ctr"/>
-          <a:p>
-            <a:pPr algn="ctr"/>
-            <a:r>
-              <a:rPr lang="x-none" altLang="en-US">
-                <a:solidFill>
-                  <a:schemeClr val="tx1"/>
-                </a:solidFill>
-              </a:rPr>
-              <a:t>terms of conditions can be also put in this page</a:t>
-            </a:r>
-            <a:endParaRPr lang="x-none" altLang="en-US">
-              <a:solidFill>
-                <a:schemeClr val="tx1"/>
-              </a:solidFill>
-            </a:endParaRPr>
-          </a:p>
-        </p:txBody>
-      </p:sp>
-      <p:cxnSp>
-        <p:nvCxnSpPr>
-          <p:cNvPr id="8" name="Straight Connector 7"/>
-          <p:cNvCxnSpPr/>
-          <p:nvPr/>
-        </p:nvCxnSpPr>
-        <p:spPr>
-          <a:xfrm>
-            <a:off x="5867400" y="828675"/>
-            <a:ext cx="841375" cy="0"/>
-          </a:xfrm>
-          <a:prstGeom prst="line">
-            <a:avLst/>
-          </a:prstGeom>
-          <a:ln w="79375">
-            <a:solidFill>
-              <a:srgbClr val="844D36"/>
-            </a:solidFill>
-          </a:ln>
-        </p:spPr>
-        <p:style>
-          <a:lnRef idx="1">
-            <a:schemeClr val="accent1"/>
-          </a:lnRef>
-          <a:fillRef idx="0">
-            <a:schemeClr val="accent1"/>
-          </a:fillRef>
-          <a:effectRef idx="0">
-            <a:schemeClr val="accent1"/>
-          </a:effectRef>
-          <a:fontRef idx="minor">
-            <a:schemeClr val="tx1"/>
-          </a:fontRef>
-        </p:style>
-      </p:cxnSp>
     </p:spTree>
   </p:cSld>
   <p:clrMapOvr>
@@ -18019,6 +19597,84 @@
         <p:nvPr/>
       </p:nvGrpSpPr>
       <p:grpSpPr/>
+      <p:pic>
+        <p:nvPicPr>
+          <p:cNvPr id="33" name="Picture 32" descr="map"/>
+          <p:cNvPicPr>
+            <a:picLocks noChangeAspect="1"/>
+          </p:cNvPicPr>
+          <p:nvPr/>
+        </p:nvPicPr>
+        <p:blipFill>
+          <a:blip r:embed="rId1"/>
+          <a:stretch>
+            <a:fillRect/>
+          </a:stretch>
+        </p:blipFill>
+        <p:spPr>
+          <a:xfrm>
+            <a:off x="232410" y="2026920"/>
+            <a:ext cx="8754110" cy="4671060"/>
+          </a:xfrm>
+          <a:prstGeom prst="rect">
+            <a:avLst/>
+          </a:prstGeom>
+          <a:ln>
+            <a:solidFill>
+              <a:schemeClr val="tx1"/>
+            </a:solidFill>
+          </a:ln>
+        </p:spPr>
+      </p:pic>
+      <p:sp>
+        <p:nvSpPr>
+          <p:cNvPr id="26" name="Rectangle 25"/>
+          <p:cNvSpPr/>
+          <p:nvPr/>
+        </p:nvSpPr>
+        <p:spPr>
+          <a:xfrm>
+            <a:off x="5222875" y="3361055"/>
+            <a:ext cx="3611245" cy="1850390"/>
+          </a:xfrm>
+          <a:prstGeom prst="rect">
+            <a:avLst/>
+          </a:prstGeom>
+          <a:solidFill>
+            <a:schemeClr val="bg1">
+              <a:alpha val="57000"/>
+            </a:schemeClr>
+          </a:solidFill>
+          <a:ln>
+            <a:solidFill>
+              <a:schemeClr val="tx1"/>
+            </a:solidFill>
+          </a:ln>
+        </p:spPr>
+        <p:style>
+          <a:lnRef idx="2">
+            <a:schemeClr val="accent1">
+              <a:shade val="50000"/>
+            </a:schemeClr>
+          </a:lnRef>
+          <a:fillRef idx="1">
+            <a:schemeClr val="accent1"/>
+          </a:fillRef>
+          <a:effectRef idx="0">
+            <a:schemeClr val="accent1"/>
+          </a:effectRef>
+          <a:fontRef idx="minor">
+            <a:schemeClr val="lt1"/>
+          </a:fontRef>
+        </p:style>
+        <p:txBody>
+          <a:bodyPr rtlCol="0" anchor="ctr"/>
+          <a:p>
+            <a:pPr algn="ctr"/>
+            <a:endParaRPr lang="en-US"/>
+          </a:p>
+        </p:txBody>
+      </p:sp>
       <p:sp>
         <p:nvSpPr>
           <p:cNvPr id="1" name="Rectangle 38"/>
@@ -18363,7 +20019,7 @@
           <p:nvPr/>
         </p:nvPicPr>
         <p:blipFill>
-          <a:blip r:embed="rId1"/>
+          <a:blip r:embed="rId2"/>
           <a:stretch>
             <a:fillRect/>
           </a:stretch>
@@ -18448,30 +20104,6 @@
           </a:p>
         </p:txBody>
       </p:sp>
-      <p:pic>
-        <p:nvPicPr>
-          <p:cNvPr id="2097202" name="Picture 16" descr="empty"/>
-          <p:cNvPicPr>
-            <a:picLocks noChangeAspect="1"/>
-          </p:cNvPicPr>
-          <p:nvPr/>
-        </p:nvPicPr>
-        <p:blipFill>
-          <a:blip r:embed="rId2"/>
-          <a:stretch>
-            <a:fillRect/>
-          </a:stretch>
-        </p:blipFill>
-        <p:spPr>
-          <a:xfrm>
-            <a:off x="232410" y="2014855"/>
-            <a:ext cx="3997960" cy="3258185"/>
-          </a:xfrm>
-          <a:prstGeom prst="rect">
-            <a:avLst/>
-          </a:prstGeom>
-        </p:spPr>
-      </p:pic>
       <p:sp>
         <p:nvSpPr>
           <p:cNvPr id="1048750" name="Rounded Rectangle 8"/>
@@ -18480,8 +20112,8 @@
         </p:nvSpPr>
         <p:spPr>
           <a:xfrm>
-            <a:off x="4394200" y="2014855"/>
-            <a:ext cx="4445000" cy="2475865"/>
+            <a:off x="2434590" y="6925310"/>
+            <a:ext cx="4445000" cy="659130"/>
           </a:xfrm>
           <a:prstGeom prst="roundRect">
             <a:avLst/>
@@ -18525,54 +20157,6 @@
               </a:solidFill>
             </a:endParaRPr>
           </a:p>
-          <a:p>
-            <a:pPr algn="ctr"/>
-            <a:endParaRPr lang="x-none" altLang="en-US" sz="1600">
-              <a:solidFill>
-                <a:schemeClr val="tx1"/>
-              </a:solidFill>
-            </a:endParaRPr>
-          </a:p>
-          <a:p>
-            <a:pPr algn="l"/>
-            <a:r>
-              <a:rPr lang="x-none" altLang="en-US" sz="1600">
-                <a:solidFill>
-                  <a:schemeClr val="tx1"/>
-                </a:solidFill>
-              </a:rPr>
-              <a:t>    Name :</a:t>
-            </a:r>
-            <a:endParaRPr lang="x-none" altLang="en-US" sz="1600">
-              <a:solidFill>
-                <a:schemeClr val="tx1"/>
-              </a:solidFill>
-            </a:endParaRPr>
-          </a:p>
-          <a:p>
-            <a:pPr algn="l"/>
-            <a:endParaRPr lang="x-none" altLang="en-US" sz="1600">
-              <a:solidFill>
-                <a:schemeClr val="tx1"/>
-              </a:solidFill>
-            </a:endParaRPr>
-          </a:p>
-          <a:p>
-            <a:pPr algn="l"/>
-            <a:r>
-              <a:rPr lang="x-none" altLang="en-US" sz="1600">
-                <a:solidFill>
-                  <a:schemeClr val="tx1"/>
-                </a:solidFill>
-              </a:rPr>
-              <a:t> Number :</a:t>
-            </a:r>
-            <a:endParaRPr lang="x-none" altLang="en-US" sz="1600">
-              <a:solidFill>
-                <a:schemeClr val="tx1"/>
-              </a:solidFill>
-            </a:endParaRPr>
-          </a:p>
         </p:txBody>
       </p:sp>
       <p:sp>
@@ -18583,15 +20167,17 @@
         </p:nvSpPr>
         <p:spPr>
           <a:xfrm>
-            <a:off x="4776470" y="4257675"/>
-            <a:ext cx="3910330" cy="939165"/>
+            <a:off x="276225" y="8419465"/>
+            <a:ext cx="8557260" cy="2356485"/>
           </a:xfrm>
           <a:prstGeom prst="roundRect">
             <a:avLst>
               <a:gd name="adj" fmla="val 16558"/>
             </a:avLst>
           </a:prstGeom>
-          <a:noFill/>
+          <a:solidFill>
+            <a:schemeClr val="bg1"/>
+          </a:solidFill>
           <a:ln>
             <a:solidFill>
               <a:schemeClr val="bg1">
@@ -18617,9 +20203,13 @@
           </a:fontRef>
         </p:style>
         <p:txBody>
-          <a:bodyPr rtlCol="0" anchor="ctr" anchorCtr="0"/>
-          <a:p>
-            <a:pPr algn="ctr"/>
+          <a:bodyPr rtlCol="0" anchor="t" anchorCtr="0"/>
+          <a:p>
+            <a:pPr algn="l">
+              <a:lnSpc>
+                <a:spcPct val="110000"/>
+              </a:lnSpc>
+            </a:pPr>
             <a:r>
               <a:rPr lang="x-none" altLang="en-US" sz="1600">
                 <a:solidFill>
@@ -18628,7 +20218,7 @@
                   </a:schemeClr>
                 </a:solidFill>
               </a:rPr>
-              <a:t>Type your Message Here</a:t>
+              <a:t>	Your Message</a:t>
             </a:r>
             <a:endParaRPr lang="x-none" altLang="en-US" sz="1600">
               <a:solidFill>
@@ -18642,52 +20232,29 @@
       </p:sp>
       <p:sp>
         <p:nvSpPr>
-          <p:cNvPr id="1048752" name="Text Box 2"/>
-          <p:cNvSpPr txBox="1"/>
-          <p:nvPr/>
-        </p:nvSpPr>
-        <p:spPr>
-          <a:xfrm>
-            <a:off x="5913120" y="3813810"/>
-            <a:ext cx="1224280" cy="358140"/>
-          </a:xfrm>
-          <a:prstGeom prst="rect">
-            <a:avLst/>
-          </a:prstGeom>
-          <a:noFill/>
-        </p:spPr>
-        <p:txBody>
-          <a:bodyPr wrap="none" rtlCol="0" anchor="t">
-            <a:spAutoFit/>
-          </a:bodyPr>
-          <a:p>
-            <a:r>
-              <a:rPr lang="x-none" altLang="en-US">
-                <a:sym typeface="+mn-ea"/>
-              </a:rPr>
-              <a:t>Message : </a:t>
-            </a:r>
-            <a:endParaRPr lang="en-US"/>
-          </a:p>
-        </p:txBody>
-      </p:sp>
-      <p:sp>
-        <p:nvSpPr>
-          <p:cNvPr id="1048753" name="Rounded Rectangle 3"/>
+          <p:cNvPr id="1048754" name="Rounded Rectangle 4"/>
           <p:cNvSpPr/>
           <p:nvPr/>
         </p:nvSpPr>
         <p:spPr>
           <a:xfrm>
-            <a:off x="293370" y="4617720"/>
-            <a:ext cx="4019550" cy="782320"/>
+            <a:off x="6264275" y="7716520"/>
+            <a:ext cx="2574925" cy="436880"/>
           </a:xfrm>
           <a:prstGeom prst="roundRect">
-            <a:avLst/>
-          </a:prstGeom>
-          <a:noFill/>
+            <a:avLst>
+              <a:gd name="adj" fmla="val 16558"/>
+            </a:avLst>
+          </a:prstGeom>
+          <a:solidFill>
+            <a:schemeClr val="bg1"/>
+          </a:solidFill>
           <a:ln>
-            <a:noFill/>
+            <a:solidFill>
+              <a:schemeClr val="bg1">
+                <a:lumMod val="50000"/>
+              </a:schemeClr>
+            </a:solidFill>
           </a:ln>
         </p:spPr>
         <p:style>
@@ -18707,58 +20274,48 @@
           </a:fontRef>
         </p:style>
         <p:txBody>
-          <a:bodyPr rtlCol="0" anchor="t" anchorCtr="0"/>
-          <a:p>
-            <a:pPr algn="ctr"/>
+          <a:bodyPr rtlCol="0" anchor="ctr" anchorCtr="0"/>
+          <a:p>
+            <a:pPr algn="l"/>
             <a:r>
               <a:rPr lang="x-none" altLang="en-US" sz="1600">
                 <a:solidFill>
-                  <a:schemeClr val="tx1"/>
-                </a:solidFill>
-              </a:rPr>
-              <a:t>Image</a:t>
-            </a:r>
-            <a:endParaRPr lang="x-none" altLang="en-US" sz="1600">
-              <a:solidFill>
-                <a:schemeClr val="tx1"/>
-              </a:solidFill>
-            </a:endParaRPr>
-          </a:p>
-          <a:p>
-            <a:pPr algn="ctr"/>
-            <a:r>
-              <a:rPr lang="x-none" altLang="en-US" sz="1600">
-                <a:solidFill>
-                  <a:schemeClr val="tx1"/>
-                </a:solidFill>
-              </a:rPr>
-              <a:t>or map</a:t>
-            </a:r>
-            <a:endParaRPr lang="x-none" altLang="en-US" sz="1600">
-              <a:solidFill>
-                <a:schemeClr val="tx1"/>
-              </a:solidFill>
-            </a:endParaRPr>
-          </a:p>
-        </p:txBody>
-      </p:sp>
-      <p:sp>
-        <p:nvSpPr>
-          <p:cNvPr id="1048754" name="Rounded Rectangle 4"/>
+                  <a:schemeClr val="bg1">
+                    <a:lumMod val="50000"/>
+                  </a:schemeClr>
+                </a:solidFill>
+              </a:rPr>
+              <a:t>        Your email</a:t>
+            </a:r>
+            <a:endParaRPr lang="x-none" altLang="en-US" sz="1600">
+              <a:solidFill>
+                <a:schemeClr val="bg1">
+                  <a:lumMod val="50000"/>
+                </a:schemeClr>
+              </a:solidFill>
+            </a:endParaRPr>
+          </a:p>
+        </p:txBody>
+      </p:sp>
+      <p:sp>
+        <p:nvSpPr>
+          <p:cNvPr id="1048755" name="Rounded Rectangle 9"/>
           <p:cNvSpPr/>
           <p:nvPr/>
         </p:nvSpPr>
         <p:spPr>
           <a:xfrm>
-            <a:off x="5722620" y="3110865"/>
-            <a:ext cx="2964180" cy="436880"/>
+            <a:off x="303530" y="7716520"/>
+            <a:ext cx="2621915" cy="436880"/>
           </a:xfrm>
           <a:prstGeom prst="roundRect">
             <a:avLst>
               <a:gd name="adj" fmla="val 16558"/>
             </a:avLst>
           </a:prstGeom>
-          <a:noFill/>
+          <a:solidFill>
+            <a:schemeClr val="bg1"/>
+          </a:solidFill>
           <a:ln>
             <a:solidFill>
               <a:schemeClr val="bg1">
@@ -18786,7 +20343,7 @@
         <p:txBody>
           <a:bodyPr rtlCol="0" anchor="ctr" anchorCtr="0"/>
           <a:p>
-            <a:pPr algn="ctr"/>
+            <a:pPr algn="l"/>
             <a:r>
               <a:rPr lang="x-none" altLang="en-US" sz="1600">
                 <a:solidFill>
@@ -18795,7 +20352,7 @@
                   </a:schemeClr>
                 </a:solidFill>
               </a:rPr>
-              <a:t>Type your phone number</a:t>
+              <a:t>      Your name</a:t>
             </a:r>
             <a:endParaRPr lang="x-none" altLang="en-US" sz="1600">
               <a:solidFill>
@@ -18807,81 +20364,51 @@
           </a:p>
         </p:txBody>
       </p:sp>
-      <p:sp>
-        <p:nvSpPr>
-          <p:cNvPr id="1048755" name="Rounded Rectangle 9"/>
-          <p:cNvSpPr/>
-          <p:nvPr/>
-        </p:nvSpPr>
-        <p:spPr>
-          <a:xfrm>
-            <a:off x="5735320" y="2612390"/>
-            <a:ext cx="2964180" cy="436880"/>
-          </a:xfrm>
-          <a:prstGeom prst="roundRect">
-            <a:avLst>
-              <a:gd name="adj" fmla="val 16558"/>
-            </a:avLst>
-          </a:prstGeom>
-          <a:noFill/>
-          <a:ln>
+      <p:cxnSp>
+        <p:nvCxnSpPr>
+          <p:cNvPr id="8" name="Straight Connector 7"/>
+          <p:cNvCxnSpPr/>
+          <p:nvPr/>
+        </p:nvCxnSpPr>
+        <p:spPr>
+          <a:xfrm>
+            <a:off x="7167245" y="828675"/>
+            <a:ext cx="932815" cy="0"/>
+          </a:xfrm>
+          <a:prstGeom prst="line">
+            <a:avLst/>
+          </a:prstGeom>
+          <a:ln w="79375">
             <a:solidFill>
-              <a:schemeClr val="bg1">
-                <a:lumMod val="50000"/>
-              </a:schemeClr>
+              <a:srgbClr val="844D36"/>
             </a:solidFill>
           </a:ln>
         </p:spPr>
         <p:style>
-          <a:lnRef idx="2">
-            <a:schemeClr val="accent1">
-              <a:shade val="50000"/>
-            </a:schemeClr>
+          <a:lnRef idx="1">
+            <a:schemeClr val="accent1"/>
           </a:lnRef>
-          <a:fillRef idx="1">
+          <a:fillRef idx="0">
             <a:schemeClr val="accent1"/>
           </a:fillRef>
           <a:effectRef idx="0">
             <a:schemeClr val="accent1"/>
           </a:effectRef>
           <a:fontRef idx="minor">
-            <a:schemeClr val="lt1"/>
+            <a:schemeClr val="tx1"/>
           </a:fontRef>
         </p:style>
-        <p:txBody>
-          <a:bodyPr rtlCol="0" anchor="ctr" anchorCtr="0"/>
-          <a:p>
-            <a:pPr algn="ctr"/>
-            <a:r>
-              <a:rPr lang="x-none" altLang="en-US" sz="1600">
-                <a:solidFill>
-                  <a:schemeClr val="bg1">
-                    <a:lumMod val="50000"/>
-                  </a:schemeClr>
-                </a:solidFill>
-              </a:rPr>
-              <a:t>How Should I call you ?</a:t>
-            </a:r>
-            <a:endParaRPr lang="x-none" altLang="en-US" sz="1600">
-              <a:solidFill>
-                <a:schemeClr val="bg1">
-                  <a:lumMod val="50000"/>
-                </a:schemeClr>
-              </a:solidFill>
-            </a:endParaRPr>
-          </a:p>
-        </p:txBody>
-      </p:sp>
-      <p:sp>
-        <p:nvSpPr>
-          <p:cNvPr id="1048596" name="Rectangle 39"/>
+      </p:cxnSp>
+      <p:sp>
+        <p:nvSpPr>
+          <p:cNvPr id="13" name="Rectangle 39"/>
           <p:cNvSpPr/>
           <p:nvPr/>
         </p:nvSpPr>
         <p:spPr>
           <a:xfrm>
-            <a:off x="3810" y="12063730"/>
-            <a:ext cx="9135745" cy="1702435"/>
+            <a:off x="3810" y="11765915"/>
+            <a:ext cx="9135745" cy="2000250"/>
           </a:xfrm>
           <a:prstGeom prst="rect">
             <a:avLst/>
@@ -18933,13 +20460,13 @@
       </p:sp>
       <p:sp>
         <p:nvSpPr>
-          <p:cNvPr id="1048597" name="Rectangle 40"/>
+          <p:cNvPr id="14" name="Rectangle 40"/>
           <p:cNvSpPr/>
           <p:nvPr/>
         </p:nvSpPr>
         <p:spPr>
           <a:xfrm>
-            <a:off x="539327" y="11992532"/>
+            <a:off x="539327" y="11916332"/>
             <a:ext cx="2150533" cy="1786467"/>
           </a:xfrm>
           <a:prstGeom prst="rect">
@@ -19052,14 +20579,14 @@
       </p:sp>
       <p:sp>
         <p:nvSpPr>
-          <p:cNvPr id="1048598" name="Rectangle 41"/>
+          <p:cNvPr id="15" name="Rectangle 42"/>
           <p:cNvSpPr/>
           <p:nvPr/>
         </p:nvSpPr>
         <p:spPr>
           <a:xfrm>
-            <a:off x="3317875" y="11979832"/>
-            <a:ext cx="2150533" cy="1786467"/>
+            <a:off x="6535420" y="11527155"/>
+            <a:ext cx="2240280" cy="1786255"/>
           </a:xfrm>
           <a:prstGeom prst="rect">
             <a:avLst/>
@@ -19095,77 +20622,6 @@
                   <a:schemeClr val="tx1"/>
                 </a:solidFill>
               </a:rPr>
-              <a:t>Facebook</a:t>
-            </a:r>
-            <a:endParaRPr lang="x-none" altLang="en-US" sz="1600" b="1">
-              <a:solidFill>
-                <a:schemeClr val="tx1"/>
-              </a:solidFill>
-            </a:endParaRPr>
-          </a:p>
-          <a:p>
-            <a:pPr algn="ctr"/>
-            <a:r>
-              <a:rPr lang="x-none" altLang="en-US" sz="1600" b="1">
-                <a:solidFill>
-                  <a:schemeClr val="tx1"/>
-                </a:solidFill>
-              </a:rPr>
-              <a:t>Instagram</a:t>
-            </a:r>
-            <a:endParaRPr lang="x-none" altLang="en-US" sz="1600" b="1">
-              <a:solidFill>
-                <a:schemeClr val="tx1"/>
-              </a:solidFill>
-            </a:endParaRPr>
-          </a:p>
-        </p:txBody>
-      </p:sp>
-      <p:sp>
-        <p:nvSpPr>
-          <p:cNvPr id="1048599" name="Rectangle 42"/>
-          <p:cNvSpPr/>
-          <p:nvPr/>
-        </p:nvSpPr>
-        <p:spPr>
-          <a:xfrm>
-            <a:off x="6383443" y="11992532"/>
-            <a:ext cx="2150533" cy="1786467"/>
-          </a:xfrm>
-          <a:prstGeom prst="rect">
-            <a:avLst/>
-          </a:prstGeom>
-          <a:noFill/>
-          <a:ln>
-            <a:noFill/>
-          </a:ln>
-        </p:spPr>
-        <p:style>
-          <a:lnRef idx="2">
-            <a:schemeClr val="accent1">
-              <a:shade val="50000"/>
-            </a:schemeClr>
-          </a:lnRef>
-          <a:fillRef idx="1">
-            <a:schemeClr val="accent1"/>
-          </a:fillRef>
-          <a:effectRef idx="0">
-            <a:schemeClr val="accent1"/>
-          </a:effectRef>
-          <a:fontRef idx="minor">
-            <a:schemeClr val="lt1"/>
-          </a:fontRef>
-        </p:style>
-        <p:txBody>
-          <a:bodyPr rtlCol="0" anchor="ctr"/>
-          <a:p>
-            <a:pPr algn="l"/>
-            <a:r>
-              <a:rPr lang="x-none" altLang="en-US" sz="1600" b="1">
-                <a:solidFill>
-                  <a:schemeClr val="tx1"/>
-                </a:solidFill>
-              </a:rPr>
               <a:t>Newsletter</a:t>
             </a:r>
             <a:endParaRPr lang="x-none" altLang="en-US" sz="1600" b="1">
@@ -19194,14 +20650,14 @@
       </p:sp>
       <p:sp>
         <p:nvSpPr>
-          <p:cNvPr id="2" name="Rounded Rectangle 43"/>
+          <p:cNvPr id="16" name="Rounded Rectangle 43"/>
           <p:cNvSpPr/>
           <p:nvPr/>
         </p:nvSpPr>
         <p:spPr>
           <a:xfrm>
-            <a:off x="6383443" y="12847665"/>
-            <a:ext cx="2239433" cy="407247"/>
+            <a:off x="6383655" y="12466955"/>
+            <a:ext cx="2603500" cy="407035"/>
           </a:xfrm>
           <a:prstGeom prst="roundRect">
             <a:avLst/>
@@ -19237,14 +20693,649 @@
         <p:txBody>
           <a:bodyPr rtlCol="0" anchor="ctr"/>
           <a:p>
-            <a:pPr algn="ctr"/>
+            <a:pPr algn="l"/>
             <a:r>
               <a:rPr lang="x-none" altLang="en-US" sz="1600">
                 <a:solidFill>
-                  <a:schemeClr val="tx1"/>
-                </a:solidFill>
-              </a:rPr>
-              <a:t>mail</a:t>
+                  <a:schemeClr val="bg1">
+                    <a:lumMod val="50000"/>
+                  </a:schemeClr>
+                </a:solidFill>
+              </a:rPr>
+              <a:t>Email Address</a:t>
+            </a:r>
+            <a:endParaRPr lang="x-none" altLang="en-US" sz="1600">
+              <a:solidFill>
+                <a:schemeClr val="bg1">
+                  <a:lumMod val="50000"/>
+                </a:schemeClr>
+              </a:solidFill>
+            </a:endParaRPr>
+          </a:p>
+        </p:txBody>
+      </p:sp>
+      <p:pic>
+        <p:nvPicPr>
+          <p:cNvPr id="17" name="Picture 16" descr="envelope2"/>
+          <p:cNvPicPr>
+            <a:picLocks noChangeAspect="1"/>
+          </p:cNvPicPr>
+          <p:nvPr/>
+        </p:nvPicPr>
+        <p:blipFill>
+          <a:blip r:embed="rId3"/>
+          <a:stretch>
+            <a:fillRect/>
+          </a:stretch>
+        </p:blipFill>
+        <p:spPr>
+          <a:xfrm>
+            <a:off x="4821555" y="11995150"/>
+            <a:ext cx="384810" cy="384810"/>
+          </a:xfrm>
+          <a:prstGeom prst="rect">
+            <a:avLst/>
+          </a:prstGeom>
+        </p:spPr>
+      </p:pic>
+      <p:pic>
+        <p:nvPicPr>
+          <p:cNvPr id="18" name="Picture 17" descr="facebook"/>
+          <p:cNvPicPr>
+            <a:picLocks noChangeAspect="1"/>
+          </p:cNvPicPr>
+          <p:nvPr/>
+        </p:nvPicPr>
+        <p:blipFill>
+          <a:blip r:embed="rId4"/>
+          <a:stretch>
+            <a:fillRect/>
+          </a:stretch>
+        </p:blipFill>
+        <p:spPr>
+          <a:xfrm>
+            <a:off x="3582035" y="11992610"/>
+            <a:ext cx="338455" cy="387350"/>
+          </a:xfrm>
+          <a:prstGeom prst="rect">
+            <a:avLst/>
+          </a:prstGeom>
+        </p:spPr>
+      </p:pic>
+      <p:pic>
+        <p:nvPicPr>
+          <p:cNvPr id="19" name="Picture 18" descr="instagram"/>
+          <p:cNvPicPr>
+            <a:picLocks noChangeAspect="1"/>
+          </p:cNvPicPr>
+          <p:nvPr/>
+        </p:nvPicPr>
+        <p:blipFill>
+          <a:blip r:embed="rId5"/>
+          <a:stretch>
+            <a:fillRect/>
+          </a:stretch>
+        </p:blipFill>
+        <p:spPr>
+          <a:xfrm>
+            <a:off x="4192905" y="11995150"/>
+            <a:ext cx="338455" cy="387350"/>
+          </a:xfrm>
+          <a:prstGeom prst="rect">
+            <a:avLst/>
+          </a:prstGeom>
+        </p:spPr>
+      </p:pic>
+      <p:sp>
+        <p:nvSpPr>
+          <p:cNvPr id="20" name="Rectangle 40"/>
+          <p:cNvSpPr/>
+          <p:nvPr/>
+        </p:nvSpPr>
+        <p:spPr>
+          <a:xfrm>
+            <a:off x="2581910" y="12414885"/>
+            <a:ext cx="3611880" cy="1282700"/>
+          </a:xfrm>
+          <a:prstGeom prst="rect">
+            <a:avLst/>
+          </a:prstGeom>
+          <a:noFill/>
+          <a:ln>
+            <a:noFill/>
+          </a:ln>
+        </p:spPr>
+        <p:style>
+          <a:lnRef idx="2">
+            <a:schemeClr val="accent1">
+              <a:shade val="50000"/>
+            </a:schemeClr>
+          </a:lnRef>
+          <a:fillRef idx="1">
+            <a:schemeClr val="accent1"/>
+          </a:fillRef>
+          <a:effectRef idx="0">
+            <a:schemeClr val="accent1"/>
+          </a:effectRef>
+          <a:fontRef idx="minor">
+            <a:schemeClr val="lt1"/>
+          </a:fontRef>
+        </p:style>
+        <p:txBody>
+          <a:bodyPr rtlCol="0" anchor="ctr"/>
+          <a:p>
+            <a:pPr algn="ctr"/>
+            <a:r>
+              <a:rPr lang="x-none" altLang="en-US" sz="1600">
+                <a:solidFill>
+                  <a:schemeClr val="tx1"/>
+                </a:solidFill>
+              </a:rPr>
+              <a:t>33 6 00 11 22 33</a:t>
+            </a:r>
+            <a:endParaRPr lang="x-none" altLang="en-US" sz="1600">
+              <a:solidFill>
+                <a:schemeClr val="tx1"/>
+              </a:solidFill>
+            </a:endParaRPr>
+          </a:p>
+          <a:p>
+            <a:pPr algn="ctr"/>
+            <a:r>
+              <a:rPr lang="x-none" altLang="en-US" sz="1600">
+                <a:solidFill>
+                  <a:schemeClr val="tx1"/>
+                </a:solidFill>
+              </a:rPr>
+              <a:t>contact@firedBowl.com</a:t>
+            </a:r>
+            <a:endParaRPr lang="x-none" altLang="en-US" sz="1600">
+              <a:solidFill>
+                <a:schemeClr val="tx1"/>
+              </a:solidFill>
+            </a:endParaRPr>
+          </a:p>
+          <a:p>
+            <a:pPr algn="ctr"/>
+            <a:r>
+              <a:rPr lang="x-none" altLang="en-US" sz="1600">
+                <a:solidFill>
+                  <a:schemeClr val="tx1"/>
+                </a:solidFill>
+              </a:rPr>
+              <a:t>68 Hollow road, London, UK</a:t>
+            </a:r>
+            <a:endParaRPr lang="x-none" altLang="en-US" sz="1600">
+              <a:solidFill>
+                <a:schemeClr val="tx1"/>
+              </a:solidFill>
+            </a:endParaRPr>
+          </a:p>
+          <a:p>
+            <a:pPr algn="ctr"/>
+            <a:r>
+              <a:rPr lang="x-none" altLang="en-US" sz="1600">
+                <a:solidFill>
+                  <a:schemeClr val="tx1"/>
+                </a:solidFill>
+              </a:rPr>
+              <a:t>Monday-Saturday : 8am - 5pm</a:t>
+            </a:r>
+            <a:endParaRPr lang="x-none" altLang="en-US" sz="1600">
+              <a:solidFill>
+                <a:schemeClr val="tx1"/>
+              </a:solidFill>
+            </a:endParaRPr>
+          </a:p>
+        </p:txBody>
+      </p:sp>
+      <p:sp>
+        <p:nvSpPr>
+          <p:cNvPr id="21" name="Rounded Rectangle 36"/>
+          <p:cNvSpPr/>
+          <p:nvPr/>
+        </p:nvSpPr>
+        <p:spPr>
+          <a:xfrm>
+            <a:off x="6928485" y="13087985"/>
+            <a:ext cx="1453515" cy="320675"/>
+          </a:xfrm>
+          <a:prstGeom prst="roundRect">
+            <a:avLst/>
+          </a:prstGeom>
+          <a:solidFill>
+            <a:schemeClr val="bg1"/>
+          </a:solidFill>
+          <a:ln>
+            <a:solidFill>
+              <a:schemeClr val="tx1"/>
+            </a:solidFill>
+          </a:ln>
+        </p:spPr>
+        <p:style>
+          <a:lnRef idx="2">
+            <a:schemeClr val="accent1">
+              <a:shade val="50000"/>
+            </a:schemeClr>
+          </a:lnRef>
+          <a:fillRef idx="1">
+            <a:schemeClr val="accent1"/>
+          </a:fillRef>
+          <a:effectRef idx="0">
+            <a:schemeClr val="accent1"/>
+          </a:effectRef>
+          <a:fontRef idx="minor">
+            <a:schemeClr val="lt1"/>
+          </a:fontRef>
+        </p:style>
+        <p:txBody>
+          <a:bodyPr rtlCol="0" anchor="ctr"/>
+          <a:p>
+            <a:pPr algn="ctr"/>
+            <a:r>
+              <a:rPr lang="x-none" altLang="en-US" sz="1600">
+                <a:solidFill>
+                  <a:schemeClr val="tx1"/>
+                </a:solidFill>
+              </a:rPr>
+              <a:t>Subscribe</a:t>
+            </a:r>
+            <a:endParaRPr lang="x-none" altLang="en-US" sz="1600">
+              <a:solidFill>
+                <a:schemeClr val="tx1"/>
+              </a:solidFill>
+            </a:endParaRPr>
+          </a:p>
+        </p:txBody>
+      </p:sp>
+      <p:pic>
+        <p:nvPicPr>
+          <p:cNvPr id="22" name="Picture 21" descr="envelope2"/>
+          <p:cNvPicPr>
+            <a:picLocks noChangeAspect="1"/>
+          </p:cNvPicPr>
+          <p:nvPr/>
+        </p:nvPicPr>
+        <p:blipFill>
+          <a:blip r:embed="rId3"/>
+          <a:stretch>
+            <a:fillRect/>
+          </a:stretch>
+        </p:blipFill>
+        <p:spPr>
+          <a:xfrm>
+            <a:off x="7462520" y="3509645"/>
+            <a:ext cx="384810" cy="384810"/>
+          </a:xfrm>
+          <a:prstGeom prst="rect">
+            <a:avLst/>
+          </a:prstGeom>
+        </p:spPr>
+      </p:pic>
+      <p:pic>
+        <p:nvPicPr>
+          <p:cNvPr id="23" name="Picture 22" descr="facebook"/>
+          <p:cNvPicPr>
+            <a:picLocks noChangeAspect="1"/>
+          </p:cNvPicPr>
+          <p:nvPr/>
+        </p:nvPicPr>
+        <p:blipFill>
+          <a:blip r:embed="rId4"/>
+          <a:stretch>
+            <a:fillRect/>
+          </a:stretch>
+        </p:blipFill>
+        <p:spPr>
+          <a:xfrm>
+            <a:off x="6223000" y="3507105"/>
+            <a:ext cx="338455" cy="387350"/>
+          </a:xfrm>
+          <a:prstGeom prst="rect">
+            <a:avLst/>
+          </a:prstGeom>
+        </p:spPr>
+      </p:pic>
+      <p:pic>
+        <p:nvPicPr>
+          <p:cNvPr id="24" name="Picture 23" descr="instagram"/>
+          <p:cNvPicPr>
+            <a:picLocks noChangeAspect="1"/>
+          </p:cNvPicPr>
+          <p:nvPr/>
+        </p:nvPicPr>
+        <p:blipFill>
+          <a:blip r:embed="rId5"/>
+          <a:stretch>
+            <a:fillRect/>
+          </a:stretch>
+        </p:blipFill>
+        <p:spPr>
+          <a:xfrm>
+            <a:off x="6833870" y="3509645"/>
+            <a:ext cx="338455" cy="387350"/>
+          </a:xfrm>
+          <a:prstGeom prst="rect">
+            <a:avLst/>
+          </a:prstGeom>
+        </p:spPr>
+      </p:pic>
+      <p:sp>
+        <p:nvSpPr>
+          <p:cNvPr id="25" name="Rectangle 40"/>
+          <p:cNvSpPr/>
+          <p:nvPr/>
+        </p:nvSpPr>
+        <p:spPr>
+          <a:xfrm>
+            <a:off x="5222875" y="3929380"/>
+            <a:ext cx="3611880" cy="1282700"/>
+          </a:xfrm>
+          <a:prstGeom prst="rect">
+            <a:avLst/>
+          </a:prstGeom>
+          <a:noFill/>
+          <a:ln>
+            <a:noFill/>
+          </a:ln>
+        </p:spPr>
+        <p:style>
+          <a:lnRef idx="2">
+            <a:schemeClr val="accent1">
+              <a:shade val="50000"/>
+            </a:schemeClr>
+          </a:lnRef>
+          <a:fillRef idx="1">
+            <a:schemeClr val="accent1"/>
+          </a:fillRef>
+          <a:effectRef idx="0">
+            <a:schemeClr val="accent1"/>
+          </a:effectRef>
+          <a:fontRef idx="minor">
+            <a:schemeClr val="lt1"/>
+          </a:fontRef>
+        </p:style>
+        <p:txBody>
+          <a:bodyPr rtlCol="0" anchor="ctr"/>
+          <a:p>
+            <a:pPr algn="ctr"/>
+            <a:r>
+              <a:rPr lang="x-none" altLang="en-US" sz="1600">
+                <a:solidFill>
+                  <a:schemeClr val="tx1"/>
+                </a:solidFill>
+              </a:rPr>
+              <a:t>33 6 00 11 22 33</a:t>
+            </a:r>
+            <a:endParaRPr lang="x-none" altLang="en-US" sz="1600">
+              <a:solidFill>
+                <a:schemeClr val="tx1"/>
+              </a:solidFill>
+            </a:endParaRPr>
+          </a:p>
+          <a:p>
+            <a:pPr algn="ctr"/>
+            <a:r>
+              <a:rPr lang="x-none" altLang="en-US" sz="1600">
+                <a:solidFill>
+                  <a:schemeClr val="tx1"/>
+                </a:solidFill>
+              </a:rPr>
+              <a:t>contact@firedBowl.com</a:t>
+            </a:r>
+            <a:endParaRPr lang="x-none" altLang="en-US" sz="1600">
+              <a:solidFill>
+                <a:schemeClr val="tx1"/>
+              </a:solidFill>
+            </a:endParaRPr>
+          </a:p>
+          <a:p>
+            <a:pPr algn="ctr"/>
+            <a:r>
+              <a:rPr lang="x-none" altLang="en-US" sz="1600">
+                <a:solidFill>
+                  <a:schemeClr val="tx1"/>
+                </a:solidFill>
+              </a:rPr>
+              <a:t>68 Hollow road, London, UK</a:t>
+            </a:r>
+            <a:endParaRPr lang="x-none" altLang="en-US" sz="1600">
+              <a:solidFill>
+                <a:schemeClr val="tx1"/>
+              </a:solidFill>
+            </a:endParaRPr>
+          </a:p>
+          <a:p>
+            <a:pPr algn="ctr"/>
+            <a:r>
+              <a:rPr lang="x-none" altLang="en-US" sz="1600">
+                <a:solidFill>
+                  <a:schemeClr val="tx1"/>
+                </a:solidFill>
+              </a:rPr>
+              <a:t>Monday-Saturday : 8am - 5pm</a:t>
+            </a:r>
+            <a:endParaRPr lang="x-none" altLang="en-US" sz="1600">
+              <a:solidFill>
+                <a:schemeClr val="tx1"/>
+              </a:solidFill>
+            </a:endParaRPr>
+          </a:p>
+        </p:txBody>
+      </p:sp>
+      <p:pic>
+        <p:nvPicPr>
+          <p:cNvPr id="27" name="Picture 26" descr="comment"/>
+          <p:cNvPicPr>
+            <a:picLocks noChangeAspect="1"/>
+          </p:cNvPicPr>
+          <p:nvPr/>
+        </p:nvPicPr>
+        <p:blipFill>
+          <a:blip r:embed="rId6"/>
+          <a:stretch>
+            <a:fillRect/>
+          </a:stretch>
+        </p:blipFill>
+        <p:spPr>
+          <a:xfrm>
+            <a:off x="462915" y="8519795"/>
+            <a:ext cx="518160" cy="518160"/>
+          </a:xfrm>
+          <a:prstGeom prst="rect">
+            <a:avLst/>
+          </a:prstGeom>
+        </p:spPr>
+      </p:pic>
+      <p:pic>
+        <p:nvPicPr>
+          <p:cNvPr id="28" name="Picture 27" descr="envelope"/>
+          <p:cNvPicPr>
+            <a:picLocks noChangeAspect="1"/>
+          </p:cNvPicPr>
+          <p:nvPr/>
+        </p:nvPicPr>
+        <p:blipFill>
+          <a:blip r:embed="rId7"/>
+          <a:stretch>
+            <a:fillRect/>
+          </a:stretch>
+        </p:blipFill>
+        <p:spPr>
+          <a:xfrm>
+            <a:off x="6358255" y="7716520"/>
+            <a:ext cx="391160" cy="391160"/>
+          </a:xfrm>
+          <a:prstGeom prst="rect">
+            <a:avLst/>
+          </a:prstGeom>
+        </p:spPr>
+      </p:pic>
+      <p:sp>
+        <p:nvSpPr>
+          <p:cNvPr id="31" name="Rounded Rectangle 9"/>
+          <p:cNvSpPr/>
+          <p:nvPr/>
+        </p:nvSpPr>
+        <p:spPr>
+          <a:xfrm>
+            <a:off x="3332480" y="7716520"/>
+            <a:ext cx="2621915" cy="436880"/>
+          </a:xfrm>
+          <a:prstGeom prst="roundRect">
+            <a:avLst>
+              <a:gd name="adj" fmla="val 16558"/>
+            </a:avLst>
+          </a:prstGeom>
+          <a:solidFill>
+            <a:schemeClr val="bg1"/>
+          </a:solidFill>
+          <a:ln>
+            <a:solidFill>
+              <a:schemeClr val="bg1">
+                <a:lumMod val="50000"/>
+              </a:schemeClr>
+            </a:solidFill>
+          </a:ln>
+        </p:spPr>
+        <p:style>
+          <a:lnRef idx="2">
+            <a:schemeClr val="accent1">
+              <a:shade val="50000"/>
+            </a:schemeClr>
+          </a:lnRef>
+          <a:fillRef idx="1">
+            <a:schemeClr val="accent1"/>
+          </a:fillRef>
+          <a:effectRef idx="0">
+            <a:schemeClr val="accent1"/>
+          </a:effectRef>
+          <a:fontRef idx="minor">
+            <a:schemeClr val="lt1"/>
+          </a:fontRef>
+        </p:style>
+        <p:txBody>
+          <a:bodyPr rtlCol="0" anchor="ctr" anchorCtr="0"/>
+          <a:p>
+            <a:pPr algn="l"/>
+            <a:r>
+              <a:rPr lang="x-none" altLang="en-US" sz="1550">
+                <a:solidFill>
+                  <a:schemeClr val="bg1">
+                    <a:lumMod val="50000"/>
+                  </a:schemeClr>
+                </a:solidFill>
+              </a:rPr>
+              <a:t>       Your phone number</a:t>
+            </a:r>
+            <a:endParaRPr lang="x-none" altLang="en-US" sz="1550">
+              <a:solidFill>
+                <a:schemeClr val="bg1">
+                  <a:lumMod val="50000"/>
+                </a:schemeClr>
+              </a:solidFill>
+            </a:endParaRPr>
+          </a:p>
+        </p:txBody>
+      </p:sp>
+      <p:pic>
+        <p:nvPicPr>
+          <p:cNvPr id="29" name="Picture 28" descr="phone"/>
+          <p:cNvPicPr>
+            <a:picLocks noChangeAspect="1"/>
+          </p:cNvPicPr>
+          <p:nvPr/>
+        </p:nvPicPr>
+        <p:blipFill>
+          <a:blip r:embed="rId8"/>
+          <a:stretch>
+            <a:fillRect/>
+          </a:stretch>
+        </p:blipFill>
+        <p:spPr>
+          <a:xfrm>
+            <a:off x="3437255" y="7761605"/>
+            <a:ext cx="346710" cy="346710"/>
+          </a:xfrm>
+          <a:prstGeom prst="rect">
+            <a:avLst/>
+          </a:prstGeom>
+        </p:spPr>
+      </p:pic>
+      <p:pic>
+        <p:nvPicPr>
+          <p:cNvPr id="30" name="Picture 29" descr="user"/>
+          <p:cNvPicPr>
+            <a:picLocks noChangeAspect="1"/>
+          </p:cNvPicPr>
+          <p:nvPr/>
+        </p:nvPicPr>
+        <p:blipFill>
+          <a:blip r:embed="rId9"/>
+          <a:stretch>
+            <a:fillRect/>
+          </a:stretch>
+        </p:blipFill>
+        <p:spPr>
+          <a:xfrm>
+            <a:off x="379730" y="7748270"/>
+            <a:ext cx="315595" cy="361315"/>
+          </a:xfrm>
+          <a:prstGeom prst="rect">
+            <a:avLst/>
+          </a:prstGeom>
+        </p:spPr>
+      </p:pic>
+      <p:sp>
+        <p:nvSpPr>
+          <p:cNvPr id="32" name="Rounded Rectangle 36"/>
+          <p:cNvSpPr/>
+          <p:nvPr/>
+        </p:nvSpPr>
+        <p:spPr>
+          <a:xfrm>
+            <a:off x="7172325" y="10928350"/>
+            <a:ext cx="1673860" cy="608965"/>
+          </a:xfrm>
+          <a:prstGeom prst="roundRect">
+            <a:avLst/>
+          </a:prstGeom>
+          <a:solidFill>
+            <a:schemeClr val="bg1"/>
+          </a:solidFill>
+          <a:ln>
+            <a:solidFill>
+              <a:schemeClr val="tx1"/>
+            </a:solidFill>
+          </a:ln>
+        </p:spPr>
+        <p:style>
+          <a:lnRef idx="2">
+            <a:schemeClr val="accent1">
+              <a:shade val="50000"/>
+            </a:schemeClr>
+          </a:lnRef>
+          <a:fillRef idx="1">
+            <a:schemeClr val="accent1"/>
+          </a:fillRef>
+          <a:effectRef idx="0">
+            <a:schemeClr val="accent1"/>
+          </a:effectRef>
+          <a:fontRef idx="minor">
+            <a:schemeClr val="lt1"/>
+          </a:fontRef>
+        </p:style>
+        <p:txBody>
+          <a:bodyPr rtlCol="0" anchor="ctr"/>
+          <a:p>
+            <a:pPr algn="ctr"/>
+            <a:r>
+              <a:rPr lang="x-none" altLang="en-US" sz="1600">
+                <a:solidFill>
+                  <a:schemeClr val="tx1"/>
+                </a:solidFill>
+              </a:rPr>
+              <a:t>SUBMIT</a:t>
             </a:r>
             <a:endParaRPr lang="x-none" altLang="en-US" sz="1600">
               <a:solidFill>
@@ -19262,7 +21353,7 @@
         </p:nvSpPr>
         <p:spPr>
           <a:xfrm>
-            <a:off x="2919730" y="5650865"/>
+            <a:off x="5743575" y="9017635"/>
             <a:ext cx="2638425" cy="1548765"/>
           </a:xfrm>
           <a:prstGeom prst="foldedCorner">
@@ -19303,41 +21394,6 @@
           </a:p>
         </p:txBody>
       </p:sp>
-      <p:cxnSp>
-        <p:nvCxnSpPr>
-          <p:cNvPr id="8" name="Straight Connector 7"/>
-          <p:cNvCxnSpPr/>
-          <p:nvPr/>
-        </p:nvCxnSpPr>
-        <p:spPr>
-          <a:xfrm>
-            <a:off x="7167245" y="828675"/>
-            <a:ext cx="932815" cy="0"/>
-          </a:xfrm>
-          <a:prstGeom prst="line">
-            <a:avLst/>
-          </a:prstGeom>
-          <a:ln w="79375">
-            <a:solidFill>
-              <a:srgbClr val="844D36"/>
-            </a:solidFill>
-          </a:ln>
-        </p:spPr>
-        <p:style>
-          <a:lnRef idx="1">
-            <a:schemeClr val="accent1"/>
-          </a:lnRef>
-          <a:fillRef idx="0">
-            <a:schemeClr val="accent1"/>
-          </a:fillRef>
-          <a:effectRef idx="0">
-            <a:schemeClr val="accent1"/>
-          </a:effectRef>
-          <a:fontRef idx="minor">
-            <a:schemeClr val="tx1"/>
-          </a:fontRef>
-        </p:style>
-      </p:cxnSp>
     </p:spTree>
   </p:cSld>
   <p:clrMapOvr>
@@ -19429,8 +21485,8 @@
         </p:nvSpPr>
         <p:spPr>
           <a:xfrm>
-            <a:off x="2676009" y="7391110"/>
-            <a:ext cx="3791346" cy="1400678"/>
+            <a:off x="2540635" y="7640320"/>
+            <a:ext cx="4060825" cy="1400810"/>
           </a:xfrm>
           <a:prstGeom prst="roundRect">
             <a:avLst/>
@@ -19466,7 +21522,7 @@
                   <a:schemeClr val="tx1"/>
                 </a:solidFill>
               </a:rPr>
-              <a:t>Short Description</a:t>
+              <a:t>Short and attractive description of 1 or 2 lines</a:t>
             </a:r>
             <a:endParaRPr lang="x-none" altLang="en-US" sz="2200">
               <a:solidFill>
@@ -19484,7 +21540,7 @@
         </p:nvGrpSpPr>
         <p:grpSpPr>
           <a:xfrm>
-            <a:off x="550545" y="8486140"/>
+            <a:off x="550545" y="8867140"/>
             <a:ext cx="7891145" cy="5486400"/>
             <a:chOff x="2062" y="11781"/>
             <a:chExt cx="5180" cy="3736"/>
@@ -19718,8 +21774,8 @@
         </p:nvSpPr>
         <p:spPr>
           <a:xfrm>
-            <a:off x="166370" y="3812885"/>
-            <a:ext cx="2239433" cy="1066800"/>
+            <a:off x="166370" y="3813175"/>
+            <a:ext cx="3009900" cy="1066800"/>
           </a:xfrm>
           <a:prstGeom prst="roundRect">
             <a:avLst/>
@@ -19755,7 +21811,7 @@
                   <a:schemeClr val="tx1"/>
                 </a:solidFill>
               </a:rPr>
-              <a:t>Short Description</a:t>
+              <a:t>Short Description of 1 or 2 lines</a:t>
             </a:r>
             <a:endParaRPr lang="x-none" altLang="en-US" sz="2400">
               <a:solidFill>
@@ -19823,14 +21879,14 @@
           <a:p>
             <a:pPr algn="ctr"/>
             <a:r>
-              <a:rPr lang="x-none" altLang="en-US">
+              <a:rPr lang="x-none" altLang="en-US" u="sng">
                 <a:solidFill>
                   <a:schemeClr val="tx1"/>
                 </a:solidFill>
               </a:rPr>
               <a:t>This is the smartphone version</a:t>
             </a:r>
-            <a:endParaRPr lang="x-none" altLang="en-US">
+            <a:endParaRPr lang="x-none" altLang="en-US" u="sng">
               <a:solidFill>
                 <a:schemeClr val="tx1"/>
               </a:solidFill>
@@ -19846,7 +21902,7 @@
         </p:nvSpPr>
         <p:spPr>
           <a:xfrm>
-            <a:off x="6217285" y="1299845"/>
+            <a:off x="6369685" y="1147445"/>
             <a:ext cx="2638425" cy="1548765"/>
           </a:xfrm>
           <a:prstGeom prst="foldedCorner">
